--- a/HiLoAnalysisUpdate.pptx
+++ b/HiLoAnalysisUpdate.pptx
@@ -6,17 +6,21 @@
   </p:sldMasterIdLst>
   <p:sldIdLst>
     <p:sldId id="256" r:id="rId2"/>
-    <p:sldId id="257" r:id="rId3"/>
-    <p:sldId id="258" r:id="rId4"/>
-    <p:sldId id="259" r:id="rId5"/>
-    <p:sldId id="260" r:id="rId6"/>
-    <p:sldId id="261" r:id="rId7"/>
-    <p:sldId id="262" r:id="rId8"/>
-    <p:sldId id="263" r:id="rId9"/>
-    <p:sldId id="264" r:id="rId10"/>
-    <p:sldId id="265" r:id="rId11"/>
-    <p:sldId id="266" r:id="rId12"/>
-    <p:sldId id="268" r:id="rId13"/>
+    <p:sldId id="269" r:id="rId3"/>
+    <p:sldId id="257" r:id="rId4"/>
+    <p:sldId id="271" r:id="rId5"/>
+    <p:sldId id="272" r:id="rId6"/>
+    <p:sldId id="274" r:id="rId7"/>
+    <p:sldId id="258" r:id="rId8"/>
+    <p:sldId id="259" r:id="rId9"/>
+    <p:sldId id="260" r:id="rId10"/>
+    <p:sldId id="261" r:id="rId11"/>
+    <p:sldId id="262" r:id="rId12"/>
+    <p:sldId id="263" r:id="rId13"/>
+    <p:sldId id="264" r:id="rId14"/>
+    <p:sldId id="265" r:id="rId15"/>
+    <p:sldId id="266" r:id="rId16"/>
+    <p:sldId id="268" r:id="rId17"/>
   </p:sldIdLst>
   <p:sldSz cx="12192000" cy="6858000"/>
   <p:notesSz cx="6858000" cy="9144000"/>
@@ -115,6 +119,11 @@
       </a:defRPr>
     </a:lvl9pPr>
   </p:defaultTextStyle>
+  <p:extLst>
+    <p:ext uri="{EFAFB233-063F-42B5-8137-9DF3F51BA10A}">
+      <p15:sldGuideLst xmlns:p15="http://schemas.microsoft.com/office/powerpoint/2012/main"/>
+    </p:ext>
+  </p:extLst>
 </p:presentation>
 </file>
 
@@ -318,7 +327,7 @@
           <a:p>
             <a:fld id="{0849E659-DC2D-467D-80C6-27792697C964}" type="datetimeFigureOut">
               <a:rPr lang="en-CA" smtClean="0"/>
-              <a:t>2021-06-17</a:t>
+              <a:t>2021-06-23</a:t>
             </a:fld>
             <a:endParaRPr lang="en-CA"/>
           </a:p>
@@ -508,7 +517,7 @@
           <a:p>
             <a:fld id="{0849E659-DC2D-467D-80C6-27792697C964}" type="datetimeFigureOut">
               <a:rPr lang="en-CA" smtClean="0"/>
-              <a:t>2021-06-17</a:t>
+              <a:t>2021-06-23</a:t>
             </a:fld>
             <a:endParaRPr lang="en-CA"/>
           </a:p>
@@ -688,7 +697,7 @@
           <a:p>
             <a:fld id="{0849E659-DC2D-467D-80C6-27792697C964}" type="datetimeFigureOut">
               <a:rPr lang="en-CA" smtClean="0"/>
-              <a:t>2021-06-17</a:t>
+              <a:t>2021-06-23</a:t>
             </a:fld>
             <a:endParaRPr lang="en-CA"/>
           </a:p>
@@ -858,7 +867,7 @@
           <a:p>
             <a:fld id="{0849E659-DC2D-467D-80C6-27792697C964}" type="datetimeFigureOut">
               <a:rPr lang="en-CA" smtClean="0"/>
-              <a:t>2021-06-17</a:t>
+              <a:t>2021-06-23</a:t>
             </a:fld>
             <a:endParaRPr lang="en-CA"/>
           </a:p>
@@ -1114,7 +1123,7 @@
           <a:p>
             <a:fld id="{0849E659-DC2D-467D-80C6-27792697C964}" type="datetimeFigureOut">
               <a:rPr lang="en-CA" smtClean="0"/>
-              <a:t>2021-06-17</a:t>
+              <a:t>2021-06-23</a:t>
             </a:fld>
             <a:endParaRPr lang="en-CA"/>
           </a:p>
@@ -1402,7 +1411,7 @@
           <a:p>
             <a:fld id="{0849E659-DC2D-467D-80C6-27792697C964}" type="datetimeFigureOut">
               <a:rPr lang="en-CA" smtClean="0"/>
-              <a:t>2021-06-17</a:t>
+              <a:t>2021-06-23</a:t>
             </a:fld>
             <a:endParaRPr lang="en-CA"/>
           </a:p>
@@ -1840,7 +1849,7 @@
           <a:p>
             <a:fld id="{0849E659-DC2D-467D-80C6-27792697C964}" type="datetimeFigureOut">
               <a:rPr lang="en-CA" smtClean="0"/>
-              <a:t>2021-06-17</a:t>
+              <a:t>2021-06-23</a:t>
             </a:fld>
             <a:endParaRPr lang="en-CA"/>
           </a:p>
@@ -1958,7 +1967,7 @@
           <a:p>
             <a:fld id="{0849E659-DC2D-467D-80C6-27792697C964}" type="datetimeFigureOut">
               <a:rPr lang="en-CA" smtClean="0"/>
-              <a:t>2021-06-17</a:t>
+              <a:t>2021-06-23</a:t>
             </a:fld>
             <a:endParaRPr lang="en-CA"/>
           </a:p>
@@ -2053,7 +2062,7 @@
           <a:p>
             <a:fld id="{0849E659-DC2D-467D-80C6-27792697C964}" type="datetimeFigureOut">
               <a:rPr lang="en-CA" smtClean="0"/>
-              <a:t>2021-06-17</a:t>
+              <a:t>2021-06-23</a:t>
             </a:fld>
             <a:endParaRPr lang="en-CA"/>
           </a:p>
@@ -2409,7 +2418,7 @@
           <a:p>
             <a:fld id="{0849E659-DC2D-467D-80C6-27792697C964}" type="datetimeFigureOut">
               <a:rPr lang="en-CA" smtClean="0"/>
-              <a:t>2021-06-17</a:t>
+              <a:t>2021-06-23</a:t>
             </a:fld>
             <a:endParaRPr lang="en-CA"/>
           </a:p>
@@ -2725,7 +2734,7 @@
           <a:p>
             <a:fld id="{0849E659-DC2D-467D-80C6-27792697C964}" type="datetimeFigureOut">
               <a:rPr lang="en-CA" smtClean="0"/>
-              <a:t>2021-06-17</a:t>
+              <a:t>2021-06-23</a:t>
             </a:fld>
             <a:endParaRPr lang="en-CA"/>
           </a:p>
@@ -2958,7 +2967,7 @@
           <a:p>
             <a:fld id="{0849E659-DC2D-467D-80C6-27792697C964}" type="datetimeFigureOut">
               <a:rPr lang="en-CA" smtClean="0"/>
-              <a:t>2021-06-17</a:t>
+              <a:t>2021-06-23</a:t>
             </a:fld>
             <a:endParaRPr lang="en-CA"/>
           </a:p>
@@ -3410,7 +3419,7 @@
                 <a16:creationId xmlns:a16="http://schemas.microsoft.com/office/drawing/2014/main" id="{0F97E041-634B-4B3E-8669-42583D95672F}"/>
               </a:ext>
               <a:ext uri="{C183D7F6-B498-43B3-948B-1728B52AA6E4}">
-                <adec:decorative xmlns:adec="http://schemas.microsoft.com/office/drawing/2017/decorative" val="1"/>
+                <adec:decorative xmlns:adec="http://schemas.microsoft.com/office/drawing/2017/decorative" xmlns="" val="1"/>
               </a:ext>
             </a:extLst>
           </p:cNvPr>
@@ -3473,7 +3482,7 @@
                 <a16:creationId xmlns:a16="http://schemas.microsoft.com/office/drawing/2014/main" id="{69825ADD-F95C-4747-9B41-5DB21C28E6D2}"/>
               </a:ext>
               <a:ext uri="{C183D7F6-B498-43B3-948B-1728B52AA6E4}">
-                <adec:decorative xmlns:adec="http://schemas.microsoft.com/office/drawing/2017/decorative" val="1"/>
+                <adec:decorative xmlns:adec="http://schemas.microsoft.com/office/drawing/2017/decorative" xmlns="" val="1"/>
               </a:ext>
             </a:extLst>
           </p:cNvPr>
@@ -3537,7 +3546,7 @@
                 <a16:creationId xmlns:a16="http://schemas.microsoft.com/office/drawing/2014/main" id="{86791A8E-B2BA-467D-BB87-8CFBFB13AF9F}"/>
               </a:ext>
               <a:ext uri="{C183D7F6-B498-43B3-948B-1728B52AA6E4}">
-                <adec:decorative xmlns:adec="http://schemas.microsoft.com/office/drawing/2017/decorative" val="1"/>
+                <adec:decorative xmlns:adec="http://schemas.microsoft.com/office/drawing/2017/decorative" xmlns="" val="1"/>
               </a:ext>
             </a:extLst>
           </p:cNvPr>
@@ -3623,12 +3632,32 @@
           <a:p>
             <a:pPr algn="ctr"/>
             <a:r>
-              <a:rPr lang="en-US" sz="2800" dirty="0">
+              <a:rPr lang="en-US" sz="2800" dirty="0" smtClean="0">
                 <a:solidFill>
                   <a:srgbClr val="FFFFFF"/>
                 </a:solidFill>
               </a:rPr>
-              <a:t>Now with new and improved analyses!</a:t>
+              <a:t>Working title: Tidal current speed influences fish biodiversity in British Columbia’s shallow subtidal zone</a:t>
+            </a:r>
+          </a:p>
+          <a:p>
+            <a:pPr algn="ctr"/>
+            <a:r>
+              <a:rPr lang="en-US" sz="2800" dirty="0" smtClean="0">
+                <a:solidFill>
+                  <a:srgbClr val="FFFFFF"/>
+                </a:solidFill>
+              </a:rPr>
+              <a:t>(I mean it does a bit? </a:t>
+            </a:r>
+            <a:r>
+              <a:rPr lang="en-US" sz="2800" dirty="0" smtClean="0">
+                <a:solidFill>
+                  <a:srgbClr val="FFFFFF"/>
+                </a:solidFill>
+                <a:sym typeface="Wingdings" panose="05000000000000000000" pitchFamily="2" charset="2"/>
+              </a:rPr>
+              <a:t> )</a:t>
             </a:r>
             <a:endParaRPr lang="en-CA" sz="2800" dirty="0">
               <a:solidFill>
@@ -3668,10 +3697,22 @@
           <a:p>
             <a:pPr algn="ctr"/>
             <a:r>
-              <a:rPr lang="en-US" sz="8000"/>
-              <a:t>HiLo Project Update</a:t>
-            </a:r>
-            <a:endParaRPr lang="en-CA" sz="8000"/>
+              <a:rPr lang="en-US" sz="8000" dirty="0" err="1"/>
+              <a:t>HiLo</a:t>
+            </a:r>
+            <a:r>
+              <a:rPr lang="en-US" sz="8000" dirty="0"/>
+              <a:t> </a:t>
+            </a:r>
+            <a:r>
+              <a:rPr lang="en-US" sz="8000" dirty="0" smtClean="0"/>
+              <a:t>Project Analysis </a:t>
+            </a:r>
+            <a:r>
+              <a:rPr lang="en-US" sz="8000" dirty="0"/>
+              <a:t>Update</a:t>
+            </a:r>
+            <a:endParaRPr lang="en-CA" sz="8000" dirty="0"/>
           </a:p>
         </p:txBody>
       </p:sp>
@@ -3689,6 +3730,973 @@
 </file>
 
 <file path=ppt/slides/slide10.xml><?xml version="1.0" encoding="utf-8"?>
+<p:sld xmlns:a="http://schemas.openxmlformats.org/drawingml/2006/main" xmlns:r="http://schemas.openxmlformats.org/officeDocument/2006/relationships" xmlns:p="http://schemas.openxmlformats.org/presentationml/2006/main">
+  <p:cSld>
+    <p:spTree>
+      <p:nvGrpSpPr>
+        <p:cNvPr id="1" name=""/>
+        <p:cNvGrpSpPr/>
+        <p:nvPr/>
+      </p:nvGrpSpPr>
+      <p:grpSpPr>
+        <a:xfrm>
+          <a:off x="0" y="0"/>
+          <a:ext cx="0" cy="0"/>
+          <a:chOff x="0" y="0"/>
+          <a:chExt cx="0" cy="0"/>
+        </a:xfrm>
+      </p:grpSpPr>
+      <p:sp>
+        <p:nvSpPr>
+          <p:cNvPr id="2" name="Title 1">
+            <a:extLst>
+              <a:ext uri="{FF2B5EF4-FFF2-40B4-BE49-F238E27FC236}">
+                <a16:creationId xmlns:a16="http://schemas.microsoft.com/office/drawing/2014/main" id="{8F46C5A6-F59F-4456-9054-E9D9A97262FD}"/>
+              </a:ext>
+            </a:extLst>
+          </p:cNvPr>
+          <p:cNvSpPr>
+            <a:spLocks noGrp="1"/>
+          </p:cNvSpPr>
+          <p:nvPr>
+            <p:ph type="title"/>
+          </p:nvPr>
+        </p:nvSpPr>
+        <p:spPr/>
+        <p:txBody>
+          <a:bodyPr/>
+          <a:lstStyle/>
+          <a:p>
+            <a:r>
+              <a:rPr lang="en-US" dirty="0"/>
+              <a:t>Research Objective </a:t>
+            </a:r>
+            <a:r>
+              <a:rPr lang="en-US" dirty="0" smtClean="0"/>
+              <a:t>3</a:t>
+            </a:r>
+            <a:endParaRPr lang="en-CA" dirty="0"/>
+          </a:p>
+        </p:txBody>
+      </p:sp>
+      <p:sp>
+        <p:nvSpPr>
+          <p:cNvPr id="4" name="Content Placeholder 3">
+            <a:extLst>
+              <a:ext uri="{FF2B5EF4-FFF2-40B4-BE49-F238E27FC236}">
+                <a16:creationId xmlns:a16="http://schemas.microsoft.com/office/drawing/2014/main" id="{BAD94FB1-A473-437A-A5CB-9B76B9A29672}"/>
+              </a:ext>
+            </a:extLst>
+          </p:cNvPr>
+          <p:cNvSpPr>
+            <a:spLocks noGrp="1"/>
+          </p:cNvSpPr>
+          <p:nvPr>
+            <p:ph idx="1"/>
+          </p:nvPr>
+        </p:nvSpPr>
+        <p:spPr/>
+        <p:txBody>
+          <a:bodyPr/>
+          <a:lstStyle/>
+          <a:p>
+            <a:pPr marL="0" indent="0">
+              <a:buNone/>
+            </a:pPr>
+            <a:r>
+              <a:rPr lang="en-US" dirty="0" smtClean="0"/>
+              <a:t>Determine </a:t>
+            </a:r>
+            <a:r>
+              <a:rPr lang="en-US" dirty="0"/>
+              <a:t>if habitat variables influence life history traits such as fish size and if these patterns vary with </a:t>
+            </a:r>
+            <a:r>
+              <a:rPr lang="en-US" dirty="0" smtClean="0"/>
+              <a:t>species</a:t>
+            </a:r>
+          </a:p>
+          <a:p>
+            <a:pPr marL="0" indent="0">
+              <a:buNone/>
+            </a:pPr>
+            <a:endParaRPr lang="en-US" dirty="0"/>
+          </a:p>
+          <a:p>
+            <a:pPr marL="0" indent="0">
+              <a:buNone/>
+            </a:pPr>
+            <a:r>
+              <a:rPr lang="en-US" dirty="0" smtClean="0"/>
+              <a:t>Analysis:</a:t>
+            </a:r>
+          </a:p>
+          <a:p>
+            <a:pPr>
+              <a:buFontTx/>
+              <a:buChar char="-"/>
+            </a:pPr>
+            <a:r>
+              <a:rPr lang="en-US" dirty="0" smtClean="0"/>
+              <a:t>Mixed effects model with partial pooling by species (fitting species as a random effect with random slope and intercept) to determine overall effect of depth on fish size by comparing to a null model</a:t>
+            </a:r>
+          </a:p>
+          <a:p>
+            <a:pPr>
+              <a:buFontTx/>
+              <a:buChar char="-"/>
+            </a:pPr>
+            <a:r>
+              <a:rPr lang="en-US" dirty="0" smtClean="0"/>
+              <a:t>Can look at individual fish coefficients as well from model </a:t>
+            </a:r>
+            <a:endParaRPr lang="en-CA" dirty="0"/>
+          </a:p>
+        </p:txBody>
+      </p:sp>
+    </p:spTree>
+    <p:extLst>
+      <p:ext uri="{BB962C8B-B14F-4D97-AF65-F5344CB8AC3E}">
+        <p14:creationId xmlns:p14="http://schemas.microsoft.com/office/powerpoint/2010/main" val="2746079923"/>
+      </p:ext>
+    </p:extLst>
+  </p:cSld>
+  <p:clrMapOvr>
+    <a:masterClrMapping/>
+  </p:clrMapOvr>
+</p:sld>
+</file>
+
+<file path=ppt/slides/slide11.xml><?xml version="1.0" encoding="utf-8"?>
+<p:sld xmlns:a="http://schemas.openxmlformats.org/drawingml/2006/main" xmlns:r="http://schemas.openxmlformats.org/officeDocument/2006/relationships" xmlns:p="http://schemas.openxmlformats.org/presentationml/2006/main">
+  <p:cSld>
+    <p:spTree>
+      <p:nvGrpSpPr>
+        <p:cNvPr id="1" name=""/>
+        <p:cNvGrpSpPr/>
+        <p:nvPr/>
+      </p:nvGrpSpPr>
+      <p:grpSpPr>
+        <a:xfrm>
+          <a:off x="0" y="0"/>
+          <a:ext cx="0" cy="0"/>
+          <a:chOff x="0" y="0"/>
+          <a:chExt cx="0" cy="0"/>
+        </a:xfrm>
+      </p:grpSpPr>
+      <p:pic>
+        <p:nvPicPr>
+          <p:cNvPr id="6" name="Picture 5"/>
+          <p:cNvPicPr>
+            <a:picLocks noChangeAspect="1"/>
+          </p:cNvPicPr>
+          <p:nvPr/>
+        </p:nvPicPr>
+        <p:blipFill>
+          <a:blip r:embed="rId2">
+            <a:extLst>
+              <a:ext uri="{28A0092B-C50C-407E-A947-70E740481C1C}">
+                <a14:useLocalDpi xmlns:a14="http://schemas.microsoft.com/office/drawing/2010/main" val="0"/>
+              </a:ext>
+            </a:extLst>
+          </a:blip>
+          <a:stretch>
+            <a:fillRect/>
+          </a:stretch>
+        </p:blipFill>
+        <p:spPr>
+          <a:xfrm>
+            <a:off x="1182254" y="190271"/>
+            <a:ext cx="8105441" cy="6565406"/>
+          </a:xfrm>
+          <a:prstGeom prst="rect">
+            <a:avLst/>
+          </a:prstGeom>
+        </p:spPr>
+      </p:pic>
+      <p:grpSp>
+        <p:nvGrpSpPr>
+          <p:cNvPr id="11" name="Group 10"/>
+          <p:cNvGrpSpPr/>
+          <p:nvPr/>
+        </p:nvGrpSpPr>
+        <p:grpSpPr>
+          <a:xfrm>
+            <a:off x="10229273" y="1311563"/>
+            <a:ext cx="1136736" cy="724993"/>
+            <a:chOff x="10229273" y="1311563"/>
+            <a:chExt cx="1136736" cy="724993"/>
+          </a:xfrm>
+        </p:grpSpPr>
+        <p:sp>
+          <p:nvSpPr>
+            <p:cNvPr id="7" name="Oval 6"/>
+            <p:cNvSpPr/>
+            <p:nvPr/>
+          </p:nvSpPr>
+          <p:spPr>
+            <a:xfrm>
+              <a:off x="10229273" y="1357683"/>
+              <a:ext cx="286327" cy="277091"/>
+            </a:xfrm>
+            <a:prstGeom prst="ellipse">
+              <a:avLst/>
+            </a:prstGeom>
+            <a:solidFill>
+              <a:schemeClr val="tx1"/>
+            </a:solidFill>
+          </p:spPr>
+          <p:style>
+            <a:lnRef idx="2">
+              <a:schemeClr val="accent1">
+                <a:shade val="50000"/>
+              </a:schemeClr>
+            </a:lnRef>
+            <a:fillRef idx="1">
+              <a:schemeClr val="accent1"/>
+            </a:fillRef>
+            <a:effectRef idx="0">
+              <a:schemeClr val="accent1"/>
+            </a:effectRef>
+            <a:fontRef idx="minor">
+              <a:schemeClr val="lt1"/>
+            </a:fontRef>
+          </p:style>
+          <p:txBody>
+            <a:bodyPr rtlCol="0" anchor="ctr"/>
+            <a:lstStyle/>
+            <a:p>
+              <a:pPr algn="ctr"/>
+              <a:endParaRPr lang="en-US"/>
+            </a:p>
+          </p:txBody>
+        </p:sp>
+        <p:sp>
+          <p:nvSpPr>
+            <p:cNvPr id="8" name="Oval 7"/>
+            <p:cNvSpPr/>
+            <p:nvPr/>
+          </p:nvSpPr>
+          <p:spPr>
+            <a:xfrm>
+              <a:off x="10233891" y="1759465"/>
+              <a:ext cx="286327" cy="277091"/>
+            </a:xfrm>
+            <a:prstGeom prst="ellipse">
+              <a:avLst/>
+            </a:prstGeom>
+            <a:solidFill>
+              <a:srgbClr val="FF0000"/>
+            </a:solidFill>
+            <a:ln>
+              <a:solidFill>
+                <a:srgbClr val="FF0000"/>
+              </a:solidFill>
+            </a:ln>
+          </p:spPr>
+          <p:style>
+            <a:lnRef idx="2">
+              <a:schemeClr val="accent1">
+                <a:shade val="50000"/>
+              </a:schemeClr>
+            </a:lnRef>
+            <a:fillRef idx="1">
+              <a:schemeClr val="accent1"/>
+            </a:fillRef>
+            <a:effectRef idx="0">
+              <a:schemeClr val="accent1"/>
+            </a:effectRef>
+            <a:fontRef idx="minor">
+              <a:schemeClr val="lt1"/>
+            </a:fontRef>
+          </p:style>
+          <p:txBody>
+            <a:bodyPr rtlCol="0" anchor="ctr"/>
+            <a:lstStyle/>
+            <a:p>
+              <a:pPr algn="ctr"/>
+              <a:endParaRPr lang="en-US"/>
+            </a:p>
+          </p:txBody>
+        </p:sp>
+        <p:sp>
+          <p:nvSpPr>
+            <p:cNvPr id="9" name="TextBox 8"/>
+            <p:cNvSpPr txBox="1"/>
+            <p:nvPr/>
+          </p:nvSpPr>
+          <p:spPr>
+            <a:xfrm>
+              <a:off x="10658764" y="1311563"/>
+              <a:ext cx="590226" cy="369332"/>
+            </a:xfrm>
+            <a:prstGeom prst="rect">
+              <a:avLst/>
+            </a:prstGeom>
+            <a:noFill/>
+          </p:spPr>
+          <p:txBody>
+            <a:bodyPr wrap="none" rtlCol="0">
+              <a:spAutoFit/>
+            </a:bodyPr>
+            <a:lstStyle/>
+            <a:p>
+              <a:r>
+                <a:rPr lang="en-US" dirty="0" smtClean="0"/>
+                <a:t>3 m </a:t>
+              </a:r>
+              <a:endParaRPr lang="en-US" dirty="0"/>
+            </a:p>
+          </p:txBody>
+        </p:sp>
+        <p:sp>
+          <p:nvSpPr>
+            <p:cNvPr id="10" name="TextBox 9"/>
+            <p:cNvSpPr txBox="1"/>
+            <p:nvPr/>
+          </p:nvSpPr>
+          <p:spPr>
+            <a:xfrm>
+              <a:off x="10658764" y="1667224"/>
+              <a:ext cx="707245" cy="369332"/>
+            </a:xfrm>
+            <a:prstGeom prst="rect">
+              <a:avLst/>
+            </a:prstGeom>
+            <a:noFill/>
+          </p:spPr>
+          <p:txBody>
+            <a:bodyPr wrap="none" rtlCol="0">
+              <a:spAutoFit/>
+            </a:bodyPr>
+            <a:lstStyle/>
+            <a:p>
+              <a:r>
+                <a:rPr lang="en-US" dirty="0" smtClean="0"/>
+                <a:t>15 m </a:t>
+              </a:r>
+              <a:endParaRPr lang="en-US" dirty="0"/>
+            </a:p>
+          </p:txBody>
+        </p:sp>
+      </p:grpSp>
+      <p:grpSp>
+        <p:nvGrpSpPr>
+          <p:cNvPr id="12" name="Group 11"/>
+          <p:cNvGrpSpPr/>
+          <p:nvPr/>
+        </p:nvGrpSpPr>
+        <p:grpSpPr>
+          <a:xfrm>
+            <a:off x="10229273" y="2673927"/>
+            <a:ext cx="1808523" cy="724993"/>
+            <a:chOff x="10229273" y="1311563"/>
+            <a:chExt cx="1808523" cy="724993"/>
+          </a:xfrm>
+        </p:grpSpPr>
+        <p:sp>
+          <p:nvSpPr>
+            <p:cNvPr id="13" name="Oval 12"/>
+            <p:cNvSpPr/>
+            <p:nvPr/>
+          </p:nvSpPr>
+          <p:spPr>
+            <a:xfrm>
+              <a:off x="10229273" y="1357683"/>
+              <a:ext cx="286327" cy="277091"/>
+            </a:xfrm>
+            <a:prstGeom prst="ellipse">
+              <a:avLst/>
+            </a:prstGeom>
+            <a:solidFill>
+              <a:srgbClr val="000000">
+                <a:alpha val="40000"/>
+              </a:srgbClr>
+            </a:solidFill>
+            <a:ln>
+              <a:noFill/>
+            </a:ln>
+          </p:spPr>
+          <p:style>
+            <a:lnRef idx="2">
+              <a:schemeClr val="accent1">
+                <a:shade val="50000"/>
+              </a:schemeClr>
+            </a:lnRef>
+            <a:fillRef idx="1">
+              <a:schemeClr val="accent1"/>
+            </a:fillRef>
+            <a:effectRef idx="0">
+              <a:schemeClr val="accent1"/>
+            </a:effectRef>
+            <a:fontRef idx="minor">
+              <a:schemeClr val="lt1"/>
+            </a:fontRef>
+          </p:style>
+          <p:txBody>
+            <a:bodyPr rtlCol="0" anchor="ctr"/>
+            <a:lstStyle/>
+            <a:p>
+              <a:pPr algn="ctr"/>
+              <a:endParaRPr lang="en-US"/>
+            </a:p>
+          </p:txBody>
+        </p:sp>
+        <p:sp>
+          <p:nvSpPr>
+            <p:cNvPr id="14" name="Oval 13"/>
+            <p:cNvSpPr/>
+            <p:nvPr/>
+          </p:nvSpPr>
+          <p:spPr>
+            <a:xfrm>
+              <a:off x="10233891" y="1759465"/>
+              <a:ext cx="286327" cy="277091"/>
+            </a:xfrm>
+            <a:prstGeom prst="ellipse">
+              <a:avLst/>
+            </a:prstGeom>
+            <a:solidFill>
+              <a:srgbClr val="FF0000">
+                <a:alpha val="40000"/>
+              </a:srgbClr>
+            </a:solidFill>
+            <a:ln>
+              <a:noFill/>
+            </a:ln>
+          </p:spPr>
+          <p:style>
+            <a:lnRef idx="2">
+              <a:schemeClr val="accent1">
+                <a:shade val="50000"/>
+              </a:schemeClr>
+            </a:lnRef>
+            <a:fillRef idx="1">
+              <a:schemeClr val="accent1"/>
+            </a:fillRef>
+            <a:effectRef idx="0">
+              <a:schemeClr val="accent1"/>
+            </a:effectRef>
+            <a:fontRef idx="minor">
+              <a:schemeClr val="lt1"/>
+            </a:fontRef>
+          </p:style>
+          <p:txBody>
+            <a:bodyPr rtlCol="0" anchor="ctr"/>
+            <a:lstStyle/>
+            <a:p>
+              <a:pPr algn="ctr"/>
+              <a:endParaRPr lang="en-US"/>
+            </a:p>
+          </p:txBody>
+        </p:sp>
+        <p:sp>
+          <p:nvSpPr>
+            <p:cNvPr id="15" name="TextBox 14"/>
+            <p:cNvSpPr txBox="1"/>
+            <p:nvPr/>
+          </p:nvSpPr>
+          <p:spPr>
+            <a:xfrm>
+              <a:off x="10658764" y="1311563"/>
+              <a:ext cx="1314912" cy="369332"/>
+            </a:xfrm>
+            <a:prstGeom prst="rect">
+              <a:avLst/>
+            </a:prstGeom>
+            <a:noFill/>
+          </p:spPr>
+          <p:txBody>
+            <a:bodyPr wrap="none" rtlCol="0">
+              <a:spAutoFit/>
+            </a:bodyPr>
+            <a:lstStyle/>
+            <a:p>
+              <a:r>
+                <a:rPr lang="en-US" dirty="0" smtClean="0"/>
+                <a:t>3 m overall  </a:t>
+              </a:r>
+              <a:endParaRPr lang="en-US" dirty="0"/>
+            </a:p>
+          </p:txBody>
+        </p:sp>
+        <p:sp>
+          <p:nvSpPr>
+            <p:cNvPr id="16" name="TextBox 15"/>
+            <p:cNvSpPr txBox="1"/>
+            <p:nvPr/>
+          </p:nvSpPr>
+          <p:spPr>
+            <a:xfrm>
+              <a:off x="10658764" y="1667224"/>
+              <a:ext cx="1379032" cy="369332"/>
+            </a:xfrm>
+            <a:prstGeom prst="rect">
+              <a:avLst/>
+            </a:prstGeom>
+            <a:noFill/>
+          </p:spPr>
+          <p:txBody>
+            <a:bodyPr wrap="none" rtlCol="0">
+              <a:spAutoFit/>
+            </a:bodyPr>
+            <a:lstStyle/>
+            <a:p>
+              <a:r>
+                <a:rPr lang="en-US" dirty="0" smtClean="0"/>
+                <a:t>15 m overall </a:t>
+              </a:r>
+              <a:endParaRPr lang="en-US" dirty="0"/>
+            </a:p>
+          </p:txBody>
+        </p:sp>
+      </p:grpSp>
+    </p:spTree>
+    <p:extLst>
+      <p:ext uri="{BB962C8B-B14F-4D97-AF65-F5344CB8AC3E}">
+        <p14:creationId xmlns:p14="http://schemas.microsoft.com/office/powerpoint/2010/main" val="2597286881"/>
+      </p:ext>
+    </p:extLst>
+  </p:cSld>
+  <p:clrMapOvr>
+    <a:masterClrMapping/>
+  </p:clrMapOvr>
+</p:sld>
+</file>
+
+<file path=ppt/slides/slide12.xml><?xml version="1.0" encoding="utf-8"?>
+<p:sld xmlns:a="http://schemas.openxmlformats.org/drawingml/2006/main" xmlns:r="http://schemas.openxmlformats.org/officeDocument/2006/relationships" xmlns:p="http://schemas.openxmlformats.org/presentationml/2006/main">
+  <p:cSld>
+    <p:spTree>
+      <p:nvGrpSpPr>
+        <p:cNvPr id="1" name=""/>
+        <p:cNvGrpSpPr/>
+        <p:nvPr/>
+      </p:nvGrpSpPr>
+      <p:grpSpPr>
+        <a:xfrm>
+          <a:off x="0" y="0"/>
+          <a:ext cx="0" cy="0"/>
+          <a:chOff x="0" y="0"/>
+          <a:chExt cx="0" cy="0"/>
+        </a:xfrm>
+      </p:grpSpPr>
+      <p:sp>
+        <p:nvSpPr>
+          <p:cNvPr id="2" name="Title 1">
+            <a:extLst>
+              <a:ext uri="{FF2B5EF4-FFF2-40B4-BE49-F238E27FC236}">
+                <a16:creationId xmlns:a16="http://schemas.microsoft.com/office/drawing/2014/main" id="{8F46C5A6-F59F-4456-9054-E9D9A97262FD}"/>
+              </a:ext>
+            </a:extLst>
+          </p:cNvPr>
+          <p:cNvSpPr>
+            <a:spLocks noGrp="1"/>
+          </p:cNvSpPr>
+          <p:nvPr>
+            <p:ph type="title"/>
+          </p:nvPr>
+        </p:nvSpPr>
+        <p:spPr/>
+        <p:txBody>
+          <a:bodyPr/>
+          <a:lstStyle/>
+          <a:p>
+            <a:r>
+              <a:rPr lang="en-US" dirty="0"/>
+              <a:t>Additional Figures</a:t>
+            </a:r>
+            <a:endParaRPr lang="en-CA" dirty="0"/>
+          </a:p>
+        </p:txBody>
+      </p:sp>
+      <p:sp>
+        <p:nvSpPr>
+          <p:cNvPr id="4" name="Content Placeholder 3">
+            <a:extLst>
+              <a:ext uri="{FF2B5EF4-FFF2-40B4-BE49-F238E27FC236}">
+                <a16:creationId xmlns:a16="http://schemas.microsoft.com/office/drawing/2014/main" id="{BAD94FB1-A473-437A-A5CB-9B76B9A29672}"/>
+              </a:ext>
+            </a:extLst>
+          </p:cNvPr>
+          <p:cNvSpPr>
+            <a:spLocks noGrp="1"/>
+          </p:cNvSpPr>
+          <p:nvPr>
+            <p:ph idx="1"/>
+          </p:nvPr>
+        </p:nvSpPr>
+        <p:spPr>
+          <a:xfrm>
+            <a:off x="838200" y="1825625"/>
+            <a:ext cx="6537293" cy="1414725"/>
+          </a:xfrm>
+        </p:spPr>
+        <p:txBody>
+          <a:bodyPr/>
+          <a:lstStyle/>
+          <a:p>
+            <a:pPr marL="0" indent="0">
+              <a:buNone/>
+            </a:pPr>
+            <a:r>
+              <a:rPr lang="en-US" dirty="0"/>
+              <a:t>Figure 1: Map of survey sites within the Southern Gulf Islands BC Canada. </a:t>
+            </a:r>
+            <a:r>
+              <a:rPr lang="en-US" dirty="0" err="1"/>
+              <a:t>Hul’q’umin’um</a:t>
+            </a:r>
+            <a:r>
+              <a:rPr lang="en-US" dirty="0"/>
+              <a:t>’ site names are used when they could be found in the literature. </a:t>
+            </a:r>
+            <a:endParaRPr lang="en-CA" dirty="0"/>
+          </a:p>
+        </p:txBody>
+      </p:sp>
+      <p:sp>
+        <p:nvSpPr>
+          <p:cNvPr id="3" name="Rectangle 2">
+            <a:extLst>
+              <a:ext uri="{FF2B5EF4-FFF2-40B4-BE49-F238E27FC236}">
+                <a16:creationId xmlns:a16="http://schemas.microsoft.com/office/drawing/2014/main" id="{C8B9DCFD-E07E-418B-A31F-F9A1F1822DAC}"/>
+              </a:ext>
+            </a:extLst>
+          </p:cNvPr>
+          <p:cNvSpPr>
+            <a:spLocks noChangeArrowheads="1"/>
+          </p:cNvSpPr>
+          <p:nvPr/>
+        </p:nvSpPr>
+        <p:spPr bwMode="auto">
+          <a:xfrm>
+            <a:off x="152400" y="152400"/>
+            <a:ext cx="12192000" cy="457200"/>
+          </a:xfrm>
+          <a:prstGeom prst="rect">
+            <a:avLst/>
+          </a:prstGeom>
+          <a:noFill/>
+          <a:ln>
+            <a:noFill/>
+          </a:ln>
+          <a:effectLst/>
+          <a:extLst>
+            <a:ext uri="{909E8E84-426E-40DD-AFC4-6F175D3DCCD1}">
+              <a14:hiddenFill xmlns:a14="http://schemas.microsoft.com/office/drawing/2010/main">
+                <a:solidFill>
+                  <a:schemeClr val="accent1"/>
+                </a:solidFill>
+              </a14:hiddenFill>
+            </a:ext>
+            <a:ext uri="{91240B29-F687-4F45-9708-019B960494DF}">
+              <a14:hiddenLine xmlns:a14="http://schemas.microsoft.com/office/drawing/2010/main" w="9525">
+                <a:solidFill>
+                  <a:schemeClr val="tx1"/>
+                </a:solidFill>
+                <a:miter lim="800000"/>
+                <a:headEnd/>
+                <a:tailEnd/>
+              </a14:hiddenLine>
+            </a:ext>
+            <a:ext uri="{AF507438-7753-43E0-B8FC-AC1667EBCBE1}">
+              <a14:hiddenEffects xmlns:a14="http://schemas.microsoft.com/office/drawing/2010/main">
+                <a:effectLst>
+                  <a:outerShdw dist="35921" dir="2700000" algn="ctr" rotWithShape="0">
+                    <a:schemeClr val="bg2"/>
+                  </a:outerShdw>
+                </a:effectLst>
+              </a14:hiddenEffects>
+            </a:ext>
+          </a:extLst>
+        </p:spPr>
+        <p:txBody>
+          <a:bodyPr vert="horz" wrap="none" lIns="91440" tIns="45720" rIns="91440" bIns="45720" numCol="1" anchor="ctr" anchorCtr="0" compatLnSpc="1">
+            <a:prstTxWarp prst="textNoShape">
+              <a:avLst/>
+            </a:prstTxWarp>
+            <a:spAutoFit/>
+          </a:bodyPr>
+          <a:lstStyle/>
+          <a:p>
+            <a:endParaRPr lang="en-CA"/>
+          </a:p>
+        </p:txBody>
+      </p:sp>
+      <p:pic>
+        <p:nvPicPr>
+          <p:cNvPr id="1025" name="Picture 2">
+            <a:extLst>
+              <a:ext uri="{FF2B5EF4-FFF2-40B4-BE49-F238E27FC236}">
+                <a16:creationId xmlns:a16="http://schemas.microsoft.com/office/drawing/2014/main" id="{80CE411F-CC67-4AD9-B66A-0CD6D1BA3DA4}"/>
+              </a:ext>
+            </a:extLst>
+          </p:cNvPr>
+          <p:cNvPicPr>
+            <a:picLocks noChangeAspect="1" noChangeArrowheads="1"/>
+          </p:cNvPicPr>
+          <p:nvPr/>
+        </p:nvPicPr>
+        <p:blipFill>
+          <a:blip r:embed="rId2">
+            <a:extLst>
+              <a:ext uri="{28A0092B-C50C-407E-A947-70E740481C1C}">
+                <a14:useLocalDpi xmlns:a14="http://schemas.microsoft.com/office/drawing/2010/main" val="0"/>
+              </a:ext>
+            </a:extLst>
+          </a:blip>
+          <a:srcRect/>
+          <a:stretch>
+            <a:fillRect/>
+          </a:stretch>
+        </p:blipFill>
+        <p:spPr bwMode="auto">
+          <a:xfrm>
+            <a:off x="7794594" y="152400"/>
+            <a:ext cx="4054506" cy="6581149"/>
+          </a:xfrm>
+          <a:prstGeom prst="rect">
+            <a:avLst/>
+          </a:prstGeom>
+          <a:noFill/>
+          <a:extLst>
+            <a:ext uri="{909E8E84-426E-40DD-AFC4-6F175D3DCCD1}">
+              <a14:hiddenFill xmlns:a14="http://schemas.microsoft.com/office/drawing/2010/main">
+                <a:solidFill>
+                  <a:srgbClr val="FFFFFF"/>
+                </a:solidFill>
+              </a14:hiddenFill>
+            </a:ext>
+          </a:extLst>
+        </p:spPr>
+      </p:pic>
+    </p:spTree>
+    <p:extLst>
+      <p:ext uri="{BB962C8B-B14F-4D97-AF65-F5344CB8AC3E}">
+        <p14:creationId xmlns:p14="http://schemas.microsoft.com/office/powerpoint/2010/main" val="1105386860"/>
+      </p:ext>
+    </p:extLst>
+  </p:cSld>
+  <p:clrMapOvr>
+    <a:masterClrMapping/>
+  </p:clrMapOvr>
+</p:sld>
+</file>
+
+<file path=ppt/slides/slide13.xml><?xml version="1.0" encoding="utf-8"?>
+<p:sld xmlns:a="http://schemas.openxmlformats.org/drawingml/2006/main" xmlns:r="http://schemas.openxmlformats.org/officeDocument/2006/relationships" xmlns:p="http://schemas.openxmlformats.org/presentationml/2006/main">
+  <p:cSld>
+    <p:spTree>
+      <p:nvGrpSpPr>
+        <p:cNvPr id="1" name=""/>
+        <p:cNvGrpSpPr/>
+        <p:nvPr/>
+      </p:nvGrpSpPr>
+      <p:grpSpPr>
+        <a:xfrm>
+          <a:off x="0" y="0"/>
+          <a:ext cx="0" cy="0"/>
+          <a:chOff x="0" y="0"/>
+          <a:chExt cx="0" cy="0"/>
+        </a:xfrm>
+      </p:grpSpPr>
+      <p:sp>
+        <p:nvSpPr>
+          <p:cNvPr id="2" name="Title 1">
+            <a:extLst>
+              <a:ext uri="{FF2B5EF4-FFF2-40B4-BE49-F238E27FC236}">
+                <a16:creationId xmlns:a16="http://schemas.microsoft.com/office/drawing/2014/main" id="{8F46C5A6-F59F-4456-9054-E9D9A97262FD}"/>
+              </a:ext>
+            </a:extLst>
+          </p:cNvPr>
+          <p:cNvSpPr>
+            <a:spLocks noGrp="1"/>
+          </p:cNvSpPr>
+          <p:nvPr>
+            <p:ph type="title"/>
+          </p:nvPr>
+        </p:nvSpPr>
+        <p:spPr/>
+        <p:txBody>
+          <a:bodyPr/>
+          <a:lstStyle/>
+          <a:p>
+            <a:r>
+              <a:rPr lang="en-US" dirty="0"/>
+              <a:t>Additional Figures</a:t>
+            </a:r>
+            <a:endParaRPr lang="en-CA" dirty="0"/>
+          </a:p>
+        </p:txBody>
+      </p:sp>
+      <p:sp>
+        <p:nvSpPr>
+          <p:cNvPr id="4" name="Content Placeholder 3">
+            <a:extLst>
+              <a:ext uri="{FF2B5EF4-FFF2-40B4-BE49-F238E27FC236}">
+                <a16:creationId xmlns:a16="http://schemas.microsoft.com/office/drawing/2014/main" id="{BAD94FB1-A473-437A-A5CB-9B76B9A29672}"/>
+              </a:ext>
+            </a:extLst>
+          </p:cNvPr>
+          <p:cNvSpPr>
+            <a:spLocks noGrp="1"/>
+          </p:cNvSpPr>
+          <p:nvPr>
+            <p:ph idx="1"/>
+          </p:nvPr>
+        </p:nvSpPr>
+        <p:spPr>
+          <a:xfrm>
+            <a:off x="669154" y="5458335"/>
+            <a:ext cx="10853691" cy="1333082"/>
+          </a:xfrm>
+        </p:spPr>
+        <p:txBody>
+          <a:bodyPr>
+            <a:normAutofit fontScale="70000" lnSpcReduction="20000"/>
+          </a:bodyPr>
+          <a:lstStyle/>
+          <a:p>
+            <a:pPr marL="0" indent="0">
+              <a:buNone/>
+            </a:pPr>
+            <a:r>
+              <a:rPr lang="en-US" dirty="0"/>
+              <a:t>Figure 2: Schematic of fish and benthic data collection protocol. Fish and benthic characteristics were measured at 3 meter and 15 meter depth contours (below chart datum) at each of the 10 sites. Fish were counted and measured in a 1 meter width along the 20 meter long transect (light blue rectangle). Substrate characteristics were recorded in 1 m2 quadrats every 2 meters (10 quadrats per 20 meter long transect, dark blue squares). Sites were surveyed multiple times from October 2019 to March 2020 resulting in replicate transects at each depth. Current, temperature, and salinity data were continuously recorded at 10 meter depth from 16 December 2019 to 26 January 2020 using Tilt Current Meters from Lowell Instruments, LLC and conductivity and temperature loggers from Star Oddi. </a:t>
+            </a:r>
+            <a:endParaRPr lang="en-CA" dirty="0"/>
+          </a:p>
+        </p:txBody>
+      </p:sp>
+      <p:sp>
+        <p:nvSpPr>
+          <p:cNvPr id="3" name="Rectangle 2">
+            <a:extLst>
+              <a:ext uri="{FF2B5EF4-FFF2-40B4-BE49-F238E27FC236}">
+                <a16:creationId xmlns:a16="http://schemas.microsoft.com/office/drawing/2014/main" id="{C8B9DCFD-E07E-418B-A31F-F9A1F1822DAC}"/>
+              </a:ext>
+            </a:extLst>
+          </p:cNvPr>
+          <p:cNvSpPr>
+            <a:spLocks noChangeArrowheads="1"/>
+          </p:cNvSpPr>
+          <p:nvPr/>
+        </p:nvSpPr>
+        <p:spPr bwMode="auto">
+          <a:xfrm>
+            <a:off x="152400" y="152400"/>
+            <a:ext cx="12192000" cy="457200"/>
+          </a:xfrm>
+          <a:prstGeom prst="rect">
+            <a:avLst/>
+          </a:prstGeom>
+          <a:noFill/>
+          <a:ln>
+            <a:noFill/>
+          </a:ln>
+          <a:effectLst/>
+          <a:extLst>
+            <a:ext uri="{909E8E84-426E-40DD-AFC4-6F175D3DCCD1}">
+              <a14:hiddenFill xmlns:a14="http://schemas.microsoft.com/office/drawing/2010/main">
+                <a:solidFill>
+                  <a:schemeClr val="accent1"/>
+                </a:solidFill>
+              </a14:hiddenFill>
+            </a:ext>
+            <a:ext uri="{91240B29-F687-4F45-9708-019B960494DF}">
+              <a14:hiddenLine xmlns:a14="http://schemas.microsoft.com/office/drawing/2010/main" w="9525">
+                <a:solidFill>
+                  <a:schemeClr val="tx1"/>
+                </a:solidFill>
+                <a:miter lim="800000"/>
+                <a:headEnd/>
+                <a:tailEnd/>
+              </a14:hiddenLine>
+            </a:ext>
+            <a:ext uri="{AF507438-7753-43E0-B8FC-AC1667EBCBE1}">
+              <a14:hiddenEffects xmlns:a14="http://schemas.microsoft.com/office/drawing/2010/main">
+                <a:effectLst>
+                  <a:outerShdw dist="35921" dir="2700000" algn="ctr" rotWithShape="0">
+                    <a:schemeClr val="bg2"/>
+                  </a:outerShdw>
+                </a:effectLst>
+              </a14:hiddenEffects>
+            </a:ext>
+          </a:extLst>
+        </p:spPr>
+        <p:txBody>
+          <a:bodyPr vert="horz" wrap="none" lIns="91440" tIns="45720" rIns="91440" bIns="45720" numCol="1" anchor="ctr" anchorCtr="0" compatLnSpc="1">
+            <a:prstTxWarp prst="textNoShape">
+              <a:avLst/>
+            </a:prstTxWarp>
+            <a:spAutoFit/>
+          </a:bodyPr>
+          <a:lstStyle/>
+          <a:p>
+            <a:endParaRPr lang="en-CA"/>
+          </a:p>
+        </p:txBody>
+      </p:sp>
+      <p:pic>
+        <p:nvPicPr>
+          <p:cNvPr id="1025" name="Picture 2">
+            <a:extLst>
+              <a:ext uri="{FF2B5EF4-FFF2-40B4-BE49-F238E27FC236}">
+                <a16:creationId xmlns:a16="http://schemas.microsoft.com/office/drawing/2014/main" id="{80CE411F-CC67-4AD9-B66A-0CD6D1BA3DA4}"/>
+              </a:ext>
+            </a:extLst>
+          </p:cNvPr>
+          <p:cNvPicPr>
+            <a:picLocks noChangeAspect="1" noChangeArrowheads="1"/>
+          </p:cNvPicPr>
+          <p:nvPr/>
+        </p:nvPicPr>
+        <p:blipFill>
+          <a:blip r:embed="rId2">
+            <a:extLst>
+              <a:ext uri="{28A0092B-C50C-407E-A947-70E740481C1C}">
+                <a14:useLocalDpi xmlns:a14="http://schemas.microsoft.com/office/drawing/2010/main" val="0"/>
+              </a:ext>
+            </a:extLst>
+          </a:blip>
+          <a:srcRect/>
+          <a:stretch/>
+        </p:blipFill>
+        <p:spPr bwMode="auto">
+          <a:xfrm>
+            <a:off x="1998955" y="1658137"/>
+            <a:ext cx="8194089" cy="3775376"/>
+          </a:xfrm>
+          <a:prstGeom prst="rect">
+            <a:avLst/>
+          </a:prstGeom>
+          <a:noFill/>
+          <a:extLst>
+            <a:ext uri="{909E8E84-426E-40DD-AFC4-6F175D3DCCD1}">
+              <a14:hiddenFill xmlns:a14="http://schemas.microsoft.com/office/drawing/2010/main">
+                <a:solidFill>
+                  <a:srgbClr val="FFFFFF"/>
+                </a:solidFill>
+              </a14:hiddenFill>
+            </a:ext>
+          </a:extLst>
+        </p:spPr>
+      </p:pic>
+    </p:spTree>
+    <p:extLst>
+      <p:ext uri="{BB962C8B-B14F-4D97-AF65-F5344CB8AC3E}">
+        <p14:creationId xmlns:p14="http://schemas.microsoft.com/office/powerpoint/2010/main" val="960210852"/>
+      </p:ext>
+    </p:extLst>
+  </p:cSld>
+  <p:clrMapOvr>
+    <a:masterClrMapping/>
+  </p:clrMapOvr>
+</p:sld>
+</file>
+
+<file path=ppt/slides/slide14.xml><?xml version="1.0" encoding="utf-8"?>
 <p:sld xmlns:a="http://schemas.openxmlformats.org/drawingml/2006/main" xmlns:r="http://schemas.openxmlformats.org/officeDocument/2006/relationships" xmlns:p="http://schemas.openxmlformats.org/presentationml/2006/main">
   <p:cSld>
     <p:spTree>
@@ -3900,7 +4908,7 @@
 </p:sld>
 </file>
 
-<file path=ppt/slides/slide11.xml><?xml version="1.0" encoding="utf-8"?>
+<file path=ppt/slides/slide15.xml><?xml version="1.0" encoding="utf-8"?>
 <p:sld xmlns:a="http://schemas.openxmlformats.org/drawingml/2006/main" xmlns:r="http://schemas.openxmlformats.org/officeDocument/2006/relationships" xmlns:p="http://schemas.openxmlformats.org/presentationml/2006/main">
   <p:cSld>
     <p:spTree>
@@ -4120,7 +5128,7 @@
 </p:sld>
 </file>
 
-<file path=ppt/slides/slide12.xml><?xml version="1.0" encoding="utf-8"?>
+<file path=ppt/slides/slide16.xml><?xml version="1.0" encoding="utf-8"?>
 <p:sld xmlns:a="http://schemas.openxmlformats.org/drawingml/2006/main" xmlns:r="http://schemas.openxmlformats.org/officeDocument/2006/relationships" xmlns:p="http://schemas.openxmlformats.org/presentationml/2006/main">
   <p:cSld>
     <p:spTree>
@@ -4359,13 +5367,7 @@
       </p:grpSpPr>
       <p:sp>
         <p:nvSpPr>
-          <p:cNvPr id="2" name="Title 1">
-            <a:extLst>
-              <a:ext uri="{FF2B5EF4-FFF2-40B4-BE49-F238E27FC236}">
-                <a16:creationId xmlns:a16="http://schemas.microsoft.com/office/drawing/2014/main" id="{DF5648FD-FD9D-44DA-BA15-0B51AF80210E}"/>
-              </a:ext>
-            </a:extLst>
-          </p:cNvPr>
+          <p:cNvPr id="2" name="Title 1"/>
           <p:cNvSpPr>
             <a:spLocks noGrp="1"/>
           </p:cNvSpPr>
@@ -4379,22 +5381,16 @@
           <a:lstStyle/>
           <a:p>
             <a:r>
-              <a:rPr lang="en-US" dirty="0"/>
-              <a:t>Research Objective #1</a:t>
-            </a:r>
-            <a:endParaRPr lang="en-CA" dirty="0"/>
-          </a:p>
-        </p:txBody>
-      </p:sp>
-      <p:sp>
-        <p:nvSpPr>
-          <p:cNvPr id="3" name="Content Placeholder 2">
-            <a:extLst>
-              <a:ext uri="{FF2B5EF4-FFF2-40B4-BE49-F238E27FC236}">
-                <a16:creationId xmlns:a16="http://schemas.microsoft.com/office/drawing/2014/main" id="{567E5EF5-AC54-4F67-889D-EFFCD23E4405}"/>
-              </a:ext>
-            </a:extLst>
-          </p:cNvPr>
+              <a:rPr lang="en-US" dirty="0" smtClean="0"/>
+              <a:t>Research objectives</a:t>
+            </a:r>
+            <a:endParaRPr lang="en-US" dirty="0"/>
+          </a:p>
+        </p:txBody>
+      </p:sp>
+      <p:sp>
+        <p:nvSpPr>
+          <p:cNvPr id="3" name="Content Placeholder 2"/>
           <p:cNvSpPr>
             <a:spLocks noGrp="1"/>
           </p:cNvSpPr>
@@ -4408,17 +5404,62 @@
           <a:lstStyle/>
           <a:p>
             <a:r>
-              <a:rPr lang="en-US" dirty="0"/>
-              <a:t>“First, we will determine how fish species richness, abundance, and biomass vary with habitat variables such as depth, tidal current speed, habitat complexity, and slope using linear mixed effect models.”</a:t>
-            </a:r>
-            <a:endParaRPr lang="en-CA" dirty="0"/>
+              <a:rPr lang="en-US" dirty="0" smtClean="0"/>
+              <a:t>1. Determine how fish </a:t>
+            </a:r>
+            <a:r>
+              <a:rPr lang="en-US" dirty="0"/>
+              <a:t>species richness, abundance, and biomass </a:t>
+            </a:r>
+            <a:r>
+              <a:rPr lang="en-US" dirty="0" smtClean="0"/>
+              <a:t>varies with depth</a:t>
+            </a:r>
+            <a:r>
+              <a:rPr lang="en-US" dirty="0"/>
+              <a:t>, tidal current speed, habitat complexity, and </a:t>
+            </a:r>
+            <a:r>
+              <a:rPr lang="en-US" dirty="0" smtClean="0"/>
+              <a:t>slope to assess using abiotic variables to predict fish biodiversity</a:t>
+            </a:r>
+          </a:p>
+          <a:p>
+            <a:endParaRPr lang="en-US" dirty="0"/>
+          </a:p>
+          <a:p>
+            <a:r>
+              <a:rPr lang="en-US" dirty="0" smtClean="0"/>
+              <a:t>2. Examine how fish community </a:t>
+            </a:r>
+            <a:r>
+              <a:rPr lang="en-US" dirty="0"/>
+              <a:t>composition varies with tidal current speed and </a:t>
+            </a:r>
+            <a:r>
+              <a:rPr lang="en-US" dirty="0" smtClean="0"/>
+              <a:t>depth</a:t>
+            </a:r>
+          </a:p>
+          <a:p>
+            <a:pPr marL="0" indent="0">
+              <a:buNone/>
+            </a:pPr>
+            <a:endParaRPr lang="en-US" dirty="0"/>
+          </a:p>
+          <a:p>
+            <a:r>
+              <a:rPr lang="en-US" dirty="0" smtClean="0"/>
+              <a:t>3. Determine if habitat variables influence life history traits such as fish size and if these patterns vary with species </a:t>
+            </a:r>
+            <a:endParaRPr lang="en-US" dirty="0"/>
           </a:p>
         </p:txBody>
       </p:sp>
     </p:spTree>
     <p:extLst>
       <p:ext uri="{BB962C8B-B14F-4D97-AF65-F5344CB8AC3E}">
-        <p14:creationId xmlns:p14="http://schemas.microsoft.com/office/powerpoint/2010/main" val="17604513"/>
+        <p14:creationId xmlns:p14="http://schemas.microsoft.com/office/powerpoint/2010/main" val="977616330"/>
       </p:ext>
     </p:extLst>
   </p:cSld>
@@ -4450,7 +5491,7 @@
           <p:cNvPr id="2" name="Title 1">
             <a:extLst>
               <a:ext uri="{FF2B5EF4-FFF2-40B4-BE49-F238E27FC236}">
-                <a16:creationId xmlns:a16="http://schemas.microsoft.com/office/drawing/2014/main" id="{8F46C5A6-F59F-4456-9054-E9D9A97262FD}"/>
+                <a16:creationId xmlns:a16="http://schemas.microsoft.com/office/drawing/2014/main" id="{DF5648FD-FD9D-44DA-BA15-0B51AF80210E}"/>
               </a:ext>
             </a:extLst>
           </p:cNvPr>
@@ -4468,7 +5509,11 @@
           <a:p>
             <a:r>
               <a:rPr lang="en-US" dirty="0"/>
-              <a:t>Research Objective #1</a:t>
+              <a:t>Research </a:t>
+            </a:r>
+            <a:r>
+              <a:rPr lang="en-US" dirty="0" smtClean="0"/>
+              <a:t>objective 1</a:t>
             </a:r>
             <a:endParaRPr lang="en-CA" dirty="0"/>
           </a:p>
@@ -4479,7 +5524,7 @@
           <p:cNvPr id="3" name="Content Placeholder 2">
             <a:extLst>
               <a:ext uri="{FF2B5EF4-FFF2-40B4-BE49-F238E27FC236}">
-                <a16:creationId xmlns:a16="http://schemas.microsoft.com/office/drawing/2014/main" id="{F77F33DF-DB05-429D-9520-A5498ECC21DF}"/>
+                <a16:creationId xmlns:a16="http://schemas.microsoft.com/office/drawing/2014/main" id="{567E5EF5-AC54-4F67-889D-EFFCD23E4405}"/>
               </a:ext>
             </a:extLst>
           </p:cNvPr>
@@ -4496,8 +5541,49 @@
           <a:lstStyle/>
           <a:p>
             <a:r>
-              <a:rPr lang="en-US" dirty="0"/>
-              <a:t>Coefficient plots</a:t>
+              <a:rPr lang="en-US" dirty="0" smtClean="0"/>
+              <a:t>Determine </a:t>
+            </a:r>
+            <a:r>
+              <a:rPr lang="en-US" dirty="0"/>
+              <a:t>how fish species </a:t>
+            </a:r>
+            <a:r>
+              <a:rPr lang="en-US" b="1" dirty="0"/>
+              <a:t>richness, abundance</a:t>
+            </a:r>
+            <a:r>
+              <a:rPr lang="en-US" dirty="0"/>
+              <a:t>, and </a:t>
+            </a:r>
+            <a:r>
+              <a:rPr lang="en-US" b="1" dirty="0"/>
+              <a:t>biomass</a:t>
+            </a:r>
+            <a:r>
+              <a:rPr lang="en-US" dirty="0"/>
+              <a:t> varies with depth, tidal current speed, habitat complexity, and slope to assess if abiotic variables can be used to predict fish </a:t>
+            </a:r>
+          </a:p>
+          <a:p>
+            <a:endParaRPr lang="en-CA" dirty="0" smtClean="0"/>
+          </a:p>
+          <a:p>
+            <a:r>
+              <a:rPr lang="en-CA" b="1" dirty="0" smtClean="0"/>
+              <a:t>Analysis: </a:t>
+            </a:r>
+          </a:p>
+          <a:p>
+            <a:r>
+              <a:rPr lang="en-CA" dirty="0" smtClean="0"/>
+              <a:t>- 3 sets of linear mixed effects models (with site as a random effect), one for each response</a:t>
+            </a:r>
+          </a:p>
+          <a:p>
+            <a:r>
+              <a:rPr lang="en-CA" dirty="0" smtClean="0"/>
+              <a:t>- 15 candidate models in each set</a:t>
             </a:r>
             <a:endParaRPr lang="en-CA" dirty="0"/>
           </a:p>
@@ -4506,7 +5592,7 @@
     </p:spTree>
     <p:extLst>
       <p:ext uri="{BB962C8B-B14F-4D97-AF65-F5344CB8AC3E}">
-        <p14:creationId xmlns:p14="http://schemas.microsoft.com/office/powerpoint/2010/main" val="4205843599"/>
+        <p14:creationId xmlns:p14="http://schemas.microsoft.com/office/powerpoint/2010/main" val="17604513"/>
       </p:ext>
     </p:extLst>
   </p:cSld>
@@ -4535,13 +5621,7 @@
       </p:grpSpPr>
       <p:sp>
         <p:nvSpPr>
-          <p:cNvPr id="2" name="Title 1">
-            <a:extLst>
-              <a:ext uri="{FF2B5EF4-FFF2-40B4-BE49-F238E27FC236}">
-                <a16:creationId xmlns:a16="http://schemas.microsoft.com/office/drawing/2014/main" id="{8F46C5A6-F59F-4456-9054-E9D9A97262FD}"/>
-              </a:ext>
-            </a:extLst>
-          </p:cNvPr>
+          <p:cNvPr id="2" name="Title 1"/>
           <p:cNvSpPr>
             <a:spLocks noGrp="1"/>
           </p:cNvSpPr>
@@ -4555,54 +5635,292 @@
           <a:lstStyle/>
           <a:p>
             <a:r>
-              <a:rPr lang="en-US" dirty="0"/>
-              <a:t>Research Objective #2</a:t>
-            </a:r>
-            <a:endParaRPr lang="en-CA" dirty="0"/>
-          </a:p>
-        </p:txBody>
-      </p:sp>
-      <p:sp>
-        <p:nvSpPr>
-          <p:cNvPr id="3" name="Content Placeholder 2">
-            <a:extLst>
-              <a:ext uri="{FF2B5EF4-FFF2-40B4-BE49-F238E27FC236}">
-                <a16:creationId xmlns:a16="http://schemas.microsoft.com/office/drawing/2014/main" id="{F77F33DF-DB05-429D-9520-A5498ECC21DF}"/>
-              </a:ext>
-            </a:extLst>
-          </p:cNvPr>
-          <p:cNvSpPr>
-            <a:spLocks noGrp="1"/>
-          </p:cNvSpPr>
-          <p:nvPr>
-            <p:ph idx="1"/>
-          </p:nvPr>
-        </p:nvSpPr>
-        <p:spPr/>
-        <p:txBody>
-          <a:bodyPr/>
-          <a:lstStyle/>
-          <a:p>
-            <a:r>
-              <a:rPr lang="en-US" dirty="0"/>
-              <a:t> “Second, we will explore how community composition varies with tidal current speed and depth using non-metric multidimensional scaling plots (</a:t>
+              <a:rPr lang="en-US" dirty="0" smtClean="0"/>
+              <a:t>Fish abundance</a:t>
+            </a:r>
+            <a:endParaRPr lang="en-US" dirty="0"/>
+          </a:p>
+        </p:txBody>
+      </p:sp>
+      <p:sp>
+        <p:nvSpPr>
+          <p:cNvPr id="4" name="Rectangle 3"/>
+          <p:cNvSpPr/>
+          <p:nvPr/>
+        </p:nvSpPr>
+        <p:spPr>
+          <a:xfrm>
+            <a:off x="508000" y="2247037"/>
+            <a:ext cx="6096000" cy="2031325"/>
+          </a:xfrm>
+          <a:prstGeom prst="rect">
+            <a:avLst/>
+          </a:prstGeom>
+        </p:spPr>
+        <p:txBody>
+          <a:bodyPr>
+            <a:spAutoFit/>
+          </a:bodyPr>
+          <a:lstStyle/>
+          <a:p>
+            <a:r>
+              <a:rPr lang="en-US" dirty="0"/>
+              <a:t>logLik   AIC     </a:t>
             </a:r>
             <a:r>
               <a:rPr lang="en-US" dirty="0" err="1"/>
-              <a:t>NMDS</a:t>
-            </a:r>
-            <a:r>
-              <a:rPr lang="en-US" dirty="0"/>
-              <a:t>).”</a:t>
-            </a:r>
-            <a:endParaRPr lang="en-CA" dirty="0"/>
+              <a:t>dLogLik</a:t>
+            </a:r>
+            <a:r>
+              <a:rPr lang="en-US" dirty="0"/>
+              <a:t> </a:t>
+            </a:r>
+            <a:r>
+              <a:rPr lang="en-US" dirty="0" err="1"/>
+              <a:t>dAIC</a:t>
+            </a:r>
+            <a:r>
+              <a:rPr lang="en-US" dirty="0"/>
+              <a:t>  </a:t>
+            </a:r>
+            <a:r>
+              <a:rPr lang="en-US" dirty="0" err="1"/>
+              <a:t>df</a:t>
+            </a:r>
+            <a:r>
+              <a:rPr lang="en-US" dirty="0"/>
+              <a:t>  </a:t>
+            </a:r>
+            <a:r>
+              <a:rPr lang="en-US" dirty="0" smtClean="0"/>
+              <a:t>weight</a:t>
+            </a:r>
+          </a:p>
+          <a:p>
+            <a:r>
+              <a:rPr lang="en-US" dirty="0" smtClean="0"/>
+              <a:t>Lm13.ab.var </a:t>
+            </a:r>
+            <a:r>
+              <a:rPr lang="en-US" dirty="0"/>
+              <a:t>-268.2  550.5   27.4     0.0 7  0.4828</a:t>
+            </a:r>
+          </a:p>
+          <a:p>
+            <a:r>
+              <a:rPr lang="en-US" dirty="0"/>
+              <a:t>Lm7.ab.var  -270.1  552.1   25.6     1.7 6  0.2105</a:t>
+            </a:r>
+          </a:p>
+          <a:p>
+            <a:r>
+              <a:rPr lang="en-US" dirty="0"/>
+              <a:t>Lm15.ab.var -268.2  552.3   27.5     1.9 8  0.1910</a:t>
+            </a:r>
+          </a:p>
+          <a:p>
+            <a:r>
+              <a:rPr lang="en-US" dirty="0"/>
+              <a:t>Lm12.ab.var -269.7  553.5   25.9     3.0 7  0.1067</a:t>
+            </a:r>
+          </a:p>
+          <a:p>
+            <a:r>
+              <a:rPr lang="en-US" dirty="0"/>
+              <a:t>Lm14.ab.var -272.7  559.4   22.9     8.9 7  0.0056</a:t>
+            </a:r>
+          </a:p>
+          <a:p>
+            <a:endParaRPr lang="en-US" dirty="0"/>
+          </a:p>
+        </p:txBody>
+      </p:sp>
+      <p:sp>
+        <p:nvSpPr>
+          <p:cNvPr id="6" name="Rectangle 5"/>
+          <p:cNvSpPr/>
+          <p:nvPr/>
+        </p:nvSpPr>
+        <p:spPr>
+          <a:xfrm>
+            <a:off x="508000" y="4367668"/>
+            <a:ext cx="10908146" cy="1477328"/>
+          </a:xfrm>
+          <a:prstGeom prst="rect">
+            <a:avLst/>
+          </a:prstGeom>
+        </p:spPr>
+        <p:txBody>
+          <a:bodyPr wrap="square">
+            <a:spAutoFit/>
+          </a:bodyPr>
+          <a:lstStyle/>
+          <a:p>
+            <a:r>
+              <a:rPr lang="en-US" dirty="0"/>
+              <a:t> Lm7.ab  &lt;- </a:t>
+            </a:r>
+            <a:r>
+              <a:rPr lang="en-US" dirty="0" err="1"/>
+              <a:t>lme</a:t>
+            </a:r>
+            <a:r>
+              <a:rPr lang="en-US" dirty="0"/>
+              <a:t>(Abundance ~ </a:t>
+            </a:r>
+            <a:r>
+              <a:rPr lang="en-US" dirty="0" err="1"/>
+              <a:t>TransectDepth</a:t>
+            </a:r>
+            <a:r>
+              <a:rPr lang="en-US" dirty="0"/>
+              <a:t> + </a:t>
+            </a:r>
+            <a:r>
+              <a:rPr lang="en-US" dirty="0" err="1"/>
+              <a:t>PercRock</a:t>
+            </a:r>
+            <a:r>
+              <a:rPr lang="en-US" dirty="0"/>
+              <a:t>, </a:t>
+            </a:r>
+            <a:r>
+              <a:rPr lang="en-US" dirty="0" smtClean="0"/>
+              <a:t> random </a:t>
+            </a:r>
+            <a:r>
+              <a:rPr lang="en-US" dirty="0"/>
+              <a:t>= ~ 1 | Site, data = data, weights = </a:t>
+            </a:r>
+            <a:r>
+              <a:rPr lang="en-US" dirty="0" err="1"/>
+              <a:t>varExp</a:t>
+            </a:r>
+            <a:r>
+              <a:rPr lang="en-US" dirty="0"/>
+              <a:t>(form = ~fitted(.)),method = "ML")</a:t>
+            </a:r>
+          </a:p>
+          <a:p>
+            <a:r>
+              <a:rPr lang="en-US" dirty="0" smtClean="0"/>
+              <a:t> </a:t>
+            </a:r>
+            <a:r>
+              <a:rPr lang="en-US" dirty="0"/>
+              <a:t>Lm13.ab  &lt;- </a:t>
+            </a:r>
+            <a:r>
+              <a:rPr lang="en-US" dirty="0" err="1"/>
+              <a:t>lme</a:t>
+            </a:r>
+            <a:r>
+              <a:rPr lang="en-US" dirty="0"/>
+              <a:t>(Abundance ~ </a:t>
+            </a:r>
+            <a:r>
+              <a:rPr lang="en-US" dirty="0" err="1"/>
+              <a:t>TransectDepth</a:t>
+            </a:r>
+            <a:r>
+              <a:rPr lang="en-US" dirty="0"/>
+              <a:t> + </a:t>
+            </a:r>
+            <a:r>
+              <a:rPr lang="en-US" dirty="0" err="1"/>
+              <a:t>CurrentMax</a:t>
+            </a:r>
+            <a:r>
+              <a:rPr lang="en-US" dirty="0"/>
+              <a:t> + </a:t>
+            </a:r>
+            <a:r>
+              <a:rPr lang="en-US" dirty="0" err="1"/>
+              <a:t>PercRock</a:t>
+            </a:r>
+            <a:r>
+              <a:rPr lang="en-US" dirty="0"/>
+              <a:t>, </a:t>
+            </a:r>
+            <a:r>
+              <a:rPr lang="en-US" dirty="0" smtClean="0"/>
+              <a:t>random </a:t>
+            </a:r>
+            <a:r>
+              <a:rPr lang="en-US" dirty="0"/>
+              <a:t>= ~ 1 | Site, data = data, weights = </a:t>
+            </a:r>
+            <a:r>
+              <a:rPr lang="en-US" dirty="0" err="1"/>
+              <a:t>varExp</a:t>
+            </a:r>
+            <a:r>
+              <a:rPr lang="en-US" dirty="0"/>
+              <a:t>(form = ~fitted(.)),method = "ML")&gt; Lm15.ab  &lt;- </a:t>
+            </a:r>
+            <a:r>
+              <a:rPr lang="en-US" dirty="0" err="1"/>
+              <a:t>lme</a:t>
+            </a:r>
+            <a:r>
+              <a:rPr lang="en-US" dirty="0"/>
+              <a:t>(Abundance ~ </a:t>
+            </a:r>
+            <a:r>
+              <a:rPr lang="en-US" dirty="0" err="1"/>
+              <a:t>CurrentMax</a:t>
+            </a:r>
+            <a:r>
+              <a:rPr lang="en-US" dirty="0"/>
+              <a:t> + </a:t>
+            </a:r>
+            <a:r>
+              <a:rPr lang="en-US" dirty="0" err="1"/>
+              <a:t>TransectDepth</a:t>
+            </a:r>
+            <a:r>
+              <a:rPr lang="en-US" dirty="0"/>
+              <a:t> + </a:t>
+            </a:r>
+            <a:r>
+              <a:rPr lang="en-US" dirty="0" err="1"/>
+              <a:t>SlopeAngle</a:t>
+            </a:r>
+            <a:r>
+              <a:rPr lang="en-US" dirty="0"/>
+              <a:t> + </a:t>
+            </a:r>
+            <a:r>
+              <a:rPr lang="en-US" dirty="0" err="1"/>
+              <a:t>PercRock</a:t>
+            </a:r>
+            <a:r>
+              <a:rPr lang="en-US" dirty="0"/>
+              <a:t>, </a:t>
+            </a:r>
+            <a:r>
+              <a:rPr lang="en-US" dirty="0" smtClean="0"/>
+              <a:t>random </a:t>
+            </a:r>
+            <a:r>
+              <a:rPr lang="en-US" dirty="0"/>
+              <a:t>= ~ 1 | Site, data = data, weights = </a:t>
+            </a:r>
+            <a:r>
+              <a:rPr lang="en-US" dirty="0" err="1"/>
+              <a:t>varExp</a:t>
+            </a:r>
+            <a:r>
+              <a:rPr lang="en-US" dirty="0"/>
+              <a:t>(form = ~fitted(.)),method = "ML")</a:t>
+            </a:r>
           </a:p>
         </p:txBody>
       </p:sp>
     </p:spTree>
     <p:extLst>
       <p:ext uri="{BB962C8B-B14F-4D97-AF65-F5344CB8AC3E}">
-        <p14:creationId xmlns:p14="http://schemas.microsoft.com/office/powerpoint/2010/main" val="566288941"/>
+        <p14:creationId xmlns:p14="http://schemas.microsoft.com/office/powerpoint/2010/main" val="3434260009"/>
       </p:ext>
     </p:extLst>
   </p:cSld>
@@ -4631,13 +5949,7 @@
       </p:grpSpPr>
       <p:sp>
         <p:nvSpPr>
-          <p:cNvPr id="2" name="Title 1">
-            <a:extLst>
-              <a:ext uri="{FF2B5EF4-FFF2-40B4-BE49-F238E27FC236}">
-                <a16:creationId xmlns:a16="http://schemas.microsoft.com/office/drawing/2014/main" id="{8F46C5A6-F59F-4456-9054-E9D9A97262FD}"/>
-              </a:ext>
-            </a:extLst>
-          </p:cNvPr>
+          <p:cNvPr id="2" name="Title 1"/>
           <p:cNvSpPr>
             <a:spLocks noGrp="1"/>
           </p:cNvSpPr>
@@ -4651,50 +5963,323 @@
           <a:lstStyle/>
           <a:p>
             <a:r>
-              <a:rPr lang="en-US" dirty="0"/>
-              <a:t>Research Objective #2</a:t>
-            </a:r>
-            <a:endParaRPr lang="en-CA" dirty="0"/>
-          </a:p>
-        </p:txBody>
-      </p:sp>
-      <p:pic>
-        <p:nvPicPr>
-          <p:cNvPr id="5" name="Content Placeholder 4" descr="Timeline&#10;&#10;Description automatically generated">
-            <a:extLst>
-              <a:ext uri="{FF2B5EF4-FFF2-40B4-BE49-F238E27FC236}">
-                <a16:creationId xmlns:a16="http://schemas.microsoft.com/office/drawing/2014/main" id="{64C281D7-7D2E-4A82-9E14-BBD524CAF3A3}"/>
-              </a:ext>
-            </a:extLst>
-          </p:cNvPr>
-          <p:cNvPicPr>
-            <a:picLocks noGrp="1" noChangeAspect="1"/>
-          </p:cNvPicPr>
-          <p:nvPr>
-            <p:ph idx="1"/>
-          </p:nvPr>
-        </p:nvPicPr>
-        <p:blipFill rotWithShape="1">
-          <a:blip r:embed="rId2">
-            <a:extLst>
-              <a:ext uri="{28A0092B-C50C-407E-A947-70E740481C1C}">
-                <a14:useLocalDpi xmlns:a14="http://schemas.microsoft.com/office/drawing/2010/main" val="0"/>
-              </a:ext>
-            </a:extLst>
-          </a:blip>
-          <a:stretch/>
-        </p:blipFill>
+              <a:rPr lang="en-US" dirty="0" smtClean="0"/>
+              <a:t>Fish biomass</a:t>
+            </a:r>
+            <a:endParaRPr lang="en-US" dirty="0"/>
+          </a:p>
+        </p:txBody>
+      </p:sp>
+      <p:sp>
+        <p:nvSpPr>
+          <p:cNvPr id="6" name="Rectangle 5"/>
+          <p:cNvSpPr/>
+          <p:nvPr/>
+        </p:nvSpPr>
         <p:spPr>
           <a:xfrm>
-            <a:off x="3768718" y="2011363"/>
-            <a:ext cx="4568839" cy="3767137"/>
+            <a:off x="657224" y="1868438"/>
+            <a:ext cx="6096000" cy="1754326"/>
           </a:xfrm>
+          <a:prstGeom prst="rect">
+            <a:avLst/>
+          </a:prstGeom>
         </p:spPr>
-      </p:pic>
+        <p:txBody>
+          <a:bodyPr>
+            <a:spAutoFit/>
+          </a:bodyPr>
+          <a:lstStyle/>
+          <a:p>
+            <a:r>
+              <a:rPr lang="en-US" dirty="0" smtClean="0"/>
+              <a:t>		logLik   AIC     </a:t>
+            </a:r>
+            <a:r>
+              <a:rPr lang="en-US" dirty="0" err="1" smtClean="0"/>
+              <a:t>dLogLik</a:t>
+            </a:r>
+            <a:r>
+              <a:rPr lang="en-US" dirty="0" smtClean="0"/>
+              <a:t> </a:t>
+            </a:r>
+            <a:r>
+              <a:rPr lang="en-US" dirty="0" err="1" smtClean="0"/>
+              <a:t>dAIC</a:t>
+            </a:r>
+            <a:r>
+              <a:rPr lang="en-US" dirty="0" smtClean="0"/>
+              <a:t>  </a:t>
+            </a:r>
+            <a:r>
+              <a:rPr lang="en-US" dirty="0" err="1" smtClean="0"/>
+              <a:t>df</a:t>
+            </a:r>
+            <a:r>
+              <a:rPr lang="en-US" dirty="0" smtClean="0"/>
+              <a:t>  weight</a:t>
+            </a:r>
+            <a:endParaRPr lang="en-US" dirty="0"/>
+          </a:p>
+          <a:p>
+            <a:r>
+              <a:rPr lang="en-US" dirty="0"/>
+              <a:t>Lm1.bio   -95.9  </a:t>
+            </a:r>
+            <a:r>
+              <a:rPr lang="en-US" dirty="0" smtClean="0"/>
+              <a:t> 199.9  574.6      0.0    4   0.2708</a:t>
+            </a:r>
+            <a:endParaRPr lang="en-US" dirty="0"/>
+          </a:p>
+          <a:p>
+            <a:r>
+              <a:rPr lang="en-US" dirty="0"/>
+              <a:t>Lm6.bio   -95.5  </a:t>
+            </a:r>
+            <a:r>
+              <a:rPr lang="en-US" dirty="0" smtClean="0"/>
+              <a:t> 201.0  </a:t>
+            </a:r>
+            <a:r>
+              <a:rPr lang="en-US" dirty="0"/>
+              <a:t>575.0     </a:t>
+            </a:r>
+            <a:r>
+              <a:rPr lang="en-US" dirty="0" smtClean="0"/>
+              <a:t> 1.1    5   0.1524</a:t>
+            </a:r>
+            <a:endParaRPr lang="en-US" dirty="0"/>
+          </a:p>
+          <a:p>
+            <a:r>
+              <a:rPr lang="en-US" dirty="0"/>
+              <a:t>Lm5.bio   -95.6  </a:t>
+            </a:r>
+            <a:r>
+              <a:rPr lang="en-US" dirty="0" smtClean="0"/>
+              <a:t> 201.1  </a:t>
+            </a:r>
+            <a:r>
+              <a:rPr lang="en-US" dirty="0"/>
+              <a:t>575.0     </a:t>
+            </a:r>
+            <a:r>
+              <a:rPr lang="en-US" dirty="0" smtClean="0"/>
+              <a:t> 1.2    5   0.1471</a:t>
+            </a:r>
+            <a:endParaRPr lang="en-US" dirty="0"/>
+          </a:p>
+          <a:p>
+            <a:r>
+              <a:rPr lang="en-US" dirty="0"/>
+              <a:t>Lm7.bio   -95.6  </a:t>
+            </a:r>
+            <a:r>
+              <a:rPr lang="en-US" dirty="0" smtClean="0"/>
+              <a:t> 201.1  </a:t>
+            </a:r>
+            <a:r>
+              <a:rPr lang="en-US" dirty="0"/>
+              <a:t>575.0     </a:t>
+            </a:r>
+            <a:r>
+              <a:rPr lang="en-US" dirty="0" smtClean="0"/>
+              <a:t> 1.2    5   0.1469</a:t>
+            </a:r>
+            <a:endParaRPr lang="en-US" dirty="0"/>
+          </a:p>
+          <a:p>
+            <a:r>
+              <a:rPr lang="en-US" dirty="0"/>
+              <a:t>Lm12.bio  -95.1  202.3  575.4     </a:t>
+            </a:r>
+            <a:r>
+              <a:rPr lang="en-US" dirty="0" smtClean="0"/>
+              <a:t> 2.4    6    0.0828</a:t>
+            </a:r>
+            <a:endParaRPr lang="en-US" dirty="0"/>
+          </a:p>
+        </p:txBody>
+      </p:sp>
+      <p:sp>
+        <p:nvSpPr>
+          <p:cNvPr id="7" name="Rectangle 6"/>
+          <p:cNvSpPr/>
+          <p:nvPr/>
+        </p:nvSpPr>
+        <p:spPr>
+          <a:xfrm>
+            <a:off x="581890" y="3853964"/>
+            <a:ext cx="10848109" cy="1200329"/>
+          </a:xfrm>
+          <a:prstGeom prst="rect">
+            <a:avLst/>
+          </a:prstGeom>
+        </p:spPr>
+        <p:txBody>
+          <a:bodyPr wrap="square">
+            <a:spAutoFit/>
+          </a:bodyPr>
+          <a:lstStyle/>
+          <a:p>
+            <a:r>
+              <a:rPr lang="en-US" dirty="0"/>
+              <a:t>Lm1.bio &lt;-  </a:t>
+            </a:r>
+            <a:r>
+              <a:rPr lang="en-US" dirty="0" err="1"/>
+              <a:t>lme</a:t>
+            </a:r>
+            <a:r>
+              <a:rPr lang="en-US" dirty="0"/>
+              <a:t>(log10(Biomass) ~ </a:t>
+            </a:r>
+            <a:r>
+              <a:rPr lang="en-US" b="1" dirty="0" err="1"/>
+              <a:t>TransectDepth</a:t>
+            </a:r>
+            <a:r>
+              <a:rPr lang="en-US" dirty="0"/>
+              <a:t>, </a:t>
+            </a:r>
+            <a:r>
+              <a:rPr lang="en-US" dirty="0" smtClean="0"/>
+              <a:t>random </a:t>
+            </a:r>
+            <a:r>
+              <a:rPr lang="en-US" dirty="0"/>
+              <a:t>= ~ 1 | Site, data = data, method = "ML")</a:t>
+            </a:r>
+          </a:p>
+          <a:p>
+            <a:r>
+              <a:rPr lang="en-US" dirty="0" smtClean="0"/>
+              <a:t>Lm5.bio  </a:t>
+            </a:r>
+            <a:r>
+              <a:rPr lang="en-US" dirty="0"/>
+              <a:t>&lt;- </a:t>
+            </a:r>
+            <a:r>
+              <a:rPr lang="en-US" dirty="0" err="1"/>
+              <a:t>lme</a:t>
+            </a:r>
+            <a:r>
+              <a:rPr lang="en-US" dirty="0"/>
+              <a:t>(log10(Biomass) ~ </a:t>
+            </a:r>
+            <a:r>
+              <a:rPr lang="en-US" b="1" dirty="0" err="1"/>
+              <a:t>TransectDepth</a:t>
+            </a:r>
+            <a:r>
+              <a:rPr lang="en-US" b="1" dirty="0"/>
+              <a:t> + </a:t>
+            </a:r>
+            <a:r>
+              <a:rPr lang="en-US" b="1" dirty="0" err="1"/>
+              <a:t>CurrentMax</a:t>
+            </a:r>
+            <a:r>
+              <a:rPr lang="en-US" dirty="0"/>
+              <a:t>, </a:t>
+            </a:r>
+            <a:r>
+              <a:rPr lang="en-US" dirty="0" smtClean="0"/>
+              <a:t>random </a:t>
+            </a:r>
+            <a:r>
+              <a:rPr lang="en-US" dirty="0"/>
+              <a:t>= ~ 1 | Site, data = data, method = "ML")</a:t>
+            </a:r>
+          </a:p>
+          <a:p>
+            <a:r>
+              <a:rPr lang="en-US" dirty="0" smtClean="0"/>
+              <a:t>Lm6.bio  </a:t>
+            </a:r>
+            <a:r>
+              <a:rPr lang="en-US" dirty="0"/>
+              <a:t>&lt;- </a:t>
+            </a:r>
+            <a:r>
+              <a:rPr lang="en-US" dirty="0" err="1"/>
+              <a:t>lme</a:t>
+            </a:r>
+            <a:r>
+              <a:rPr lang="en-US" dirty="0"/>
+              <a:t>(log10(Biomass) ~ </a:t>
+            </a:r>
+            <a:r>
+              <a:rPr lang="en-US" b="1" dirty="0" err="1"/>
+              <a:t>TransectDepth</a:t>
+            </a:r>
+            <a:r>
+              <a:rPr lang="en-US" b="1" dirty="0"/>
+              <a:t> + </a:t>
+            </a:r>
+            <a:r>
+              <a:rPr lang="en-US" b="1" dirty="0" err="1"/>
+              <a:t>SlopeAngle</a:t>
+            </a:r>
+            <a:r>
+              <a:rPr lang="en-US" dirty="0"/>
+              <a:t>, </a:t>
+            </a:r>
+            <a:r>
+              <a:rPr lang="en-US" dirty="0" smtClean="0"/>
+              <a:t>random </a:t>
+            </a:r>
+            <a:r>
+              <a:rPr lang="en-US" dirty="0"/>
+              <a:t>= ~ 1 | Site, data = data, method = "ML")</a:t>
+            </a:r>
+          </a:p>
+          <a:p>
+            <a:r>
+              <a:rPr lang="en-US" dirty="0" smtClean="0"/>
+              <a:t>Lm7.bio  </a:t>
+            </a:r>
+            <a:r>
+              <a:rPr lang="en-US" dirty="0"/>
+              <a:t>&lt;- </a:t>
+            </a:r>
+            <a:r>
+              <a:rPr lang="en-US" dirty="0" err="1"/>
+              <a:t>lme</a:t>
+            </a:r>
+            <a:r>
+              <a:rPr lang="en-US" dirty="0"/>
+              <a:t>(log10(Biomass) ~ </a:t>
+            </a:r>
+            <a:r>
+              <a:rPr lang="en-US" b="1" dirty="0" err="1"/>
+              <a:t>TransectDepth</a:t>
+            </a:r>
+            <a:r>
+              <a:rPr lang="en-US" b="1" dirty="0"/>
+              <a:t> + </a:t>
+            </a:r>
+            <a:r>
+              <a:rPr lang="en-US" b="1" dirty="0" err="1" smtClean="0"/>
+              <a:t>PercRock</a:t>
+            </a:r>
+            <a:r>
+              <a:rPr lang="en-US" dirty="0" smtClean="0"/>
+              <a:t>, random </a:t>
+            </a:r>
+            <a:r>
+              <a:rPr lang="en-US" dirty="0"/>
+              <a:t>= ~ 1 | Site, data = data, method = "ML")</a:t>
+            </a:r>
+          </a:p>
+        </p:txBody>
+      </p:sp>
     </p:spTree>
     <p:extLst>
       <p:ext uri="{BB962C8B-B14F-4D97-AF65-F5344CB8AC3E}">
-        <p14:creationId xmlns:p14="http://schemas.microsoft.com/office/powerpoint/2010/main" val="2161937291"/>
+        <p14:creationId xmlns:p14="http://schemas.microsoft.com/office/powerpoint/2010/main" val="4099649040"/>
       </p:ext>
     </p:extLst>
   </p:cSld>
@@ -4723,13 +6308,7 @@
       </p:grpSpPr>
       <p:sp>
         <p:nvSpPr>
-          <p:cNvPr id="2" name="Title 1">
-            <a:extLst>
-              <a:ext uri="{FF2B5EF4-FFF2-40B4-BE49-F238E27FC236}">
-                <a16:creationId xmlns:a16="http://schemas.microsoft.com/office/drawing/2014/main" id="{8F46C5A6-F59F-4456-9054-E9D9A97262FD}"/>
-              </a:ext>
-            </a:extLst>
-          </p:cNvPr>
+          <p:cNvPr id="2" name="Title 1"/>
           <p:cNvSpPr>
             <a:spLocks noGrp="1"/>
           </p:cNvSpPr>
@@ -4743,46 +6322,344 @@
           <a:lstStyle/>
           <a:p>
             <a:r>
-              <a:rPr lang="en-US" dirty="0"/>
-              <a:t>Research Objective #3</a:t>
-            </a:r>
-            <a:endParaRPr lang="en-CA" dirty="0"/>
-          </a:p>
-        </p:txBody>
-      </p:sp>
-      <p:sp>
-        <p:nvSpPr>
-          <p:cNvPr id="4" name="Content Placeholder 3">
-            <a:extLst>
-              <a:ext uri="{FF2B5EF4-FFF2-40B4-BE49-F238E27FC236}">
-                <a16:creationId xmlns:a16="http://schemas.microsoft.com/office/drawing/2014/main" id="{BAD94FB1-A473-437A-A5CB-9B76B9A29672}"/>
-              </a:ext>
-            </a:extLst>
-          </p:cNvPr>
-          <p:cNvSpPr>
-            <a:spLocks noGrp="1"/>
-          </p:cNvSpPr>
-          <p:nvPr>
-            <p:ph idx="1"/>
-          </p:nvPr>
-        </p:nvSpPr>
-        <p:spPr/>
-        <p:txBody>
-          <a:bodyPr/>
-          <a:lstStyle/>
-          <a:p>
-            <a:r>
-              <a:rPr lang="en-US" dirty="0"/>
-              <a:t>“Third, we will explore how the observed species life history usage vary by depth. Individual fish lengths will be used as an indicator for life history stage.”</a:t>
-            </a:r>
-            <a:endParaRPr lang="en-CA" dirty="0"/>
+              <a:rPr lang="en-US" dirty="0" smtClean="0"/>
+              <a:t>Fish richness</a:t>
+            </a:r>
+            <a:endParaRPr lang="en-US" dirty="0"/>
+          </a:p>
+        </p:txBody>
+      </p:sp>
+      <p:sp>
+        <p:nvSpPr>
+          <p:cNvPr id="3" name="Rectangle 2"/>
+          <p:cNvSpPr/>
+          <p:nvPr/>
+        </p:nvSpPr>
+        <p:spPr>
+          <a:xfrm>
+            <a:off x="766619" y="2046894"/>
+            <a:ext cx="6096000" cy="1477328"/>
+          </a:xfrm>
+          <a:prstGeom prst="rect">
+            <a:avLst/>
+          </a:prstGeom>
+        </p:spPr>
+        <p:txBody>
+          <a:bodyPr>
+            <a:spAutoFit/>
+          </a:bodyPr>
+          <a:lstStyle/>
+          <a:p>
+            <a:r>
+              <a:rPr lang="pt-BR" dirty="0" smtClean="0"/>
+              <a:t>		</a:t>
+            </a:r>
+            <a:r>
+              <a:rPr lang="pt-BR" b="1" dirty="0" smtClean="0"/>
+              <a:t>logLik 	AIC    </a:t>
+            </a:r>
+            <a:r>
+              <a:rPr lang="pt-BR" b="1" dirty="0"/>
+              <a:t>dLogLik  </a:t>
+            </a:r>
+            <a:r>
+              <a:rPr lang="pt-BR" b="1" dirty="0" smtClean="0"/>
+              <a:t>dAIC   </a:t>
+            </a:r>
+            <a:r>
+              <a:rPr lang="pt-BR" b="1" dirty="0"/>
+              <a:t>df </a:t>
+            </a:r>
+            <a:r>
+              <a:rPr lang="pt-BR" b="1" dirty="0" smtClean="0"/>
+              <a:t> weight</a:t>
+            </a:r>
+            <a:endParaRPr lang="pt-BR" b="1" dirty="0"/>
+          </a:p>
+          <a:p>
+            <a:r>
+              <a:rPr lang="pt-BR" b="1" dirty="0"/>
+              <a:t>Lm7.r  </a:t>
+            </a:r>
+            <a:r>
+              <a:rPr lang="pt-BR" b="1" dirty="0" smtClean="0"/>
+              <a:t>	-</a:t>
+            </a:r>
+            <a:r>
+              <a:rPr lang="pt-BR" b="1" dirty="0"/>
+              <a:t>122.2  </a:t>
+            </a:r>
+            <a:r>
+              <a:rPr lang="pt-BR" b="1" dirty="0" smtClean="0"/>
+              <a:t>  254.5    </a:t>
+            </a:r>
+            <a:r>
+              <a:rPr lang="pt-BR" b="1" dirty="0"/>
+              <a:t>7.4     </a:t>
+            </a:r>
+            <a:r>
+              <a:rPr lang="pt-BR" b="1" dirty="0" smtClean="0"/>
+              <a:t>	0.0 	 5   0.2786</a:t>
+            </a:r>
+            <a:endParaRPr lang="pt-BR" b="1" dirty="0"/>
+          </a:p>
+          <a:p>
+            <a:r>
+              <a:rPr lang="pt-BR" b="1" dirty="0"/>
+              <a:t>Lm1.r  </a:t>
+            </a:r>
+            <a:r>
+              <a:rPr lang="pt-BR" b="1" dirty="0" smtClean="0"/>
+              <a:t>	-</a:t>
+            </a:r>
+            <a:r>
+              <a:rPr lang="pt-BR" b="1" dirty="0"/>
+              <a:t>123.4  </a:t>
+            </a:r>
+            <a:r>
+              <a:rPr lang="pt-BR" b="1" dirty="0" smtClean="0"/>
+              <a:t>  254.8    </a:t>
+            </a:r>
+            <a:r>
+              <a:rPr lang="pt-BR" b="1" dirty="0"/>
+              <a:t>6.2     </a:t>
+            </a:r>
+            <a:r>
+              <a:rPr lang="pt-BR" b="1" dirty="0" smtClean="0"/>
+              <a:t>	0.3 	 4   0.2414</a:t>
+            </a:r>
+            <a:endParaRPr lang="pt-BR" b="1" dirty="0"/>
+          </a:p>
+          <a:p>
+            <a:r>
+              <a:rPr lang="pt-BR" b="1" dirty="0"/>
+              <a:t>Lm13.r </a:t>
+            </a:r>
+            <a:r>
+              <a:rPr lang="pt-BR" b="1" dirty="0" smtClean="0"/>
+              <a:t>	-</a:t>
+            </a:r>
+            <a:r>
+              <a:rPr lang="pt-BR" b="1" dirty="0"/>
+              <a:t>122.1  </a:t>
+            </a:r>
+            <a:r>
+              <a:rPr lang="pt-BR" b="1" dirty="0" smtClean="0"/>
+              <a:t>  256.2    </a:t>
+            </a:r>
+            <a:r>
+              <a:rPr lang="pt-BR" b="1" dirty="0"/>
+              <a:t>7.5     </a:t>
+            </a:r>
+            <a:r>
+              <a:rPr lang="pt-BR" b="1" dirty="0" smtClean="0"/>
+              <a:t>	1.7 	 6   0.1173</a:t>
+            </a:r>
+            <a:endParaRPr lang="pt-BR" b="1" dirty="0"/>
+          </a:p>
+          <a:p>
+            <a:r>
+              <a:rPr lang="pt-BR" dirty="0"/>
+              <a:t>Lm12.r </a:t>
+            </a:r>
+            <a:r>
+              <a:rPr lang="pt-BR" dirty="0" smtClean="0"/>
+              <a:t>	-</a:t>
+            </a:r>
+            <a:r>
+              <a:rPr lang="pt-BR" dirty="0"/>
+              <a:t>122.2  </a:t>
+            </a:r>
+            <a:r>
+              <a:rPr lang="pt-BR" dirty="0" smtClean="0"/>
+              <a:t>  256.5    </a:t>
+            </a:r>
+            <a:r>
+              <a:rPr lang="pt-BR" dirty="0"/>
+              <a:t>7.4     </a:t>
+            </a:r>
+            <a:r>
+              <a:rPr lang="pt-BR" dirty="0" smtClean="0"/>
+              <a:t>	2.0 	 6   0.1036</a:t>
+            </a:r>
+            <a:endParaRPr lang="pt-BR" dirty="0"/>
+          </a:p>
+        </p:txBody>
+      </p:sp>
+      <p:sp>
+        <p:nvSpPr>
+          <p:cNvPr id="4" name="Rectangle 3"/>
+          <p:cNvSpPr/>
+          <p:nvPr/>
+        </p:nvSpPr>
+        <p:spPr>
+          <a:xfrm>
+            <a:off x="249382" y="3890926"/>
+            <a:ext cx="10649527" cy="1477328"/>
+          </a:xfrm>
+          <a:prstGeom prst="rect">
+            <a:avLst/>
+          </a:prstGeom>
+        </p:spPr>
+        <p:txBody>
+          <a:bodyPr wrap="square">
+            <a:spAutoFit/>
+          </a:bodyPr>
+          <a:lstStyle/>
+          <a:p>
+            <a:r>
+              <a:rPr lang="en-US" dirty="0"/>
+              <a:t>Lm7.r  &lt;- </a:t>
+            </a:r>
+            <a:r>
+              <a:rPr lang="en-US" dirty="0" smtClean="0"/>
+              <a:t>  </a:t>
+            </a:r>
+            <a:r>
+              <a:rPr lang="en-US" dirty="0" err="1" smtClean="0"/>
+              <a:t>lme</a:t>
+            </a:r>
+            <a:r>
+              <a:rPr lang="en-US" dirty="0" smtClean="0"/>
+              <a:t>(</a:t>
+            </a:r>
+            <a:r>
+              <a:rPr lang="en-US" b="1" dirty="0" smtClean="0"/>
+              <a:t>Richness </a:t>
+            </a:r>
+            <a:r>
+              <a:rPr lang="en-US" b="1" dirty="0"/>
+              <a:t>~ </a:t>
+            </a:r>
+            <a:r>
+              <a:rPr lang="en-US" b="1" dirty="0" smtClean="0"/>
+              <a:t>  Depth </a:t>
+            </a:r>
+            <a:r>
+              <a:rPr lang="en-US" b="1" dirty="0"/>
+              <a:t>+ </a:t>
+            </a:r>
+            <a:r>
+              <a:rPr lang="en-US" b="1" dirty="0" smtClean="0"/>
+              <a:t>% Rock</a:t>
+            </a:r>
+            <a:r>
+              <a:rPr lang="en-US" dirty="0"/>
+              <a:t>, </a:t>
+            </a:r>
+            <a:r>
+              <a:rPr lang="en-US" dirty="0" smtClean="0"/>
+              <a:t>random </a:t>
+            </a:r>
+            <a:r>
+              <a:rPr lang="en-US" dirty="0"/>
+              <a:t>= ~ 1 | Site, data = data, method = "ML</a:t>
+            </a:r>
+            <a:r>
+              <a:rPr lang="en-US" dirty="0" smtClean="0"/>
+              <a:t>")</a:t>
+            </a:r>
+          </a:p>
+          <a:p>
+            <a:endParaRPr lang="en-US" dirty="0" smtClean="0"/>
+          </a:p>
+          <a:p>
+            <a:r>
+              <a:rPr lang="en-US" dirty="0" smtClean="0"/>
+              <a:t>Lm1.r  </a:t>
+            </a:r>
+            <a:r>
+              <a:rPr lang="en-US" dirty="0"/>
+              <a:t>&lt;- </a:t>
+            </a:r>
+            <a:r>
+              <a:rPr lang="en-US" dirty="0" smtClean="0"/>
+              <a:t>  </a:t>
+            </a:r>
+            <a:r>
+              <a:rPr lang="en-US" dirty="0" err="1" smtClean="0"/>
+              <a:t>lme</a:t>
+            </a:r>
+            <a:r>
+              <a:rPr lang="en-US" b="1" dirty="0" smtClean="0"/>
+              <a:t>(Richness </a:t>
+            </a:r>
+            <a:r>
+              <a:rPr lang="en-US" b="1" dirty="0"/>
+              <a:t>~ </a:t>
+            </a:r>
+            <a:r>
+              <a:rPr lang="en-US" b="1" dirty="0" smtClean="0"/>
+              <a:t>  Depth</a:t>
+            </a:r>
+            <a:r>
+              <a:rPr lang="en-US" dirty="0" smtClean="0"/>
+              <a:t>, random </a:t>
+            </a:r>
+            <a:r>
+              <a:rPr lang="en-US" dirty="0"/>
+              <a:t>= ~ 1 | Site, data = data, method = "ML</a:t>
+            </a:r>
+            <a:r>
+              <a:rPr lang="en-US" dirty="0" smtClean="0"/>
+              <a:t>")</a:t>
+            </a:r>
+          </a:p>
+          <a:p>
+            <a:endParaRPr lang="en-US" dirty="0" smtClean="0"/>
+          </a:p>
+          <a:p>
+            <a:r>
+              <a:rPr lang="en-US" dirty="0" smtClean="0"/>
+              <a:t>Lm13.r  </a:t>
+            </a:r>
+            <a:r>
+              <a:rPr lang="en-US" dirty="0"/>
+              <a:t>&lt;- </a:t>
+            </a:r>
+            <a:r>
+              <a:rPr lang="en-US" dirty="0" err="1"/>
+              <a:t>lme</a:t>
+            </a:r>
+            <a:r>
+              <a:rPr lang="en-US" dirty="0"/>
+              <a:t>(</a:t>
+            </a:r>
+            <a:r>
+              <a:rPr lang="en-US" b="1" dirty="0"/>
+              <a:t>Richness ~ </a:t>
+            </a:r>
+            <a:r>
+              <a:rPr lang="en-US" b="1" dirty="0" smtClean="0"/>
+              <a:t>  Depth </a:t>
+            </a:r>
+            <a:r>
+              <a:rPr lang="en-US" b="1" dirty="0"/>
+              <a:t>+ </a:t>
+            </a:r>
+            <a:r>
+              <a:rPr lang="en-US" b="1" dirty="0" smtClean="0"/>
+              <a:t>Current + % Rock</a:t>
+            </a:r>
+            <a:r>
+              <a:rPr lang="en-US" dirty="0"/>
+              <a:t>, </a:t>
+            </a:r>
+            <a:r>
+              <a:rPr lang="en-US" dirty="0" smtClean="0"/>
+              <a:t>random </a:t>
+            </a:r>
+            <a:r>
+              <a:rPr lang="en-US" dirty="0"/>
+              <a:t>= ~ 1 | Site, data = data, method = "ML")</a:t>
+            </a:r>
           </a:p>
         </p:txBody>
       </p:sp>
     </p:spTree>
     <p:extLst>
       <p:ext uri="{BB962C8B-B14F-4D97-AF65-F5344CB8AC3E}">
-        <p14:creationId xmlns:p14="http://schemas.microsoft.com/office/powerpoint/2010/main" val="2746079923"/>
+        <p14:creationId xmlns:p14="http://schemas.microsoft.com/office/powerpoint/2010/main" val="2651101137"/>
       </p:ext>
     </p:extLst>
   </p:cSld>
@@ -4831,37 +6708,8 @@
           <a:lstStyle/>
           <a:p>
             <a:r>
-              <a:rPr lang="en-US" dirty="0"/>
-              <a:t>Research Objective #3</a:t>
-            </a:r>
-            <a:endParaRPr lang="en-CA" dirty="0"/>
-          </a:p>
-        </p:txBody>
-      </p:sp>
-      <p:sp>
-        <p:nvSpPr>
-          <p:cNvPr id="4" name="Content Placeholder 3">
-            <a:extLst>
-              <a:ext uri="{FF2B5EF4-FFF2-40B4-BE49-F238E27FC236}">
-                <a16:creationId xmlns:a16="http://schemas.microsoft.com/office/drawing/2014/main" id="{BAD94FB1-A473-437A-A5CB-9B76B9A29672}"/>
-              </a:ext>
-            </a:extLst>
-          </p:cNvPr>
-          <p:cNvSpPr>
-            <a:spLocks noGrp="1"/>
-          </p:cNvSpPr>
-          <p:nvPr>
-            <p:ph idx="1"/>
-          </p:nvPr>
-        </p:nvSpPr>
-        <p:spPr/>
-        <p:txBody>
-          <a:bodyPr/>
-          <a:lstStyle/>
-          <a:p>
-            <a:r>
-              <a:rPr lang="en-US" dirty="0"/>
-              <a:t>Mixed effect model partial-pooling plot</a:t>
+              <a:rPr lang="en-CA" dirty="0" smtClean="0"/>
+              <a:t>Coefficient plots</a:t>
             </a:r>
             <a:endParaRPr lang="en-CA" dirty="0"/>
           </a:p>
@@ -4870,7 +6718,7 @@
     </p:spTree>
     <p:extLst>
       <p:ext uri="{BB962C8B-B14F-4D97-AF65-F5344CB8AC3E}">
-        <p14:creationId xmlns:p14="http://schemas.microsoft.com/office/powerpoint/2010/main" val="2597286881"/>
+        <p14:creationId xmlns:p14="http://schemas.microsoft.com/office/powerpoint/2010/main" val="4205843599"/>
       </p:ext>
     </p:extLst>
   </p:cSld>
@@ -4920,7 +6768,11 @@
           <a:p>
             <a:r>
               <a:rPr lang="en-US" dirty="0"/>
-              <a:t>Additional Figures</a:t>
+              <a:t>Research Objective </a:t>
+            </a:r>
+            <a:r>
+              <a:rPr lang="en-US" dirty="0" smtClean="0"/>
+              <a:t>2</a:t>
             </a:r>
             <a:endParaRPr lang="en-CA" dirty="0"/>
           </a:p>
@@ -4928,10 +6780,10 @@
       </p:sp>
       <p:sp>
         <p:nvSpPr>
-          <p:cNvPr id="4" name="Content Placeholder 3">
+          <p:cNvPr id="3" name="Content Placeholder 2">
             <a:extLst>
               <a:ext uri="{FF2B5EF4-FFF2-40B4-BE49-F238E27FC236}">
-                <a16:creationId xmlns:a16="http://schemas.microsoft.com/office/drawing/2014/main" id="{BAD94FB1-A473-437A-A5CB-9B76B9A29672}"/>
+                <a16:creationId xmlns:a16="http://schemas.microsoft.com/office/drawing/2014/main" id="{F77F33DF-DB05-429D-9520-A5498ECC21DF}"/>
               </a:ext>
             </a:extLst>
           </p:cNvPr>
@@ -4942,12 +6794,7 @@
             <p:ph idx="1"/>
           </p:nvPr>
         </p:nvSpPr>
-        <p:spPr>
-          <a:xfrm>
-            <a:off x="838200" y="1825625"/>
-            <a:ext cx="6537293" cy="1414725"/>
-          </a:xfrm>
-        </p:spPr>
+        <p:spPr/>
         <p:txBody>
           <a:bodyPr/>
           <a:lstStyle/>
@@ -4956,141 +6803,45 @@
               <a:buNone/>
             </a:pPr>
             <a:r>
-              <a:rPr lang="en-US" dirty="0"/>
-              <a:t>Figure 1: Map of survey sites within the Southern Gulf Islands BC Canada. </a:t>
-            </a:r>
-            <a:r>
-              <a:rPr lang="en-US" dirty="0" err="1"/>
-              <a:t>Hul’q’umin’um</a:t>
-            </a:r>
-            <a:r>
-              <a:rPr lang="en-US" dirty="0"/>
-              <a:t>’ site names are used when they could be found in the literature. </a:t>
+              <a:rPr lang="en-US" dirty="0" smtClean="0"/>
+              <a:t>Examine </a:t>
+            </a:r>
+            <a:r>
+              <a:rPr lang="en-US" dirty="0"/>
+              <a:t>how fish community composition varies with tidal current speed and depth</a:t>
+            </a:r>
+          </a:p>
+          <a:p>
+            <a:r>
+              <a:rPr lang="en-US" b="1" dirty="0" smtClean="0"/>
+              <a:t>Analysis:</a:t>
+            </a:r>
+          </a:p>
+          <a:p>
+            <a:r>
+              <a:rPr lang="en-US" dirty="0"/>
+              <a:t>-</a:t>
+            </a:r>
+            <a:r>
+              <a:rPr lang="en-US" dirty="0" smtClean="0"/>
+              <a:t> non-metric </a:t>
+            </a:r>
+            <a:r>
+              <a:rPr lang="en-US" dirty="0"/>
+              <a:t>multidimensional scaling plots (NMDS</a:t>
+            </a:r>
+            <a:r>
+              <a:rPr lang="en-US" dirty="0" smtClean="0"/>
+              <a:t>)</a:t>
             </a:r>
             <a:endParaRPr lang="en-CA" dirty="0"/>
           </a:p>
         </p:txBody>
       </p:sp>
-      <p:sp>
-        <p:nvSpPr>
-          <p:cNvPr id="3" name="Rectangle 2">
-            <a:extLst>
-              <a:ext uri="{FF2B5EF4-FFF2-40B4-BE49-F238E27FC236}">
-                <a16:creationId xmlns:a16="http://schemas.microsoft.com/office/drawing/2014/main" id="{C8B9DCFD-E07E-418B-A31F-F9A1F1822DAC}"/>
-              </a:ext>
-            </a:extLst>
-          </p:cNvPr>
-          <p:cNvSpPr>
-            <a:spLocks noChangeArrowheads="1"/>
-          </p:cNvSpPr>
-          <p:nvPr/>
-        </p:nvSpPr>
-        <p:spPr bwMode="auto">
-          <a:xfrm>
-            <a:off x="152400" y="152400"/>
-            <a:ext cx="12192000" cy="457200"/>
-          </a:xfrm>
-          <a:prstGeom prst="rect">
-            <a:avLst/>
-          </a:prstGeom>
-          <a:noFill/>
-          <a:ln>
-            <a:noFill/>
-          </a:ln>
-          <a:effectLst/>
-          <a:extLst>
-            <a:ext uri="{909E8E84-426E-40DD-AFC4-6F175D3DCCD1}">
-              <a14:hiddenFill xmlns:a14="http://schemas.microsoft.com/office/drawing/2010/main">
-                <a:solidFill>
-                  <a:schemeClr val="accent1"/>
-                </a:solidFill>
-              </a14:hiddenFill>
-            </a:ext>
-            <a:ext uri="{91240B29-F687-4F45-9708-019B960494DF}">
-              <a14:hiddenLine xmlns:a14="http://schemas.microsoft.com/office/drawing/2010/main" w="9525">
-                <a:solidFill>
-                  <a:schemeClr val="tx1"/>
-                </a:solidFill>
-                <a:miter lim="800000"/>
-                <a:headEnd/>
-                <a:tailEnd/>
-              </a14:hiddenLine>
-            </a:ext>
-            <a:ext uri="{AF507438-7753-43E0-B8FC-AC1667EBCBE1}">
-              <a14:hiddenEffects xmlns:a14="http://schemas.microsoft.com/office/drawing/2010/main">
-                <a:effectLst>
-                  <a:outerShdw dist="35921" dir="2700000" algn="ctr" rotWithShape="0">
-                    <a:schemeClr val="bg2"/>
-                  </a:outerShdw>
-                </a:effectLst>
-              </a14:hiddenEffects>
-            </a:ext>
-          </a:extLst>
-        </p:spPr>
-        <p:txBody>
-          <a:bodyPr vert="horz" wrap="none" lIns="91440" tIns="45720" rIns="91440" bIns="45720" numCol="1" anchor="ctr" anchorCtr="0" compatLnSpc="1">
-            <a:prstTxWarp prst="textNoShape">
-              <a:avLst/>
-            </a:prstTxWarp>
-            <a:spAutoFit/>
-          </a:bodyPr>
-          <a:lstStyle/>
-          <a:p>
-            <a:endParaRPr lang="en-CA"/>
-          </a:p>
-        </p:txBody>
-      </p:sp>
-      <p:pic>
-        <p:nvPicPr>
-          <p:cNvPr id="1025" name="Picture 2">
-            <a:extLst>
-              <a:ext uri="{FF2B5EF4-FFF2-40B4-BE49-F238E27FC236}">
-                <a16:creationId xmlns:a16="http://schemas.microsoft.com/office/drawing/2014/main" id="{80CE411F-CC67-4AD9-B66A-0CD6D1BA3DA4}"/>
-              </a:ext>
-            </a:extLst>
-          </p:cNvPr>
-          <p:cNvPicPr>
-            <a:picLocks noChangeAspect="1" noChangeArrowheads="1"/>
-          </p:cNvPicPr>
-          <p:nvPr/>
-        </p:nvPicPr>
-        <p:blipFill>
-          <a:blip r:embed="rId2">
-            <a:extLst>
-              <a:ext uri="{28A0092B-C50C-407E-A947-70E740481C1C}">
-                <a14:useLocalDpi xmlns:a14="http://schemas.microsoft.com/office/drawing/2010/main" val="0"/>
-              </a:ext>
-            </a:extLst>
-          </a:blip>
-          <a:srcRect/>
-          <a:stretch>
-            <a:fillRect/>
-          </a:stretch>
-        </p:blipFill>
-        <p:spPr bwMode="auto">
-          <a:xfrm>
-            <a:off x="7794594" y="152400"/>
-            <a:ext cx="4054506" cy="6581149"/>
-          </a:xfrm>
-          <a:prstGeom prst="rect">
-            <a:avLst/>
-          </a:prstGeom>
-          <a:noFill/>
-          <a:extLst>
-            <a:ext uri="{909E8E84-426E-40DD-AFC4-6F175D3DCCD1}">
-              <a14:hiddenFill xmlns:a14="http://schemas.microsoft.com/office/drawing/2010/main">
-                <a:solidFill>
-                  <a:srgbClr val="FFFFFF"/>
-                </a:solidFill>
-              </a14:hiddenFill>
-            </a:ext>
-          </a:extLst>
-        </p:spPr>
-      </p:pic>
     </p:spTree>
     <p:extLst>
       <p:ext uri="{BB962C8B-B14F-4D97-AF65-F5344CB8AC3E}">
-        <p14:creationId xmlns:p14="http://schemas.microsoft.com/office/powerpoint/2010/main" val="1105386860"/>
+        <p14:creationId xmlns:p14="http://schemas.microsoft.com/office/powerpoint/2010/main" val="566288941"/>
       </p:ext>
     </p:extLst>
   </p:cSld>
@@ -5117,158 +6868,23 @@
           <a:chExt cx="0" cy="0"/>
         </a:xfrm>
       </p:grpSpPr>
-      <p:sp>
-        <p:nvSpPr>
-          <p:cNvPr id="2" name="Title 1">
+      <p:pic>
+        <p:nvPicPr>
+          <p:cNvPr id="5" name="Content Placeholder 4" descr="Timeline&#10;&#10;Description automatically generated">
             <a:extLst>
               <a:ext uri="{FF2B5EF4-FFF2-40B4-BE49-F238E27FC236}">
-                <a16:creationId xmlns:a16="http://schemas.microsoft.com/office/drawing/2014/main" id="{8F46C5A6-F59F-4456-9054-E9D9A97262FD}"/>
-              </a:ext>
-            </a:extLst>
-          </p:cNvPr>
-          <p:cNvSpPr>
-            <a:spLocks noGrp="1"/>
-          </p:cNvSpPr>
-          <p:nvPr>
-            <p:ph type="title"/>
-          </p:nvPr>
-        </p:nvSpPr>
-        <p:spPr/>
-        <p:txBody>
-          <a:bodyPr/>
-          <a:lstStyle/>
-          <a:p>
-            <a:r>
-              <a:rPr lang="en-US" dirty="0"/>
-              <a:t>Additional Figures</a:t>
-            </a:r>
-            <a:endParaRPr lang="en-CA" dirty="0"/>
-          </a:p>
-        </p:txBody>
-      </p:sp>
-      <p:sp>
-        <p:nvSpPr>
-          <p:cNvPr id="4" name="Content Placeholder 3">
-            <a:extLst>
-              <a:ext uri="{FF2B5EF4-FFF2-40B4-BE49-F238E27FC236}">
-                <a16:creationId xmlns:a16="http://schemas.microsoft.com/office/drawing/2014/main" id="{BAD94FB1-A473-437A-A5CB-9B76B9A29672}"/>
-              </a:ext>
-            </a:extLst>
-          </p:cNvPr>
-          <p:cNvSpPr>
-            <a:spLocks noGrp="1"/>
-          </p:cNvSpPr>
-          <p:nvPr>
-            <p:ph idx="1"/>
-          </p:nvPr>
-        </p:nvSpPr>
-        <p:spPr>
-          <a:xfrm>
-            <a:off x="669154" y="5458335"/>
-            <a:ext cx="10853691" cy="1333082"/>
-          </a:xfrm>
-        </p:spPr>
-        <p:txBody>
-          <a:bodyPr>
-            <a:normAutofit fontScale="70000" lnSpcReduction="20000"/>
-          </a:bodyPr>
-          <a:lstStyle/>
-          <a:p>
-            <a:pPr marL="0" indent="0">
-              <a:buNone/>
-            </a:pPr>
-            <a:r>
-              <a:rPr lang="en-US" dirty="0"/>
-              <a:t>Figure 2: Schematic of fish and benthic data collection protocol. Fish and benthic characteristics were measured at 3 meter and 15 meter depth contours (below chart datum) at each of the 10 sites. Fish were counted and measured in a 1 meter width along the 20 meter long transect (light blue rectangle). Substrate characteristics were recorded in 1 m2 quadrats every 2 meters (10 quadrats per 20 meter long transect, dark blue squares). Sites were surveyed multiple times from October 2019 to March 2020 resulting in replicate transects at each depth. Current, temperature, and salinity data were continuously recorded at 10 meter depth from 16 December 2019 to 26 January 2020 using Tilt Current Meters from Lowell Instruments, LLC and conductivity and temperature loggers from Star Oddi. </a:t>
-            </a:r>
-            <a:endParaRPr lang="en-CA" dirty="0"/>
-          </a:p>
-        </p:txBody>
-      </p:sp>
-      <p:sp>
-        <p:nvSpPr>
-          <p:cNvPr id="3" name="Rectangle 2">
-            <a:extLst>
-              <a:ext uri="{FF2B5EF4-FFF2-40B4-BE49-F238E27FC236}">
-                <a16:creationId xmlns:a16="http://schemas.microsoft.com/office/drawing/2014/main" id="{C8B9DCFD-E07E-418B-A31F-F9A1F1822DAC}"/>
-              </a:ext>
-            </a:extLst>
-          </p:cNvPr>
-          <p:cNvSpPr>
-            <a:spLocks noChangeArrowheads="1"/>
-          </p:cNvSpPr>
-          <p:nvPr/>
-        </p:nvSpPr>
-        <p:spPr bwMode="auto">
-          <a:xfrm>
-            <a:off x="152400" y="152400"/>
-            <a:ext cx="12192000" cy="457200"/>
-          </a:xfrm>
-          <a:prstGeom prst="rect">
-            <a:avLst/>
-          </a:prstGeom>
-          <a:noFill/>
-          <a:ln>
-            <a:noFill/>
-          </a:ln>
-          <a:effectLst/>
-          <a:extLst>
-            <a:ext uri="{909E8E84-426E-40DD-AFC4-6F175D3DCCD1}">
-              <a14:hiddenFill xmlns:a14="http://schemas.microsoft.com/office/drawing/2010/main">
-                <a:solidFill>
-                  <a:schemeClr val="accent1"/>
-                </a:solidFill>
-              </a14:hiddenFill>
-            </a:ext>
-            <a:ext uri="{91240B29-F687-4F45-9708-019B960494DF}">
-              <a14:hiddenLine xmlns:a14="http://schemas.microsoft.com/office/drawing/2010/main" w="9525">
-                <a:solidFill>
-                  <a:schemeClr val="tx1"/>
-                </a:solidFill>
-                <a:miter lim="800000"/>
-                <a:headEnd/>
-                <a:tailEnd/>
-              </a14:hiddenLine>
-            </a:ext>
-            <a:ext uri="{AF507438-7753-43E0-B8FC-AC1667EBCBE1}">
-              <a14:hiddenEffects xmlns:a14="http://schemas.microsoft.com/office/drawing/2010/main">
-                <a:effectLst>
-                  <a:outerShdw dist="35921" dir="2700000" algn="ctr" rotWithShape="0">
-                    <a:schemeClr val="bg2"/>
-                  </a:outerShdw>
-                </a:effectLst>
-              </a14:hiddenEffects>
-            </a:ext>
-          </a:extLst>
-        </p:spPr>
-        <p:txBody>
-          <a:bodyPr vert="horz" wrap="none" lIns="91440" tIns="45720" rIns="91440" bIns="45720" numCol="1" anchor="ctr" anchorCtr="0" compatLnSpc="1">
-            <a:prstTxWarp prst="textNoShape">
-              <a:avLst/>
-            </a:prstTxWarp>
-            <a:spAutoFit/>
-          </a:bodyPr>
-          <a:lstStyle/>
-          <a:p>
-            <a:endParaRPr lang="en-CA"/>
-          </a:p>
-        </p:txBody>
-      </p:sp>
-      <p:pic>
-        <p:nvPicPr>
-          <p:cNvPr id="1025" name="Picture 2">
-            <a:extLst>
-              <a:ext uri="{FF2B5EF4-FFF2-40B4-BE49-F238E27FC236}">
-                <a16:creationId xmlns:a16="http://schemas.microsoft.com/office/drawing/2014/main" id="{80CE411F-CC67-4AD9-B66A-0CD6D1BA3DA4}"/>
+                <a16:creationId xmlns:a16="http://schemas.microsoft.com/office/drawing/2014/main" id="{64C281D7-7D2E-4A82-9E14-BBD524CAF3A3}"/>
               </a:ext>
             </a:extLst>
           </p:cNvPr>
           <p:cNvPicPr>
-            <a:picLocks noChangeAspect="1" noChangeArrowheads="1"/>
+            <a:picLocks noGrp="1" noChangeAspect="1"/>
           </p:cNvPicPr>
-          <p:nvPr/>
+          <p:nvPr>
+            <p:ph idx="1"/>
+          </p:nvPr>
         </p:nvPicPr>
-        <p:blipFill>
+        <p:blipFill rotWithShape="1">
           <a:blip r:embed="rId2">
             <a:extLst>
               <a:ext uri="{28A0092B-C50C-407E-A947-70E740481C1C}">
@@ -5276,33 +6892,19 @@
               </a:ext>
             </a:extLst>
           </a:blip>
-          <a:srcRect/>
           <a:stretch/>
         </p:blipFill>
-        <p:spPr bwMode="auto">
+        <p:spPr>
           <a:xfrm>
-            <a:off x="1998955" y="1658137"/>
-            <a:ext cx="8194089" cy="3775376"/>
+            <a:off x="2013528" y="-145438"/>
+            <a:ext cx="8164945" cy="6732228"/>
           </a:xfrm>
-          <a:prstGeom prst="rect">
-            <a:avLst/>
-          </a:prstGeom>
-          <a:noFill/>
-          <a:extLst>
-            <a:ext uri="{909E8E84-426E-40DD-AFC4-6F175D3DCCD1}">
-              <a14:hiddenFill xmlns:a14="http://schemas.microsoft.com/office/drawing/2010/main">
-                <a:solidFill>
-                  <a:srgbClr val="FFFFFF"/>
-                </a:solidFill>
-              </a14:hiddenFill>
-            </a:ext>
-          </a:extLst>
         </p:spPr>
       </p:pic>
     </p:spTree>
     <p:extLst>
       <p:ext uri="{BB962C8B-B14F-4D97-AF65-F5344CB8AC3E}">
-        <p14:creationId xmlns:p14="http://schemas.microsoft.com/office/powerpoint/2010/main" val="960210852"/>
+        <p14:creationId xmlns:p14="http://schemas.microsoft.com/office/powerpoint/2010/main" val="2161937291"/>
       </p:ext>
     </p:extLst>
   </p:cSld>

--- a/HiLoAnalysisUpdate.pptx
+++ b/HiLoAnalysisUpdate.pptx
@@ -9,18 +9,20 @@
     <p:sldId id="269" r:id="rId3"/>
     <p:sldId id="257" r:id="rId4"/>
     <p:sldId id="271" r:id="rId5"/>
-    <p:sldId id="272" r:id="rId6"/>
-    <p:sldId id="274" r:id="rId7"/>
-    <p:sldId id="258" r:id="rId8"/>
-    <p:sldId id="259" r:id="rId9"/>
-    <p:sldId id="260" r:id="rId10"/>
-    <p:sldId id="261" r:id="rId11"/>
-    <p:sldId id="262" r:id="rId12"/>
-    <p:sldId id="263" r:id="rId13"/>
-    <p:sldId id="264" r:id="rId14"/>
-    <p:sldId id="265" r:id="rId15"/>
-    <p:sldId id="266" r:id="rId16"/>
-    <p:sldId id="268" r:id="rId17"/>
+    <p:sldId id="258" r:id="rId6"/>
+    <p:sldId id="272" r:id="rId7"/>
+    <p:sldId id="275" r:id="rId8"/>
+    <p:sldId id="274" r:id="rId9"/>
+    <p:sldId id="276" r:id="rId10"/>
+    <p:sldId id="259" r:id="rId11"/>
+    <p:sldId id="260" r:id="rId12"/>
+    <p:sldId id="261" r:id="rId13"/>
+    <p:sldId id="262" r:id="rId14"/>
+    <p:sldId id="263" r:id="rId15"/>
+    <p:sldId id="264" r:id="rId16"/>
+    <p:sldId id="265" r:id="rId17"/>
+    <p:sldId id="266" r:id="rId18"/>
+    <p:sldId id="268" r:id="rId19"/>
   </p:sldIdLst>
   <p:sldSz cx="12192000" cy="6858000"/>
   <p:notesSz cx="6858000" cy="9144000"/>
@@ -3773,6 +3775,192 @@
             </a:r>
             <a:r>
               <a:rPr lang="en-US" dirty="0" smtClean="0"/>
+              <a:t>2</a:t>
+            </a:r>
+            <a:endParaRPr lang="en-CA" dirty="0"/>
+          </a:p>
+        </p:txBody>
+      </p:sp>
+      <p:sp>
+        <p:nvSpPr>
+          <p:cNvPr id="3" name="Content Placeholder 2">
+            <a:extLst>
+              <a:ext uri="{FF2B5EF4-FFF2-40B4-BE49-F238E27FC236}">
+                <a16:creationId xmlns:a16="http://schemas.microsoft.com/office/drawing/2014/main" id="{F77F33DF-DB05-429D-9520-A5498ECC21DF}"/>
+              </a:ext>
+            </a:extLst>
+          </p:cNvPr>
+          <p:cNvSpPr>
+            <a:spLocks noGrp="1"/>
+          </p:cNvSpPr>
+          <p:nvPr>
+            <p:ph idx="1"/>
+          </p:nvPr>
+        </p:nvSpPr>
+        <p:spPr/>
+        <p:txBody>
+          <a:bodyPr/>
+          <a:lstStyle/>
+          <a:p>
+            <a:pPr marL="0" indent="0">
+              <a:buNone/>
+            </a:pPr>
+            <a:r>
+              <a:rPr lang="en-US" dirty="0" smtClean="0"/>
+              <a:t>Examine </a:t>
+            </a:r>
+            <a:r>
+              <a:rPr lang="en-US" dirty="0"/>
+              <a:t>how fish community composition varies with tidal current speed and depth</a:t>
+            </a:r>
+          </a:p>
+          <a:p>
+            <a:r>
+              <a:rPr lang="en-US" b="1" dirty="0" smtClean="0"/>
+              <a:t>Analysis:</a:t>
+            </a:r>
+          </a:p>
+          <a:p>
+            <a:r>
+              <a:rPr lang="en-US" dirty="0"/>
+              <a:t>-</a:t>
+            </a:r>
+            <a:r>
+              <a:rPr lang="en-US" dirty="0" smtClean="0"/>
+              <a:t> non-metric </a:t>
+            </a:r>
+            <a:r>
+              <a:rPr lang="en-US" dirty="0"/>
+              <a:t>multidimensional scaling plots (NMDS</a:t>
+            </a:r>
+            <a:r>
+              <a:rPr lang="en-US" dirty="0" smtClean="0"/>
+              <a:t>)</a:t>
+            </a:r>
+            <a:endParaRPr lang="en-CA" dirty="0"/>
+          </a:p>
+        </p:txBody>
+      </p:sp>
+    </p:spTree>
+    <p:extLst>
+      <p:ext uri="{BB962C8B-B14F-4D97-AF65-F5344CB8AC3E}">
+        <p14:creationId xmlns:p14="http://schemas.microsoft.com/office/powerpoint/2010/main" val="566288941"/>
+      </p:ext>
+    </p:extLst>
+  </p:cSld>
+  <p:clrMapOvr>
+    <a:masterClrMapping/>
+  </p:clrMapOvr>
+</p:sld>
+</file>
+
+<file path=ppt/slides/slide11.xml><?xml version="1.0" encoding="utf-8"?>
+<p:sld xmlns:a="http://schemas.openxmlformats.org/drawingml/2006/main" xmlns:r="http://schemas.openxmlformats.org/officeDocument/2006/relationships" xmlns:p="http://schemas.openxmlformats.org/presentationml/2006/main">
+  <p:cSld>
+    <p:spTree>
+      <p:nvGrpSpPr>
+        <p:cNvPr id="1" name=""/>
+        <p:cNvGrpSpPr/>
+        <p:nvPr/>
+      </p:nvGrpSpPr>
+      <p:grpSpPr>
+        <a:xfrm>
+          <a:off x="0" y="0"/>
+          <a:ext cx="0" cy="0"/>
+          <a:chOff x="0" y="0"/>
+          <a:chExt cx="0" cy="0"/>
+        </a:xfrm>
+      </p:grpSpPr>
+      <p:pic>
+        <p:nvPicPr>
+          <p:cNvPr id="5" name="Content Placeholder 4" descr="Timeline&#10;&#10;Description automatically generated">
+            <a:extLst>
+              <a:ext uri="{FF2B5EF4-FFF2-40B4-BE49-F238E27FC236}">
+                <a16:creationId xmlns:a16="http://schemas.microsoft.com/office/drawing/2014/main" id="{64C281D7-7D2E-4A82-9E14-BBD524CAF3A3}"/>
+              </a:ext>
+            </a:extLst>
+          </p:cNvPr>
+          <p:cNvPicPr>
+            <a:picLocks noGrp="1" noChangeAspect="1"/>
+          </p:cNvPicPr>
+          <p:nvPr>
+            <p:ph idx="1"/>
+          </p:nvPr>
+        </p:nvPicPr>
+        <p:blipFill rotWithShape="1">
+          <a:blip r:embed="rId2">
+            <a:extLst>
+              <a:ext uri="{28A0092B-C50C-407E-A947-70E740481C1C}">
+                <a14:useLocalDpi xmlns:a14="http://schemas.microsoft.com/office/drawing/2010/main" val="0"/>
+              </a:ext>
+            </a:extLst>
+          </a:blip>
+          <a:stretch/>
+        </p:blipFill>
+        <p:spPr>
+          <a:xfrm>
+            <a:off x="2013528" y="-145438"/>
+            <a:ext cx="8164945" cy="6732228"/>
+          </a:xfrm>
+        </p:spPr>
+      </p:pic>
+    </p:spTree>
+    <p:extLst>
+      <p:ext uri="{BB962C8B-B14F-4D97-AF65-F5344CB8AC3E}">
+        <p14:creationId xmlns:p14="http://schemas.microsoft.com/office/powerpoint/2010/main" val="2161937291"/>
+      </p:ext>
+    </p:extLst>
+  </p:cSld>
+  <p:clrMapOvr>
+    <a:masterClrMapping/>
+  </p:clrMapOvr>
+</p:sld>
+</file>
+
+<file path=ppt/slides/slide12.xml><?xml version="1.0" encoding="utf-8"?>
+<p:sld xmlns:a="http://schemas.openxmlformats.org/drawingml/2006/main" xmlns:r="http://schemas.openxmlformats.org/officeDocument/2006/relationships" xmlns:p="http://schemas.openxmlformats.org/presentationml/2006/main">
+  <p:cSld>
+    <p:spTree>
+      <p:nvGrpSpPr>
+        <p:cNvPr id="1" name=""/>
+        <p:cNvGrpSpPr/>
+        <p:nvPr/>
+      </p:nvGrpSpPr>
+      <p:grpSpPr>
+        <a:xfrm>
+          <a:off x="0" y="0"/>
+          <a:ext cx="0" cy="0"/>
+          <a:chOff x="0" y="0"/>
+          <a:chExt cx="0" cy="0"/>
+        </a:xfrm>
+      </p:grpSpPr>
+      <p:sp>
+        <p:nvSpPr>
+          <p:cNvPr id="2" name="Title 1">
+            <a:extLst>
+              <a:ext uri="{FF2B5EF4-FFF2-40B4-BE49-F238E27FC236}">
+                <a16:creationId xmlns:a16="http://schemas.microsoft.com/office/drawing/2014/main" id="{8F46C5A6-F59F-4456-9054-E9D9A97262FD}"/>
+              </a:ext>
+            </a:extLst>
+          </p:cNvPr>
+          <p:cNvSpPr>
+            <a:spLocks noGrp="1"/>
+          </p:cNvSpPr>
+          <p:nvPr>
+            <p:ph type="title"/>
+          </p:nvPr>
+        </p:nvSpPr>
+        <p:spPr/>
+        <p:txBody>
+          <a:bodyPr/>
+          <a:lstStyle/>
+          <a:p>
+            <a:r>
+              <a:rPr lang="en-US" dirty="0"/>
+              <a:t>Research Objective </a:t>
+            </a:r>
+            <a:r>
+              <a:rPr lang="en-US" dirty="0" smtClean="0"/>
               <a:t>3</a:t>
             </a:r>
             <a:endParaRPr lang="en-CA" dirty="0"/>
@@ -3867,7 +4055,7 @@
 </p:sld>
 </file>
 
-<file path=ppt/slides/slide11.xml><?xml version="1.0" encoding="utf-8"?>
+<file path=ppt/slides/slide13.xml><?xml version="1.0" encoding="utf-8"?>
 <p:sld xmlns:a="http://schemas.openxmlformats.org/drawingml/2006/main" xmlns:r="http://schemas.openxmlformats.org/officeDocument/2006/relationships" xmlns:p="http://schemas.openxmlformats.org/presentationml/2006/main">
   <p:cSld>
     <p:spTree>
@@ -4264,7 +4452,7 @@
 </p:sld>
 </file>
 
-<file path=ppt/slides/slide12.xml><?xml version="1.0" encoding="utf-8"?>
+<file path=ppt/slides/slide14.xml><?xml version="1.0" encoding="utf-8"?>
 <p:sld xmlns:a="http://schemas.openxmlformats.org/drawingml/2006/main" xmlns:r="http://schemas.openxmlformats.org/officeDocument/2006/relationships" xmlns:p="http://schemas.openxmlformats.org/presentationml/2006/main">
   <p:cSld>
     <p:spTree>
@@ -4484,7 +4672,7 @@
 </p:sld>
 </file>
 
-<file path=ppt/slides/slide13.xml><?xml version="1.0" encoding="utf-8"?>
+<file path=ppt/slides/slide15.xml><?xml version="1.0" encoding="utf-8"?>
 <p:sld xmlns:a="http://schemas.openxmlformats.org/drawingml/2006/main" xmlns:r="http://schemas.openxmlformats.org/officeDocument/2006/relationships" xmlns:p="http://schemas.openxmlformats.org/presentationml/2006/main">
   <p:cSld>
     <p:spTree>
@@ -4696,7 +4884,7 @@
 </p:sld>
 </file>
 
-<file path=ppt/slides/slide14.xml><?xml version="1.0" encoding="utf-8"?>
+<file path=ppt/slides/slide16.xml><?xml version="1.0" encoding="utf-8"?>
 <p:sld xmlns:a="http://schemas.openxmlformats.org/drawingml/2006/main" xmlns:r="http://schemas.openxmlformats.org/officeDocument/2006/relationships" xmlns:p="http://schemas.openxmlformats.org/presentationml/2006/main">
   <p:cSld>
     <p:spTree>
@@ -4908,7 +5096,7 @@
 </p:sld>
 </file>
 
-<file path=ppt/slides/slide15.xml><?xml version="1.0" encoding="utf-8"?>
+<file path=ppt/slides/slide17.xml><?xml version="1.0" encoding="utf-8"?>
 <p:sld xmlns:a="http://schemas.openxmlformats.org/drawingml/2006/main" xmlns:r="http://schemas.openxmlformats.org/officeDocument/2006/relationships" xmlns:p="http://schemas.openxmlformats.org/presentationml/2006/main">
   <p:cSld>
     <p:spTree>
@@ -5128,7 +5316,7 @@
 </p:sld>
 </file>
 
-<file path=ppt/slides/slide16.xml><?xml version="1.0" encoding="utf-8"?>
+<file path=ppt/slides/slide18.xml><?xml version="1.0" encoding="utf-8"?>
 <p:sld xmlns:a="http://schemas.openxmlformats.org/drawingml/2006/main" xmlns:r="http://schemas.openxmlformats.org/officeDocument/2006/relationships" xmlns:p="http://schemas.openxmlformats.org/presentationml/2006/main">
   <p:cSld>
     <p:spTree>
@@ -5664,8 +5852,12 @@
           <a:lstStyle/>
           <a:p>
             <a:r>
+              <a:rPr lang="en-US" dirty="0" smtClean="0"/>
+              <a:t>			logLik   </a:t>
+            </a:r>
+            <a:r>
               <a:rPr lang="en-US" dirty="0"/>
-              <a:t>logLik   AIC     </a:t>
+              <a:t>AIC     </a:t>
             </a:r>
             <a:r>
               <a:rPr lang="en-US" dirty="0" err="1"/>
@@ -5676,59 +5868,84 @@
               <a:t> </a:t>
             </a:r>
             <a:r>
-              <a:rPr lang="en-US" dirty="0" err="1"/>
+              <a:rPr lang="en-US" dirty="0" smtClean="0"/>
+              <a:t>	</a:t>
+            </a:r>
+            <a:r>
+              <a:rPr lang="en-US" dirty="0" err="1" smtClean="0"/>
               <a:t>dAIC</a:t>
             </a:r>
             <a:r>
+              <a:rPr lang="en-US" dirty="0" smtClean="0"/>
+              <a:t>  </a:t>
+            </a:r>
+            <a:r>
+              <a:rPr lang="en-US" dirty="0" err="1" smtClean="0"/>
+              <a:t>df</a:t>
+            </a:r>
+            <a:r>
+              <a:rPr lang="en-US" dirty="0" smtClean="0"/>
+              <a:t>  		weight</a:t>
+            </a:r>
+          </a:p>
+          <a:p>
+            <a:r>
+              <a:rPr lang="en-US" b="1" dirty="0" smtClean="0"/>
+              <a:t>Lm13.ab.var </a:t>
+            </a:r>
+            <a:r>
+              <a:rPr lang="en-US" b="1" dirty="0"/>
+              <a:t>-268.2  550.5   27.4     </a:t>
+            </a:r>
+            <a:r>
+              <a:rPr lang="en-US" b="1" dirty="0" smtClean="0"/>
+              <a:t>		0.0 	7  		0.4828</a:t>
+            </a:r>
+            <a:endParaRPr lang="en-US" b="1" dirty="0"/>
+          </a:p>
+          <a:p>
+            <a:r>
+              <a:rPr lang="en-US" b="1" dirty="0"/>
+              <a:t>Lm7.ab.var  -270.1  552.1   25.6     </a:t>
+            </a:r>
+            <a:r>
+              <a:rPr lang="en-US" b="1" dirty="0" smtClean="0"/>
+              <a:t>		1.7 	6  		0.2105</a:t>
+            </a:r>
+            <a:endParaRPr lang="en-US" b="1" dirty="0"/>
+          </a:p>
+          <a:p>
+            <a:r>
+              <a:rPr lang="en-US" b="1" dirty="0"/>
+              <a:t>Lm15.ab.var -268.2  552.3   27.5     </a:t>
+            </a:r>
+            <a:r>
+              <a:rPr lang="en-US" b="1" dirty="0" smtClean="0"/>
+              <a:t>		1.9 	8  		0.1910</a:t>
+            </a:r>
+            <a:endParaRPr lang="en-US" b="1" dirty="0"/>
+          </a:p>
+          <a:p>
+            <a:r>
               <a:rPr lang="en-US" dirty="0"/>
-              <a:t>  </a:t>
-            </a:r>
-            <a:r>
-              <a:rPr lang="en-US" dirty="0" err="1"/>
-              <a:t>df</a:t>
-            </a:r>
+              <a:t>Lm12.ab.var -269.7  553.5   25.9     </a:t>
+            </a:r>
+            <a:r>
+              <a:rPr lang="en-US" dirty="0" smtClean="0"/>
+              <a:t>	3.0 	7  		0.1067</a:t>
+            </a:r>
+            <a:endParaRPr lang="en-US" dirty="0"/>
+          </a:p>
+          <a:p>
             <a:r>
               <a:rPr lang="en-US" dirty="0"/>
-              <a:t>  </a:t>
+              <a:t>Lm14.ab.var -272.7  559.4   22.9     </a:t>
             </a:r>
             <a:r>
               <a:rPr lang="en-US" dirty="0" smtClean="0"/>
-              <a:t>weight</a:t>
-            </a:r>
-          </a:p>
-          <a:p>
-            <a:r>
-              <a:rPr lang="en-US" dirty="0" smtClean="0"/>
-              <a:t>Lm13.ab.var </a:t>
-            </a:r>
-            <a:r>
-              <a:rPr lang="en-US" dirty="0"/>
-              <a:t>-268.2  550.5   27.4     0.0 7  0.4828</a:t>
-            </a:r>
-          </a:p>
-          <a:p>
-            <a:r>
-              <a:rPr lang="en-US" dirty="0"/>
-              <a:t>Lm7.ab.var  -270.1  552.1   25.6     1.7 6  0.2105</a:t>
-            </a:r>
-          </a:p>
-          <a:p>
-            <a:r>
-              <a:rPr lang="en-US" dirty="0"/>
-              <a:t>Lm15.ab.var -268.2  552.3   27.5     1.9 8  0.1910</a:t>
-            </a:r>
-          </a:p>
-          <a:p>
-            <a:r>
-              <a:rPr lang="en-US" dirty="0"/>
-              <a:t>Lm12.ab.var -269.7  553.5   25.9     3.0 7  0.1067</a:t>
-            </a:r>
-          </a:p>
-          <a:p>
-            <a:r>
-              <a:rPr lang="en-US" dirty="0"/>
-              <a:t>Lm14.ab.var -272.7  559.4   22.9     8.9 7  0.0056</a:t>
-            </a:r>
+              <a:t>	8.9 	7  		0.0056</a:t>
+            </a:r>
+            <a:endParaRPr lang="en-US" dirty="0"/>
           </a:p>
           <a:p>
             <a:endParaRPr lang="en-US" dirty="0"/>
@@ -5743,8 +5960,8 @@
         </p:nvSpPr>
         <p:spPr>
           <a:xfrm>
-            <a:off x="508000" y="4367668"/>
-            <a:ext cx="10908146" cy="1477328"/>
+            <a:off x="508000" y="4278362"/>
+            <a:ext cx="10908146" cy="2308324"/>
           </a:xfrm>
           <a:prstGeom prst="rect">
             <a:avLst/>
@@ -5769,15 +5986,15 @@
               <a:t>(Abundance ~ </a:t>
             </a:r>
             <a:r>
-              <a:rPr lang="en-US" dirty="0" err="1"/>
+              <a:rPr lang="en-US" b="1" dirty="0" err="1"/>
               <a:t>TransectDepth</a:t>
             </a:r>
             <a:r>
-              <a:rPr lang="en-US" dirty="0"/>
+              <a:rPr lang="en-US" b="1" dirty="0"/>
               <a:t> + </a:t>
             </a:r>
             <a:r>
-              <a:rPr lang="en-US" dirty="0" err="1"/>
+              <a:rPr lang="en-US" b="1" dirty="0" err="1"/>
               <a:t>PercRock</a:t>
             </a:r>
             <a:r>
@@ -5806,9 +6023,15 @@
               <a:rPr lang="en-US" dirty="0" smtClean="0"/>
               <a:t> </a:t>
             </a:r>
+          </a:p>
+          <a:p>
+            <a:r>
+              <a:rPr lang="en-US" dirty="0" smtClean="0"/>
+              <a:t>Lm13.ab  </a:t>
+            </a:r>
             <a:r>
               <a:rPr lang="en-US" dirty="0"/>
-              <a:t>Lm13.ab  &lt;- </a:t>
+              <a:t>&lt;- </a:t>
             </a:r>
             <a:r>
               <a:rPr lang="en-US" dirty="0" err="1"/>
@@ -5819,23 +6042,23 @@
               <a:t>(Abundance ~ </a:t>
             </a:r>
             <a:r>
-              <a:rPr lang="en-US" dirty="0" err="1"/>
+              <a:rPr lang="en-US" b="1" dirty="0" err="1"/>
               <a:t>TransectDepth</a:t>
             </a:r>
             <a:r>
-              <a:rPr lang="en-US" dirty="0"/>
+              <a:rPr lang="en-US" b="1" dirty="0"/>
               <a:t> + </a:t>
             </a:r>
             <a:r>
-              <a:rPr lang="en-US" dirty="0" err="1"/>
+              <a:rPr lang="en-US" b="1" dirty="0" err="1"/>
               <a:t>CurrentMax</a:t>
             </a:r>
             <a:r>
-              <a:rPr lang="en-US" dirty="0"/>
+              <a:rPr lang="en-US" b="1" dirty="0"/>
               <a:t> + </a:t>
             </a:r>
             <a:r>
-              <a:rPr lang="en-US" dirty="0" err="1"/>
+              <a:rPr lang="en-US" b="1" dirty="0" err="1"/>
               <a:t>PercRock</a:t>
             </a:r>
             <a:r>
@@ -5856,7 +6079,24 @@
             </a:r>
             <a:r>
               <a:rPr lang="en-US" dirty="0"/>
-              <a:t>(form = ~fitted(.)),method = "ML")&gt; Lm15.ab  &lt;- </a:t>
+              <a:t>(form = ~fitted(.)),method = "ML</a:t>
+            </a:r>
+            <a:r>
+              <a:rPr lang="en-US" dirty="0" smtClean="0"/>
+              <a:t>")</a:t>
+            </a:r>
+          </a:p>
+          <a:p>
+            <a:endParaRPr lang="en-US" dirty="0"/>
+          </a:p>
+          <a:p>
+            <a:r>
+              <a:rPr lang="en-US" dirty="0" smtClean="0"/>
+              <a:t> </a:t>
+            </a:r>
+            <a:r>
+              <a:rPr lang="en-US" dirty="0"/>
+              <a:t>Lm15.ab  &lt;- </a:t>
             </a:r>
             <a:r>
               <a:rPr lang="en-US" dirty="0" err="1"/>
@@ -5867,31 +6107,31 @@
               <a:t>(Abundance ~ </a:t>
             </a:r>
             <a:r>
-              <a:rPr lang="en-US" dirty="0" err="1"/>
+              <a:rPr lang="en-US" b="1" dirty="0" err="1"/>
               <a:t>CurrentMax</a:t>
             </a:r>
             <a:r>
-              <a:rPr lang="en-US" dirty="0"/>
+              <a:rPr lang="en-US" b="1" dirty="0"/>
               <a:t> + </a:t>
             </a:r>
             <a:r>
-              <a:rPr lang="en-US" dirty="0" err="1"/>
+              <a:rPr lang="en-US" b="1" dirty="0" err="1"/>
               <a:t>TransectDepth</a:t>
             </a:r>
             <a:r>
-              <a:rPr lang="en-US" dirty="0"/>
+              <a:rPr lang="en-US" b="1" dirty="0"/>
               <a:t> + </a:t>
             </a:r>
             <a:r>
-              <a:rPr lang="en-US" dirty="0" err="1"/>
+              <a:rPr lang="en-US" b="1" dirty="0" err="1"/>
               <a:t>SlopeAngle</a:t>
             </a:r>
             <a:r>
-              <a:rPr lang="en-US" dirty="0"/>
+              <a:rPr lang="en-US" b="1" dirty="0"/>
               <a:t> + </a:t>
             </a:r>
             <a:r>
-              <a:rPr lang="en-US" dirty="0" err="1"/>
+              <a:rPr lang="en-US" b="1" dirty="0" err="1"/>
               <a:t>PercRock</a:t>
             </a:r>
             <a:r>
@@ -5947,339 +6187,40 @@
           <a:chExt cx="0" cy="0"/>
         </a:xfrm>
       </p:grpSpPr>
-      <p:sp>
-        <p:nvSpPr>
-          <p:cNvPr id="2" name="Title 1"/>
-          <p:cNvSpPr>
-            <a:spLocks noGrp="1"/>
-          </p:cNvSpPr>
-          <p:nvPr>
-            <p:ph type="title"/>
-          </p:nvPr>
-        </p:nvSpPr>
-        <p:spPr/>
-        <p:txBody>
-          <a:bodyPr/>
-          <a:lstStyle/>
-          <a:p>
-            <a:r>
-              <a:rPr lang="en-US" dirty="0" smtClean="0"/>
-              <a:t>Fish biomass</a:t>
-            </a:r>
-            <a:endParaRPr lang="en-US" dirty="0"/>
-          </a:p>
-        </p:txBody>
-      </p:sp>
-      <p:sp>
-        <p:nvSpPr>
-          <p:cNvPr id="6" name="Rectangle 5"/>
-          <p:cNvSpPr/>
+      <p:pic>
+        <p:nvPicPr>
+          <p:cNvPr id="6" name="Picture 5"/>
+          <p:cNvPicPr>
+            <a:picLocks noChangeAspect="1"/>
+          </p:cNvPicPr>
           <p:nvPr/>
-        </p:nvSpPr>
+        </p:nvPicPr>
+        <p:blipFill>
+          <a:blip r:embed="rId2">
+            <a:extLst>
+              <a:ext uri="{28A0092B-C50C-407E-A947-70E740481C1C}">
+                <a14:useLocalDpi xmlns:a14="http://schemas.microsoft.com/office/drawing/2010/main" val="0"/>
+              </a:ext>
+            </a:extLst>
+          </a:blip>
+          <a:stretch>
+            <a:fillRect/>
+          </a:stretch>
+        </p:blipFill>
         <p:spPr>
           <a:xfrm>
-            <a:off x="657224" y="1868438"/>
-            <a:ext cx="6096000" cy="1754326"/>
+            <a:off x="245043" y="1237672"/>
+            <a:ext cx="11087974" cy="4712389"/>
           </a:xfrm>
           <a:prstGeom prst="rect">
             <a:avLst/>
           </a:prstGeom>
         </p:spPr>
-        <p:txBody>
-          <a:bodyPr>
-            <a:spAutoFit/>
-          </a:bodyPr>
-          <a:lstStyle/>
-          <a:p>
-            <a:r>
-              <a:rPr lang="en-US" dirty="0" smtClean="0"/>
-              <a:t>		logLik   AIC     </a:t>
-            </a:r>
-            <a:r>
-              <a:rPr lang="en-US" dirty="0" err="1" smtClean="0"/>
-              <a:t>dLogLik</a:t>
-            </a:r>
-            <a:r>
-              <a:rPr lang="en-US" dirty="0" smtClean="0"/>
-              <a:t> </a:t>
-            </a:r>
-            <a:r>
-              <a:rPr lang="en-US" dirty="0" err="1" smtClean="0"/>
-              <a:t>dAIC</a:t>
-            </a:r>
-            <a:r>
-              <a:rPr lang="en-US" dirty="0" smtClean="0"/>
-              <a:t>  </a:t>
-            </a:r>
-            <a:r>
-              <a:rPr lang="en-US" dirty="0" err="1" smtClean="0"/>
-              <a:t>df</a:t>
-            </a:r>
-            <a:r>
-              <a:rPr lang="en-US" dirty="0" smtClean="0"/>
-              <a:t>  weight</a:t>
-            </a:r>
-            <a:endParaRPr lang="en-US" dirty="0"/>
-          </a:p>
-          <a:p>
-            <a:r>
-              <a:rPr lang="en-US" dirty="0"/>
-              <a:t>Lm1.bio   -95.9  </a:t>
-            </a:r>
-            <a:r>
-              <a:rPr lang="en-US" dirty="0" smtClean="0"/>
-              <a:t> 199.9  574.6      0.0    4   0.2708</a:t>
-            </a:r>
-            <a:endParaRPr lang="en-US" dirty="0"/>
-          </a:p>
-          <a:p>
-            <a:r>
-              <a:rPr lang="en-US" dirty="0"/>
-              <a:t>Lm6.bio   -95.5  </a:t>
-            </a:r>
-            <a:r>
-              <a:rPr lang="en-US" dirty="0" smtClean="0"/>
-              <a:t> 201.0  </a:t>
-            </a:r>
-            <a:r>
-              <a:rPr lang="en-US" dirty="0"/>
-              <a:t>575.0     </a:t>
-            </a:r>
-            <a:r>
-              <a:rPr lang="en-US" dirty="0" smtClean="0"/>
-              <a:t> 1.1    5   0.1524</a:t>
-            </a:r>
-            <a:endParaRPr lang="en-US" dirty="0"/>
-          </a:p>
-          <a:p>
-            <a:r>
-              <a:rPr lang="en-US" dirty="0"/>
-              <a:t>Lm5.bio   -95.6  </a:t>
-            </a:r>
-            <a:r>
-              <a:rPr lang="en-US" dirty="0" smtClean="0"/>
-              <a:t> 201.1  </a:t>
-            </a:r>
-            <a:r>
-              <a:rPr lang="en-US" dirty="0"/>
-              <a:t>575.0     </a:t>
-            </a:r>
-            <a:r>
-              <a:rPr lang="en-US" dirty="0" smtClean="0"/>
-              <a:t> 1.2    5   0.1471</a:t>
-            </a:r>
-            <a:endParaRPr lang="en-US" dirty="0"/>
-          </a:p>
-          <a:p>
-            <a:r>
-              <a:rPr lang="en-US" dirty="0"/>
-              <a:t>Lm7.bio   -95.6  </a:t>
-            </a:r>
-            <a:r>
-              <a:rPr lang="en-US" dirty="0" smtClean="0"/>
-              <a:t> 201.1  </a:t>
-            </a:r>
-            <a:r>
-              <a:rPr lang="en-US" dirty="0"/>
-              <a:t>575.0     </a:t>
-            </a:r>
-            <a:r>
-              <a:rPr lang="en-US" dirty="0" smtClean="0"/>
-              <a:t> 1.2    5   0.1469</a:t>
-            </a:r>
-            <a:endParaRPr lang="en-US" dirty="0"/>
-          </a:p>
-          <a:p>
-            <a:r>
-              <a:rPr lang="en-US" dirty="0"/>
-              <a:t>Lm12.bio  -95.1  202.3  575.4     </a:t>
-            </a:r>
-            <a:r>
-              <a:rPr lang="en-US" dirty="0" smtClean="0"/>
-              <a:t> 2.4    6    0.0828</a:t>
-            </a:r>
-            <a:endParaRPr lang="en-US" dirty="0"/>
-          </a:p>
-        </p:txBody>
-      </p:sp>
-      <p:sp>
-        <p:nvSpPr>
-          <p:cNvPr id="7" name="Rectangle 6"/>
-          <p:cNvSpPr/>
-          <p:nvPr/>
-        </p:nvSpPr>
-        <p:spPr>
-          <a:xfrm>
-            <a:off x="581890" y="3853964"/>
-            <a:ext cx="10848109" cy="1200329"/>
-          </a:xfrm>
-          <a:prstGeom prst="rect">
-            <a:avLst/>
-          </a:prstGeom>
-        </p:spPr>
-        <p:txBody>
-          <a:bodyPr wrap="square">
-            <a:spAutoFit/>
-          </a:bodyPr>
-          <a:lstStyle/>
-          <a:p>
-            <a:r>
-              <a:rPr lang="en-US" dirty="0"/>
-              <a:t>Lm1.bio &lt;-  </a:t>
-            </a:r>
-            <a:r>
-              <a:rPr lang="en-US" dirty="0" err="1"/>
-              <a:t>lme</a:t>
-            </a:r>
-            <a:r>
-              <a:rPr lang="en-US" dirty="0"/>
-              <a:t>(log10(Biomass) ~ </a:t>
-            </a:r>
-            <a:r>
-              <a:rPr lang="en-US" b="1" dirty="0" err="1"/>
-              <a:t>TransectDepth</a:t>
-            </a:r>
-            <a:r>
-              <a:rPr lang="en-US" dirty="0"/>
-              <a:t>, </a:t>
-            </a:r>
-            <a:r>
-              <a:rPr lang="en-US" dirty="0" smtClean="0"/>
-              <a:t>random </a:t>
-            </a:r>
-            <a:r>
-              <a:rPr lang="en-US" dirty="0"/>
-              <a:t>= ~ 1 | Site, data = data, method = "ML")</a:t>
-            </a:r>
-          </a:p>
-          <a:p>
-            <a:r>
-              <a:rPr lang="en-US" dirty="0" smtClean="0"/>
-              <a:t>Lm5.bio  </a:t>
-            </a:r>
-            <a:r>
-              <a:rPr lang="en-US" dirty="0"/>
-              <a:t>&lt;- </a:t>
-            </a:r>
-            <a:r>
-              <a:rPr lang="en-US" dirty="0" err="1"/>
-              <a:t>lme</a:t>
-            </a:r>
-            <a:r>
-              <a:rPr lang="en-US" dirty="0"/>
-              <a:t>(log10(Biomass) ~ </a:t>
-            </a:r>
-            <a:r>
-              <a:rPr lang="en-US" b="1" dirty="0" err="1"/>
-              <a:t>TransectDepth</a:t>
-            </a:r>
-            <a:r>
-              <a:rPr lang="en-US" b="1" dirty="0"/>
-              <a:t> + </a:t>
-            </a:r>
-            <a:r>
-              <a:rPr lang="en-US" b="1" dirty="0" err="1"/>
-              <a:t>CurrentMax</a:t>
-            </a:r>
-            <a:r>
-              <a:rPr lang="en-US" dirty="0"/>
-              <a:t>, </a:t>
-            </a:r>
-            <a:r>
-              <a:rPr lang="en-US" dirty="0" smtClean="0"/>
-              <a:t>random </a:t>
-            </a:r>
-            <a:r>
-              <a:rPr lang="en-US" dirty="0"/>
-              <a:t>= ~ 1 | Site, data = data, method = "ML")</a:t>
-            </a:r>
-          </a:p>
-          <a:p>
-            <a:r>
-              <a:rPr lang="en-US" dirty="0" smtClean="0"/>
-              <a:t>Lm6.bio  </a:t>
-            </a:r>
-            <a:r>
-              <a:rPr lang="en-US" dirty="0"/>
-              <a:t>&lt;- </a:t>
-            </a:r>
-            <a:r>
-              <a:rPr lang="en-US" dirty="0" err="1"/>
-              <a:t>lme</a:t>
-            </a:r>
-            <a:r>
-              <a:rPr lang="en-US" dirty="0"/>
-              <a:t>(log10(Biomass) ~ </a:t>
-            </a:r>
-            <a:r>
-              <a:rPr lang="en-US" b="1" dirty="0" err="1"/>
-              <a:t>TransectDepth</a:t>
-            </a:r>
-            <a:r>
-              <a:rPr lang="en-US" b="1" dirty="0"/>
-              <a:t> + </a:t>
-            </a:r>
-            <a:r>
-              <a:rPr lang="en-US" b="1" dirty="0" err="1"/>
-              <a:t>SlopeAngle</a:t>
-            </a:r>
-            <a:r>
-              <a:rPr lang="en-US" dirty="0"/>
-              <a:t>, </a:t>
-            </a:r>
-            <a:r>
-              <a:rPr lang="en-US" dirty="0" smtClean="0"/>
-              <a:t>random </a:t>
-            </a:r>
-            <a:r>
-              <a:rPr lang="en-US" dirty="0"/>
-              <a:t>= ~ 1 | Site, data = data, method = "ML")</a:t>
-            </a:r>
-          </a:p>
-          <a:p>
-            <a:r>
-              <a:rPr lang="en-US" dirty="0" smtClean="0"/>
-              <a:t>Lm7.bio  </a:t>
-            </a:r>
-            <a:r>
-              <a:rPr lang="en-US" dirty="0"/>
-              <a:t>&lt;- </a:t>
-            </a:r>
-            <a:r>
-              <a:rPr lang="en-US" dirty="0" err="1"/>
-              <a:t>lme</a:t>
-            </a:r>
-            <a:r>
-              <a:rPr lang="en-US" dirty="0"/>
-              <a:t>(log10(Biomass) ~ </a:t>
-            </a:r>
-            <a:r>
-              <a:rPr lang="en-US" b="1" dirty="0" err="1"/>
-              <a:t>TransectDepth</a:t>
-            </a:r>
-            <a:r>
-              <a:rPr lang="en-US" b="1" dirty="0"/>
-              <a:t> + </a:t>
-            </a:r>
-            <a:r>
-              <a:rPr lang="en-US" b="1" dirty="0" err="1" smtClean="0"/>
-              <a:t>PercRock</a:t>
-            </a:r>
-            <a:r>
-              <a:rPr lang="en-US" dirty="0" smtClean="0"/>
-              <a:t>, random </a:t>
-            </a:r>
-            <a:r>
-              <a:rPr lang="en-US" dirty="0"/>
-              <a:t>= ~ 1 | Site, data = data, method = "ML")</a:t>
-            </a:r>
-          </a:p>
-        </p:txBody>
-      </p:sp>
+      </p:pic>
     </p:spTree>
     <p:extLst>
       <p:ext uri="{BB962C8B-B14F-4D97-AF65-F5344CB8AC3E}">
-        <p14:creationId xmlns:p14="http://schemas.microsoft.com/office/powerpoint/2010/main" val="4099649040"/>
+        <p14:creationId xmlns:p14="http://schemas.microsoft.com/office/powerpoint/2010/main" val="4205843599"/>
       </p:ext>
     </p:extLst>
   </p:cSld>
@@ -6323,7 +6264,7 @@
           <a:p>
             <a:r>
               <a:rPr lang="en-US" dirty="0" smtClean="0"/>
-              <a:t>Fish richness</a:t>
+              <a:t>Fish biomass</a:t>
             </a:r>
             <a:endParaRPr lang="en-US" dirty="0"/>
           </a:p>
@@ -6331,14 +6272,14 @@
       </p:sp>
       <p:sp>
         <p:nvSpPr>
-          <p:cNvPr id="3" name="Rectangle 2"/>
+          <p:cNvPr id="6" name="Rectangle 5"/>
           <p:cNvSpPr/>
           <p:nvPr/>
         </p:nvSpPr>
         <p:spPr>
           <a:xfrm>
-            <a:off x="766619" y="2046894"/>
-            <a:ext cx="6096000" cy="1477328"/>
+            <a:off x="657224" y="1868438"/>
+            <a:ext cx="6096000" cy="1754326"/>
           </a:xfrm>
           <a:prstGeom prst="rect">
             <a:avLst/>
@@ -6351,151 +6292,126 @@
           <a:lstStyle/>
           <a:p>
             <a:r>
-              <a:rPr lang="pt-BR" dirty="0" smtClean="0"/>
-              <a:t>		</a:t>
-            </a:r>
-            <a:r>
-              <a:rPr lang="pt-BR" b="1" dirty="0" smtClean="0"/>
-              <a:t>logLik 	AIC    </a:t>
-            </a:r>
-            <a:r>
-              <a:rPr lang="pt-BR" b="1" dirty="0"/>
-              <a:t>dLogLik  </a:t>
-            </a:r>
-            <a:r>
-              <a:rPr lang="pt-BR" b="1" dirty="0" smtClean="0"/>
-              <a:t>dAIC   </a:t>
-            </a:r>
-            <a:r>
-              <a:rPr lang="pt-BR" b="1" dirty="0"/>
-              <a:t>df </a:t>
-            </a:r>
-            <a:r>
-              <a:rPr lang="pt-BR" b="1" dirty="0" smtClean="0"/>
-              <a:t> weight</a:t>
-            </a:r>
-            <a:endParaRPr lang="pt-BR" b="1" dirty="0"/>
-          </a:p>
-          <a:p>
-            <a:r>
-              <a:rPr lang="pt-BR" b="1" dirty="0"/>
-              <a:t>Lm7.r  </a:t>
-            </a:r>
-            <a:r>
-              <a:rPr lang="pt-BR" b="1" dirty="0" smtClean="0"/>
-              <a:t>	-</a:t>
-            </a:r>
-            <a:r>
-              <a:rPr lang="pt-BR" b="1" dirty="0"/>
-              <a:t>122.2  </a:t>
-            </a:r>
-            <a:r>
-              <a:rPr lang="pt-BR" b="1" dirty="0" smtClean="0"/>
-              <a:t>  254.5    </a:t>
-            </a:r>
-            <a:r>
-              <a:rPr lang="pt-BR" b="1" dirty="0"/>
-              <a:t>7.4     </a:t>
-            </a:r>
-            <a:r>
-              <a:rPr lang="pt-BR" b="1" dirty="0" smtClean="0"/>
-              <a:t>	0.0 	 5   0.2786</a:t>
-            </a:r>
-            <a:endParaRPr lang="pt-BR" b="1" dirty="0"/>
-          </a:p>
-          <a:p>
-            <a:r>
-              <a:rPr lang="pt-BR" b="1" dirty="0"/>
-              <a:t>Lm1.r  </a:t>
-            </a:r>
-            <a:r>
-              <a:rPr lang="pt-BR" b="1" dirty="0" smtClean="0"/>
-              <a:t>	-</a:t>
-            </a:r>
-            <a:r>
-              <a:rPr lang="pt-BR" b="1" dirty="0"/>
-              <a:t>123.4  </a:t>
-            </a:r>
-            <a:r>
-              <a:rPr lang="pt-BR" b="1" dirty="0" smtClean="0"/>
-              <a:t>  254.8    </a:t>
-            </a:r>
-            <a:r>
-              <a:rPr lang="pt-BR" b="1" dirty="0"/>
-              <a:t>6.2     </a:t>
-            </a:r>
-            <a:r>
-              <a:rPr lang="pt-BR" b="1" dirty="0" smtClean="0"/>
-              <a:t>	0.3 	 4   0.2414</a:t>
-            </a:r>
-            <a:endParaRPr lang="pt-BR" b="1" dirty="0"/>
-          </a:p>
-          <a:p>
-            <a:r>
-              <a:rPr lang="pt-BR" b="1" dirty="0"/>
-              <a:t>Lm13.r </a:t>
-            </a:r>
-            <a:r>
-              <a:rPr lang="pt-BR" b="1" dirty="0" smtClean="0"/>
-              <a:t>	-</a:t>
-            </a:r>
-            <a:r>
-              <a:rPr lang="pt-BR" b="1" dirty="0"/>
-              <a:t>122.1  </a:t>
-            </a:r>
-            <a:r>
-              <a:rPr lang="pt-BR" b="1" dirty="0" smtClean="0"/>
-              <a:t>  256.2    </a:t>
-            </a:r>
-            <a:r>
-              <a:rPr lang="pt-BR" b="1" dirty="0"/>
-              <a:t>7.5     </a:t>
-            </a:r>
-            <a:r>
-              <a:rPr lang="pt-BR" b="1" dirty="0" smtClean="0"/>
-              <a:t>	1.7 	 6   0.1173</a:t>
-            </a:r>
-            <a:endParaRPr lang="pt-BR" b="1" dirty="0"/>
-          </a:p>
-          <a:p>
-            <a:r>
-              <a:rPr lang="pt-BR" dirty="0"/>
-              <a:t>Lm12.r </a:t>
-            </a:r>
-            <a:r>
-              <a:rPr lang="pt-BR" dirty="0" smtClean="0"/>
-              <a:t>	-</a:t>
-            </a:r>
-            <a:r>
-              <a:rPr lang="pt-BR" dirty="0"/>
-              <a:t>122.2  </a:t>
-            </a:r>
-            <a:r>
-              <a:rPr lang="pt-BR" dirty="0" smtClean="0"/>
-              <a:t>  256.5    </a:t>
-            </a:r>
-            <a:r>
-              <a:rPr lang="pt-BR" dirty="0"/>
-              <a:t>7.4     </a:t>
-            </a:r>
-            <a:r>
-              <a:rPr lang="pt-BR" dirty="0" smtClean="0"/>
-              <a:t>	2.0 	 6   0.1036</a:t>
-            </a:r>
-            <a:endParaRPr lang="pt-BR" dirty="0"/>
-          </a:p>
-        </p:txBody>
-      </p:sp>
-      <p:sp>
-        <p:nvSpPr>
-          <p:cNvPr id="4" name="Rectangle 3"/>
+              <a:rPr lang="en-US" dirty="0" smtClean="0"/>
+              <a:t>		logLik   AIC     </a:t>
+            </a:r>
+            <a:r>
+              <a:rPr lang="en-US" dirty="0" err="1" smtClean="0"/>
+              <a:t>dLogLik</a:t>
+            </a:r>
+            <a:r>
+              <a:rPr lang="en-US" dirty="0" smtClean="0"/>
+              <a:t> </a:t>
+            </a:r>
+            <a:r>
+              <a:rPr lang="en-US" dirty="0" err="1" smtClean="0"/>
+              <a:t>dAIC</a:t>
+            </a:r>
+            <a:r>
+              <a:rPr lang="en-US" dirty="0" smtClean="0"/>
+              <a:t>  </a:t>
+            </a:r>
+            <a:r>
+              <a:rPr lang="en-US" dirty="0" err="1" smtClean="0"/>
+              <a:t>df</a:t>
+            </a:r>
+            <a:r>
+              <a:rPr lang="en-US" dirty="0" smtClean="0"/>
+              <a:t>  weight</a:t>
+            </a:r>
+            <a:endParaRPr lang="en-US" dirty="0"/>
+          </a:p>
+          <a:p>
+            <a:r>
+              <a:rPr lang="en-US" b="1" dirty="0"/>
+              <a:t>Lm1.bio   -95.9  </a:t>
+            </a:r>
+            <a:r>
+              <a:rPr lang="en-US" b="1" dirty="0" smtClean="0"/>
+              <a:t> 199.9  574.6      0.0    4   0.2708</a:t>
+            </a:r>
+            <a:endParaRPr lang="en-US" b="1" dirty="0"/>
+          </a:p>
+          <a:p>
+            <a:r>
+              <a:rPr lang="en-US" b="1" dirty="0"/>
+              <a:t>Lm6.bio   -95.5  </a:t>
+            </a:r>
+            <a:r>
+              <a:rPr lang="en-US" b="1" dirty="0" smtClean="0"/>
+              <a:t> 201.0  </a:t>
+            </a:r>
+            <a:r>
+              <a:rPr lang="en-US" b="1" dirty="0"/>
+              <a:t>575.0     </a:t>
+            </a:r>
+            <a:r>
+              <a:rPr lang="en-US" b="1" dirty="0" smtClean="0"/>
+              <a:t> 1.1    5   0.1524</a:t>
+            </a:r>
+            <a:endParaRPr lang="en-US" b="1" dirty="0"/>
+          </a:p>
+          <a:p>
+            <a:r>
+              <a:rPr lang="en-US" b="1" dirty="0"/>
+              <a:t>Lm5.bio   -95.6  </a:t>
+            </a:r>
+            <a:r>
+              <a:rPr lang="en-US" b="1" dirty="0" smtClean="0"/>
+              <a:t> 201.1  </a:t>
+            </a:r>
+            <a:r>
+              <a:rPr lang="en-US" b="1" dirty="0"/>
+              <a:t>575.0     </a:t>
+            </a:r>
+            <a:r>
+              <a:rPr lang="en-US" b="1" dirty="0" smtClean="0"/>
+              <a:t> 1.2    5   0.1471</a:t>
+            </a:r>
+            <a:endParaRPr lang="en-US" b="1" dirty="0"/>
+          </a:p>
+          <a:p>
+            <a:r>
+              <a:rPr lang="en-US" b="1" dirty="0"/>
+              <a:t>Lm7.bio   -95.6  </a:t>
+            </a:r>
+            <a:r>
+              <a:rPr lang="en-US" b="1" dirty="0" smtClean="0"/>
+              <a:t> 201.1  </a:t>
+            </a:r>
+            <a:r>
+              <a:rPr lang="en-US" b="1" dirty="0"/>
+              <a:t>575.0     </a:t>
+            </a:r>
+            <a:r>
+              <a:rPr lang="en-US" b="1" dirty="0" smtClean="0"/>
+              <a:t> 1.2    5   0.1469</a:t>
+            </a:r>
+            <a:endParaRPr lang="en-US" b="1" dirty="0"/>
+          </a:p>
+          <a:p>
+            <a:r>
+              <a:rPr lang="en-US" dirty="0"/>
+              <a:t>Lm12.bio  -95.1  202.3  575.4     </a:t>
+            </a:r>
+            <a:r>
+              <a:rPr lang="en-US" dirty="0" smtClean="0"/>
+              <a:t> 2.4    6    0.0828</a:t>
+            </a:r>
+            <a:endParaRPr lang="en-US" dirty="0"/>
+          </a:p>
+        </p:txBody>
+      </p:sp>
+      <p:sp>
+        <p:nvSpPr>
+          <p:cNvPr id="7" name="Rectangle 6"/>
           <p:cNvSpPr/>
           <p:nvPr/>
         </p:nvSpPr>
         <p:spPr>
           <a:xfrm>
-            <a:off x="249382" y="3890926"/>
-            <a:ext cx="10649527" cy="1477328"/>
+            <a:off x="581890" y="3853964"/>
+            <a:ext cx="10848109" cy="2031325"/>
           </a:xfrm>
           <a:prstGeom prst="rect">
             <a:avLst/>
@@ -6509,39 +6425,19 @@
           <a:p>
             <a:r>
               <a:rPr lang="en-US" dirty="0"/>
-              <a:t>Lm7.r  &lt;- </a:t>
-            </a:r>
-            <a:r>
-              <a:rPr lang="en-US" dirty="0" smtClean="0"/>
-              <a:t>  </a:t>
-            </a:r>
-            <a:r>
-              <a:rPr lang="en-US" dirty="0" err="1" smtClean="0"/>
+              <a:t>Lm1.bio &lt;-  </a:t>
+            </a:r>
+            <a:r>
+              <a:rPr lang="en-US" dirty="0" err="1"/>
               <a:t>lme</a:t>
             </a:r>
             <a:r>
-              <a:rPr lang="en-US" dirty="0" smtClean="0"/>
-              <a:t>(</a:t>
-            </a:r>
-            <a:r>
-              <a:rPr lang="en-US" b="1" dirty="0" smtClean="0"/>
-              <a:t>Richness </a:t>
-            </a:r>
-            <a:r>
-              <a:rPr lang="en-US" b="1" dirty="0"/>
-              <a:t>~ </a:t>
-            </a:r>
-            <a:r>
-              <a:rPr lang="en-US" b="1" dirty="0" smtClean="0"/>
-              <a:t>  Depth </a:t>
-            </a:r>
-            <a:r>
-              <a:rPr lang="en-US" b="1" dirty="0"/>
-              <a:t>+ </a:t>
-            </a:r>
-            <a:r>
-              <a:rPr lang="en-US" b="1" dirty="0" smtClean="0"/>
-              <a:t>% Rock</a:t>
+              <a:rPr lang="en-US" dirty="0"/>
+              <a:t>(log10(Biomass) ~ </a:t>
+            </a:r>
+            <a:r>
+              <a:rPr lang="en-US" b="1" dirty="0" err="1"/>
+              <a:t>TransectDepth</a:t>
             </a:r>
             <a:r>
               <a:rPr lang="en-US" dirty="0"/>
@@ -6561,93 +6457,138 @@
             </a:r>
           </a:p>
           <a:p>
-            <a:endParaRPr lang="en-US" dirty="0" smtClean="0"/>
+            <a:endParaRPr lang="en-US" dirty="0"/>
           </a:p>
           <a:p>
             <a:r>
               <a:rPr lang="en-US" dirty="0" smtClean="0"/>
-              <a:t>Lm1.r  </a:t>
+              <a:t>Lm5.bio  </a:t>
             </a:r>
             <a:r>
               <a:rPr lang="en-US" dirty="0"/>
               <a:t>&lt;- </a:t>
             </a:r>
             <a:r>
+              <a:rPr lang="en-US" dirty="0" err="1"/>
+              <a:t>lme</a:t>
+            </a:r>
+            <a:r>
+              <a:rPr lang="en-US" dirty="0"/>
+              <a:t>(log10(Biomass) ~ </a:t>
+            </a:r>
+            <a:r>
+              <a:rPr lang="en-US" b="1" dirty="0" err="1"/>
+              <a:t>TransectDepth</a:t>
+            </a:r>
+            <a:r>
+              <a:rPr lang="en-US" b="1" dirty="0"/>
+              <a:t> + </a:t>
+            </a:r>
+            <a:r>
+              <a:rPr lang="en-US" b="1" dirty="0" err="1"/>
+              <a:t>CurrentMax</a:t>
+            </a:r>
+            <a:r>
+              <a:rPr lang="en-US" dirty="0"/>
+              <a:t>, </a:t>
+            </a:r>
+            <a:r>
               <a:rPr lang="en-US" dirty="0" smtClean="0"/>
-              <a:t>  </a:t>
-            </a:r>
-            <a:r>
-              <a:rPr lang="en-US" dirty="0" err="1" smtClean="0"/>
+              <a:t>random </a:t>
+            </a:r>
+            <a:r>
+              <a:rPr lang="en-US" dirty="0"/>
+              <a:t>= ~ 1 | Site, data = data, method = "ML</a:t>
+            </a:r>
+            <a:r>
+              <a:rPr lang="en-US" dirty="0" smtClean="0"/>
+              <a:t>")</a:t>
+            </a:r>
+          </a:p>
+          <a:p>
+            <a:endParaRPr lang="en-US" dirty="0"/>
+          </a:p>
+          <a:p>
+            <a:r>
+              <a:rPr lang="en-US" dirty="0" smtClean="0"/>
+              <a:t>Lm6.bio  </a:t>
+            </a:r>
+            <a:r>
+              <a:rPr lang="en-US" dirty="0"/>
+              <a:t>&lt;- </a:t>
+            </a:r>
+            <a:r>
+              <a:rPr lang="en-US" dirty="0" err="1"/>
               <a:t>lme</a:t>
             </a:r>
             <a:r>
-              <a:rPr lang="en-US" b="1" dirty="0" smtClean="0"/>
-              <a:t>(Richness </a:t>
+              <a:rPr lang="en-US" dirty="0"/>
+              <a:t>(log10(Biomass) ~ </a:t>
+            </a:r>
+            <a:r>
+              <a:rPr lang="en-US" b="1" dirty="0" err="1"/>
+              <a:t>TransectDepth</a:t>
             </a:r>
             <a:r>
               <a:rPr lang="en-US" b="1" dirty="0"/>
-              <a:t>~ </a:t>
-            </a:r>
-            <a:r>
-              <a:rPr lang="en-US" b="1" dirty="0" smtClean="0"/>
-              <a:t>  Depth</a:t>
+              <a:t> + </a:t>
+            </a:r>
+            <a:r>
+              <a:rPr lang="en-US" b="1" dirty="0" err="1"/>
+              <a:t>SlopeAngle</a:t>
+            </a:r>
+            <a:r>
+              <a:rPr lang="en-US" dirty="0"/>
+              <a:t>, </a:t>
+            </a:r>
+            <a:r>
+              <a:rPr lang="en-US" dirty="0" smtClean="0"/>
+              <a:t>random </a:t>
+            </a:r>
+            <a:r>
+              <a:rPr lang="en-US" dirty="0"/>
+              <a:t>= ~ 1 | Site, data = data, method = "ML</a:t>
+            </a:r>
+            <a:r>
+              <a:rPr lang="en-US" dirty="0" smtClean="0"/>
+              <a:t>")</a:t>
+            </a:r>
+          </a:p>
+          <a:p>
+            <a:endParaRPr lang="en-US" dirty="0"/>
+          </a:p>
+          <a:p>
+            <a:r>
+              <a:rPr lang="en-US" dirty="0" smtClean="0"/>
+              <a:t>Lm7.bio  </a:t>
+            </a:r>
+            <a:r>
+              <a:rPr lang="en-US" dirty="0"/>
+              <a:t>&lt;- </a:t>
+            </a:r>
+            <a:r>
+              <a:rPr lang="en-US" dirty="0" err="1"/>
+              <a:t>lme</a:t>
+            </a:r>
+            <a:r>
+              <a:rPr lang="en-US" dirty="0"/>
+              <a:t>(log10(Biomass) ~ </a:t>
+            </a:r>
+            <a:r>
+              <a:rPr lang="en-US" b="1" dirty="0" err="1"/>
+              <a:t>TransectDepth</a:t>
+            </a:r>
+            <a:r>
+              <a:rPr lang="en-US" b="1" dirty="0"/>
+              <a:t> + </a:t>
+            </a:r>
+            <a:r>
+              <a:rPr lang="en-US" b="1" dirty="0" err="1" smtClean="0"/>
+              <a:t>PercRock</a:t>
             </a:r>
             <a:r>
               <a:rPr lang="en-US" dirty="0" smtClean="0"/>
               <a:t>, random </a:t>
-            </a:r>
-            <a:r>
-              <a:rPr lang="en-US" dirty="0"/>
-              <a:t>= ~ 1 | Site, data = data, method = "ML</a:t>
-            </a:r>
-            <a:r>
-              <a:rPr lang="en-US" dirty="0" smtClean="0"/>
-              <a:t>")</a:t>
-            </a:r>
-          </a:p>
-          <a:p>
-            <a:endParaRPr lang="en-US" dirty="0" smtClean="0"/>
-          </a:p>
-          <a:p>
-            <a:r>
-              <a:rPr lang="en-US" dirty="0" smtClean="0"/>
-              <a:t>Lm13.r  </a:t>
-            </a:r>
-            <a:r>
-              <a:rPr lang="en-US" dirty="0"/>
-              <a:t>&lt;- </a:t>
-            </a:r>
-            <a:r>
-              <a:rPr lang="en-US" dirty="0" err="1"/>
-              <a:t>lme</a:t>
-            </a:r>
-            <a:r>
-              <a:rPr lang="en-US" dirty="0"/>
-              <a:t>(</a:t>
-            </a:r>
-            <a:r>
-              <a:rPr lang="en-US" b="1" dirty="0"/>
-              <a:t>Richness ~ </a:t>
-            </a:r>
-            <a:r>
-              <a:rPr lang="en-US" b="1" dirty="0" smtClean="0"/>
-              <a:t>  Depth </a:t>
-            </a:r>
-            <a:r>
-              <a:rPr lang="en-US" b="1" dirty="0"/>
-              <a:t>+ </a:t>
-            </a:r>
-            <a:r>
-              <a:rPr lang="en-US" b="1" dirty="0" smtClean="0"/>
-              <a:t>Current + % Rock</a:t>
-            </a:r>
-            <a:r>
-              <a:rPr lang="en-US" dirty="0"/>
-              <a:t>, </a:t>
-            </a:r>
-            <a:r>
-              <a:rPr lang="en-US" dirty="0" smtClean="0"/>
-              <a:t>random </a:t>
             </a:r>
             <a:r>
               <a:rPr lang="en-US" dirty="0"/>
@@ -6659,7 +6600,7 @@
     </p:spTree>
     <p:extLst>
       <p:ext uri="{BB962C8B-B14F-4D97-AF65-F5344CB8AC3E}">
-        <p14:creationId xmlns:p14="http://schemas.microsoft.com/office/powerpoint/2010/main" val="2651101137"/>
+        <p14:creationId xmlns:p14="http://schemas.microsoft.com/office/powerpoint/2010/main" val="4099649040"/>
       </p:ext>
     </p:extLst>
   </p:cSld>
@@ -6686,39 +6627,40 @@
           <a:chExt cx="0" cy="0"/>
         </a:xfrm>
       </p:grpSpPr>
-      <p:sp>
-        <p:nvSpPr>
-          <p:cNvPr id="2" name="Title 1">
+      <p:pic>
+        <p:nvPicPr>
+          <p:cNvPr id="4" name="Picture 3"/>
+          <p:cNvPicPr>
+            <a:picLocks noChangeAspect="1"/>
+          </p:cNvPicPr>
+          <p:nvPr/>
+        </p:nvPicPr>
+        <p:blipFill>
+          <a:blip r:embed="rId2">
             <a:extLst>
-              <a:ext uri="{FF2B5EF4-FFF2-40B4-BE49-F238E27FC236}">
-                <a16:creationId xmlns:a16="http://schemas.microsoft.com/office/drawing/2014/main" id="{8F46C5A6-F59F-4456-9054-E9D9A97262FD}"/>
+              <a:ext uri="{28A0092B-C50C-407E-A947-70E740481C1C}">
+                <a14:useLocalDpi xmlns:a14="http://schemas.microsoft.com/office/drawing/2010/main" val="0"/>
               </a:ext>
             </a:extLst>
-          </p:cNvPr>
-          <p:cNvSpPr>
-            <a:spLocks noGrp="1"/>
-          </p:cNvSpPr>
-          <p:nvPr>
-            <p:ph type="title"/>
-          </p:nvPr>
-        </p:nvSpPr>
-        <p:spPr/>
-        <p:txBody>
-          <a:bodyPr/>
-          <a:lstStyle/>
-          <a:p>
-            <a:r>
-              <a:rPr lang="en-CA" dirty="0" smtClean="0"/>
-              <a:t>Coefficient plots</a:t>
-            </a:r>
-            <a:endParaRPr lang="en-CA" dirty="0"/>
-          </a:p>
-        </p:txBody>
-      </p:sp>
+          </a:blip>
+          <a:stretch>
+            <a:fillRect/>
+          </a:stretch>
+        </p:blipFill>
+        <p:spPr>
+          <a:xfrm>
+            <a:off x="1971431" y="583650"/>
+            <a:ext cx="7621064" cy="5801535"/>
+          </a:xfrm>
+          <a:prstGeom prst="rect">
+            <a:avLst/>
+          </a:prstGeom>
+        </p:spPr>
+      </p:pic>
     </p:spTree>
     <p:extLst>
       <p:ext uri="{BB962C8B-B14F-4D97-AF65-F5344CB8AC3E}">
-        <p14:creationId xmlns:p14="http://schemas.microsoft.com/office/powerpoint/2010/main" val="4205843599"/>
+        <p14:creationId xmlns:p14="http://schemas.microsoft.com/office/powerpoint/2010/main" val="196764841"/>
       </p:ext>
     </p:extLst>
   </p:cSld>
@@ -6747,13 +6689,7 @@
       </p:grpSpPr>
       <p:sp>
         <p:nvSpPr>
-          <p:cNvPr id="2" name="Title 1">
-            <a:extLst>
-              <a:ext uri="{FF2B5EF4-FFF2-40B4-BE49-F238E27FC236}">
-                <a16:creationId xmlns:a16="http://schemas.microsoft.com/office/drawing/2014/main" id="{8F46C5A6-F59F-4456-9054-E9D9A97262FD}"/>
-              </a:ext>
-            </a:extLst>
-          </p:cNvPr>
+          <p:cNvPr id="2" name="Title 1"/>
           <p:cNvSpPr>
             <a:spLocks noGrp="1"/>
           </p:cNvSpPr>
@@ -6767,81 +6703,344 @@
           <a:lstStyle/>
           <a:p>
             <a:r>
+              <a:rPr lang="en-US" dirty="0" smtClean="0"/>
+              <a:t>Fish richness</a:t>
+            </a:r>
+            <a:endParaRPr lang="en-US" dirty="0"/>
+          </a:p>
+        </p:txBody>
+      </p:sp>
+      <p:sp>
+        <p:nvSpPr>
+          <p:cNvPr id="3" name="Rectangle 2"/>
+          <p:cNvSpPr/>
+          <p:nvPr/>
+        </p:nvSpPr>
+        <p:spPr>
+          <a:xfrm>
+            <a:off x="766619" y="2046894"/>
+            <a:ext cx="6096000" cy="1477328"/>
+          </a:xfrm>
+          <a:prstGeom prst="rect">
+            <a:avLst/>
+          </a:prstGeom>
+        </p:spPr>
+        <p:txBody>
+          <a:bodyPr>
+            <a:spAutoFit/>
+          </a:bodyPr>
+          <a:lstStyle/>
+          <a:p>
+            <a:r>
+              <a:rPr lang="pt-BR" dirty="0" smtClean="0"/>
+              <a:t>		</a:t>
+            </a:r>
+            <a:r>
+              <a:rPr lang="pt-BR" b="1" dirty="0" smtClean="0"/>
+              <a:t>logLik 	AIC    </a:t>
+            </a:r>
+            <a:r>
+              <a:rPr lang="pt-BR" b="1" dirty="0"/>
+              <a:t>dLogLik  </a:t>
+            </a:r>
+            <a:r>
+              <a:rPr lang="pt-BR" b="1" dirty="0" smtClean="0"/>
+              <a:t>dAIC   </a:t>
+            </a:r>
+            <a:r>
+              <a:rPr lang="pt-BR" b="1" dirty="0"/>
+              <a:t>df </a:t>
+            </a:r>
+            <a:r>
+              <a:rPr lang="pt-BR" b="1" dirty="0" smtClean="0"/>
+              <a:t> weight</a:t>
+            </a:r>
+            <a:endParaRPr lang="pt-BR" b="1" dirty="0"/>
+          </a:p>
+          <a:p>
+            <a:r>
+              <a:rPr lang="pt-BR" b="1" dirty="0"/>
+              <a:t>Lm7.r  </a:t>
+            </a:r>
+            <a:r>
+              <a:rPr lang="pt-BR" b="1" dirty="0" smtClean="0"/>
+              <a:t>	-</a:t>
+            </a:r>
+            <a:r>
+              <a:rPr lang="pt-BR" b="1" dirty="0"/>
+              <a:t>122.2  </a:t>
+            </a:r>
+            <a:r>
+              <a:rPr lang="pt-BR" b="1" dirty="0" smtClean="0"/>
+              <a:t>  254.5    </a:t>
+            </a:r>
+            <a:r>
+              <a:rPr lang="pt-BR" b="1" dirty="0"/>
+              <a:t>7.4     </a:t>
+            </a:r>
+            <a:r>
+              <a:rPr lang="pt-BR" b="1" dirty="0" smtClean="0"/>
+              <a:t>	0.0 	 5   0.2786</a:t>
+            </a:r>
+            <a:endParaRPr lang="pt-BR" b="1" dirty="0"/>
+          </a:p>
+          <a:p>
+            <a:r>
+              <a:rPr lang="pt-BR" b="1" dirty="0"/>
+              <a:t>Lm1.r  </a:t>
+            </a:r>
+            <a:r>
+              <a:rPr lang="pt-BR" b="1" dirty="0" smtClean="0"/>
+              <a:t>	-</a:t>
+            </a:r>
+            <a:r>
+              <a:rPr lang="pt-BR" b="1" dirty="0"/>
+              <a:t>123.4  </a:t>
+            </a:r>
+            <a:r>
+              <a:rPr lang="pt-BR" b="1" dirty="0" smtClean="0"/>
+              <a:t>  254.8    </a:t>
+            </a:r>
+            <a:r>
+              <a:rPr lang="pt-BR" b="1" dirty="0"/>
+              <a:t>6.2     </a:t>
+            </a:r>
+            <a:r>
+              <a:rPr lang="pt-BR" b="1" dirty="0" smtClean="0"/>
+              <a:t>	0.3 	 4   0.2414</a:t>
+            </a:r>
+            <a:endParaRPr lang="pt-BR" b="1" dirty="0"/>
+          </a:p>
+          <a:p>
+            <a:r>
+              <a:rPr lang="pt-BR" b="1" dirty="0"/>
+              <a:t>Lm13.r </a:t>
+            </a:r>
+            <a:r>
+              <a:rPr lang="pt-BR" b="1" dirty="0" smtClean="0"/>
+              <a:t>	-</a:t>
+            </a:r>
+            <a:r>
+              <a:rPr lang="pt-BR" b="1" dirty="0"/>
+              <a:t>122.1  </a:t>
+            </a:r>
+            <a:r>
+              <a:rPr lang="pt-BR" b="1" dirty="0" smtClean="0"/>
+              <a:t>  256.2    </a:t>
+            </a:r>
+            <a:r>
+              <a:rPr lang="pt-BR" b="1" dirty="0"/>
+              <a:t>7.5     </a:t>
+            </a:r>
+            <a:r>
+              <a:rPr lang="pt-BR" b="1" dirty="0" smtClean="0"/>
+              <a:t>	1.7 	 6   0.1173</a:t>
+            </a:r>
+            <a:endParaRPr lang="pt-BR" b="1" dirty="0"/>
+          </a:p>
+          <a:p>
+            <a:r>
+              <a:rPr lang="pt-BR" dirty="0"/>
+              <a:t>Lm12.r </a:t>
+            </a:r>
+            <a:r>
+              <a:rPr lang="pt-BR" dirty="0" smtClean="0"/>
+              <a:t>	-</a:t>
+            </a:r>
+            <a:r>
+              <a:rPr lang="pt-BR" dirty="0"/>
+              <a:t>122.2  </a:t>
+            </a:r>
+            <a:r>
+              <a:rPr lang="pt-BR" dirty="0" smtClean="0"/>
+              <a:t>  256.5    </a:t>
+            </a:r>
+            <a:r>
+              <a:rPr lang="pt-BR" dirty="0"/>
+              <a:t>7.4     </a:t>
+            </a:r>
+            <a:r>
+              <a:rPr lang="pt-BR" dirty="0" smtClean="0"/>
+              <a:t>	2.0 	 6   0.1036</a:t>
+            </a:r>
+            <a:endParaRPr lang="pt-BR" dirty="0"/>
+          </a:p>
+        </p:txBody>
+      </p:sp>
+      <p:sp>
+        <p:nvSpPr>
+          <p:cNvPr id="4" name="Rectangle 3"/>
+          <p:cNvSpPr/>
+          <p:nvPr/>
+        </p:nvSpPr>
+        <p:spPr>
+          <a:xfrm>
+            <a:off x="249382" y="3890926"/>
+            <a:ext cx="10649527" cy="1477328"/>
+          </a:xfrm>
+          <a:prstGeom prst="rect">
+            <a:avLst/>
+          </a:prstGeom>
+        </p:spPr>
+        <p:txBody>
+          <a:bodyPr wrap="square">
+            <a:spAutoFit/>
+          </a:bodyPr>
+          <a:lstStyle/>
+          <a:p>
+            <a:r>
               <a:rPr lang="en-US" dirty="0"/>
-              <a:t>Research Objective </a:t>
+              <a:t>Lm7.r  &lt;- </a:t>
             </a:r>
             <a:r>
               <a:rPr lang="en-US" dirty="0" smtClean="0"/>
-              <a:t>2</a:t>
-            </a:r>
-            <a:endParaRPr lang="en-CA" dirty="0"/>
-          </a:p>
-        </p:txBody>
-      </p:sp>
-      <p:sp>
-        <p:nvSpPr>
-          <p:cNvPr id="3" name="Content Placeholder 2">
-            <a:extLst>
-              <a:ext uri="{FF2B5EF4-FFF2-40B4-BE49-F238E27FC236}">
-                <a16:creationId xmlns:a16="http://schemas.microsoft.com/office/drawing/2014/main" id="{F77F33DF-DB05-429D-9520-A5498ECC21DF}"/>
-              </a:ext>
-            </a:extLst>
-          </p:cNvPr>
-          <p:cNvSpPr>
-            <a:spLocks noGrp="1"/>
-          </p:cNvSpPr>
-          <p:nvPr>
-            <p:ph idx="1"/>
-          </p:nvPr>
-        </p:nvSpPr>
-        <p:spPr/>
-        <p:txBody>
-          <a:bodyPr/>
-          <a:lstStyle/>
-          <a:p>
-            <a:pPr marL="0" indent="0">
-              <a:buNone/>
-            </a:pPr>
+              <a:t>  </a:t>
+            </a:r>
+            <a:r>
+              <a:rPr lang="en-US" dirty="0" err="1" smtClean="0"/>
+              <a:t>lme</a:t>
+            </a:r>
             <a:r>
               <a:rPr lang="en-US" dirty="0" smtClean="0"/>
-              <a:t>Examine </a:t>
+              <a:t>(</a:t>
+            </a:r>
+            <a:r>
+              <a:rPr lang="en-US" b="1" dirty="0" smtClean="0"/>
+              <a:t>Richness </a:t>
+            </a:r>
+            <a:r>
+              <a:rPr lang="en-US" b="1" dirty="0"/>
+              <a:t>~ </a:t>
+            </a:r>
+            <a:r>
+              <a:rPr lang="en-US" b="1" dirty="0" smtClean="0"/>
+              <a:t>  Depth </a:t>
+            </a:r>
+            <a:r>
+              <a:rPr lang="en-US" b="1" dirty="0"/>
+              <a:t>+ </a:t>
+            </a:r>
+            <a:r>
+              <a:rPr lang="en-US" b="1" dirty="0" smtClean="0"/>
+              <a:t>% Rock</a:t>
             </a:r>
             <a:r>
               <a:rPr lang="en-US" dirty="0"/>
-              <a:t>how fish community composition varies with tidal current speed and depth</a:t>
-            </a:r>
-          </a:p>
-          <a:p>
+              <a:t>, </a:t>
+            </a:r>
+            <a:r>
+              <a:rPr lang="en-US" dirty="0" smtClean="0"/>
+              <a:t>random </a:t>
+            </a:r>
+            <a:r>
+              <a:rPr lang="en-US" dirty="0"/>
+              <a:t>= ~ 1 | Site, data = data, method = "ML</a:t>
+            </a:r>
+            <a:r>
+              <a:rPr lang="en-US" dirty="0" smtClean="0"/>
+              <a:t>")</a:t>
+            </a:r>
+          </a:p>
+          <a:p>
+            <a:endParaRPr lang="en-US" dirty="0" smtClean="0"/>
+          </a:p>
+          <a:p>
+            <a:r>
+              <a:rPr lang="en-US" dirty="0" smtClean="0"/>
+              <a:t>Lm1.r  </a:t>
+            </a:r>
+            <a:r>
+              <a:rPr lang="en-US" dirty="0"/>
+              <a:t>&lt;- </a:t>
+            </a:r>
+            <a:r>
+              <a:rPr lang="en-US" dirty="0" smtClean="0"/>
+              <a:t>  </a:t>
+            </a:r>
+            <a:r>
+              <a:rPr lang="en-US" dirty="0" err="1" smtClean="0"/>
+              <a:t>lme</a:t>
+            </a:r>
             <a:r>
               <a:rPr lang="en-US" b="1" dirty="0" smtClean="0"/>
-              <a:t>Analysis:</a:t>
-            </a:r>
-          </a:p>
-          <a:p>
+              <a:t>(Richness </a:t>
+            </a:r>
+            <a:r>
+              <a:rPr lang="en-US" b="1" dirty="0"/>
+              <a:t>~ </a:t>
+            </a:r>
+            <a:r>
+              <a:rPr lang="en-US" b="1" dirty="0" smtClean="0"/>
+              <a:t>  Depth</a:t>
+            </a:r>
+            <a:r>
+              <a:rPr lang="en-US" dirty="0" smtClean="0"/>
+              <a:t>, random </a:t>
+            </a:r>
             <a:r>
               <a:rPr lang="en-US" dirty="0"/>
-              <a:t>-</a:t>
+              <a:t>= ~ 1 | Site, data = data, method = "ML</a:t>
             </a:r>
             <a:r>
               <a:rPr lang="en-US" dirty="0" smtClean="0"/>
-              <a:t> non-metric </a:t>
+              <a:t>")</a:t>
+            </a:r>
+          </a:p>
+          <a:p>
+            <a:endParaRPr lang="en-US" dirty="0" smtClean="0"/>
+          </a:p>
+          <a:p>
+            <a:r>
+              <a:rPr lang="en-US" dirty="0" smtClean="0"/>
+              <a:t>Lm13.r  </a:t>
             </a:r>
             <a:r>
               <a:rPr lang="en-US" dirty="0"/>
-              <a:t>multidimensional scaling plots (NMDS</a:t>
+              <a:t>&lt;- </a:t>
+            </a:r>
+            <a:r>
+              <a:rPr lang="en-US" dirty="0" err="1"/>
+              <a:t>lme</a:t>
+            </a:r>
+            <a:r>
+              <a:rPr lang="en-US" dirty="0"/>
+              <a:t>(</a:t>
+            </a:r>
+            <a:r>
+              <a:rPr lang="en-US" b="1" dirty="0"/>
+              <a:t>Richness ~ </a:t>
+            </a:r>
+            <a:r>
+              <a:rPr lang="en-US" b="1" dirty="0" smtClean="0"/>
+              <a:t>  Depth </a:t>
+            </a:r>
+            <a:r>
+              <a:rPr lang="en-US" b="1" dirty="0"/>
+              <a:t>+ </a:t>
+            </a:r>
+            <a:r>
+              <a:rPr lang="en-US" b="1" dirty="0" smtClean="0"/>
+              <a:t>Current + % Rock</a:t>
+            </a:r>
+            <a:r>
+              <a:rPr lang="en-US" dirty="0"/>
+              <a:t>, </a:t>
             </a:r>
             <a:r>
               <a:rPr lang="en-US" dirty="0" smtClean="0"/>
-              <a:t>)</a:t>
-            </a:r>
-            <a:endParaRPr lang="en-CA" dirty="0"/>
+              <a:t>random </a:t>
+            </a:r>
+            <a:r>
+              <a:rPr lang="en-US" dirty="0"/>
+              <a:t>= ~ 1 | Site, data = data, method = "ML")</a:t>
+            </a:r>
           </a:p>
         </p:txBody>
       </p:sp>
     </p:spTree>
     <p:extLst>
       <p:ext uri="{BB962C8B-B14F-4D97-AF65-F5344CB8AC3E}">
-        <p14:creationId xmlns:p14="http://schemas.microsoft.com/office/powerpoint/2010/main" val="566288941"/>
+        <p14:creationId xmlns:p14="http://schemas.microsoft.com/office/powerpoint/2010/main" val="2651101137"/>
       </p:ext>
     </p:extLst>
   </p:cSld>
@@ -6870,21 +7069,13 @@
       </p:grpSpPr>
       <p:pic>
         <p:nvPicPr>
-          <p:cNvPr id="5" name="Content Placeholder 4" descr="Timeline&#10;&#10;Description automatically generated">
-            <a:extLst>
-              <a:ext uri="{FF2B5EF4-FFF2-40B4-BE49-F238E27FC236}">
-                <a16:creationId xmlns:a16="http://schemas.microsoft.com/office/drawing/2014/main" id="{64C281D7-7D2E-4A82-9E14-BBD524CAF3A3}"/>
-              </a:ext>
-            </a:extLst>
-          </p:cNvPr>
+          <p:cNvPr id="5" name="Picture 4"/>
           <p:cNvPicPr>
-            <a:picLocks noGrp="1" noChangeAspect="1"/>
+            <a:picLocks noChangeAspect="1"/>
           </p:cNvPicPr>
-          <p:nvPr>
-            <p:ph idx="1"/>
-          </p:nvPr>
+          <p:nvPr/>
         </p:nvPicPr>
-        <p:blipFill rotWithShape="1">
+        <p:blipFill>
           <a:blip r:embed="rId2">
             <a:extLst>
               <a:ext uri="{28A0092B-C50C-407E-A947-70E740481C1C}">
@@ -6892,19 +7083,24 @@
               </a:ext>
             </a:extLst>
           </a:blip>
-          <a:stretch/>
+          <a:stretch>
+            <a:fillRect/>
+          </a:stretch>
         </p:blipFill>
         <p:spPr>
           <a:xfrm>
-            <a:off x="2013528" y="-145438"/>
-            <a:ext cx="8164945" cy="6732228"/>
+            <a:off x="1777468" y="518995"/>
+            <a:ext cx="7621064" cy="5801535"/>
           </a:xfrm>
+          <a:prstGeom prst="rect">
+            <a:avLst/>
+          </a:prstGeom>
         </p:spPr>
       </p:pic>
     </p:spTree>
     <p:extLst>
       <p:ext uri="{BB962C8B-B14F-4D97-AF65-F5344CB8AC3E}">
-        <p14:creationId xmlns:p14="http://schemas.microsoft.com/office/powerpoint/2010/main" val="2161937291"/>
+        <p14:creationId xmlns:p14="http://schemas.microsoft.com/office/powerpoint/2010/main" val="835460893"/>
       </p:ext>
     </p:extLst>
   </p:cSld>

--- a/HiLoAnalysisUpdate.pptx
+++ b/HiLoAnalysisUpdate.pptx
@@ -17,12 +17,15 @@
     <p:sldId id="259" r:id="rId11"/>
     <p:sldId id="260" r:id="rId12"/>
     <p:sldId id="261" r:id="rId13"/>
-    <p:sldId id="262" r:id="rId14"/>
-    <p:sldId id="263" r:id="rId15"/>
-    <p:sldId id="264" r:id="rId16"/>
-    <p:sldId id="265" r:id="rId17"/>
-    <p:sldId id="266" r:id="rId18"/>
-    <p:sldId id="268" r:id="rId19"/>
+    <p:sldId id="277" r:id="rId14"/>
+    <p:sldId id="279" r:id="rId15"/>
+    <p:sldId id="280" r:id="rId16"/>
+    <p:sldId id="262" r:id="rId17"/>
+    <p:sldId id="278" r:id="rId18"/>
+    <p:sldId id="263" r:id="rId19"/>
+    <p:sldId id="264" r:id="rId20"/>
+    <p:sldId id="265" r:id="rId21"/>
+    <p:sldId id="266" r:id="rId22"/>
   </p:sldIdLst>
   <p:sldSz cx="12192000" cy="6858000"/>
   <p:notesSz cx="6858000" cy="9144000"/>
@@ -329,7 +332,7 @@
           <a:p>
             <a:fld id="{0849E659-DC2D-467D-80C6-27792697C964}" type="datetimeFigureOut">
               <a:rPr lang="en-CA" smtClean="0"/>
-              <a:t>2021-06-23</a:t>
+              <a:t>2021-07-13</a:t>
             </a:fld>
             <a:endParaRPr lang="en-CA"/>
           </a:p>
@@ -519,7 +522,7 @@
           <a:p>
             <a:fld id="{0849E659-DC2D-467D-80C6-27792697C964}" type="datetimeFigureOut">
               <a:rPr lang="en-CA" smtClean="0"/>
-              <a:t>2021-06-23</a:t>
+              <a:t>2021-07-13</a:t>
             </a:fld>
             <a:endParaRPr lang="en-CA"/>
           </a:p>
@@ -699,7 +702,7 @@
           <a:p>
             <a:fld id="{0849E659-DC2D-467D-80C6-27792697C964}" type="datetimeFigureOut">
               <a:rPr lang="en-CA" smtClean="0"/>
-              <a:t>2021-06-23</a:t>
+              <a:t>2021-07-13</a:t>
             </a:fld>
             <a:endParaRPr lang="en-CA"/>
           </a:p>
@@ -869,7 +872,7 @@
           <a:p>
             <a:fld id="{0849E659-DC2D-467D-80C6-27792697C964}" type="datetimeFigureOut">
               <a:rPr lang="en-CA" smtClean="0"/>
-              <a:t>2021-06-23</a:t>
+              <a:t>2021-07-13</a:t>
             </a:fld>
             <a:endParaRPr lang="en-CA"/>
           </a:p>
@@ -1125,7 +1128,7 @@
           <a:p>
             <a:fld id="{0849E659-DC2D-467D-80C6-27792697C964}" type="datetimeFigureOut">
               <a:rPr lang="en-CA" smtClean="0"/>
-              <a:t>2021-06-23</a:t>
+              <a:t>2021-07-13</a:t>
             </a:fld>
             <a:endParaRPr lang="en-CA"/>
           </a:p>
@@ -1413,7 +1416,7 @@
           <a:p>
             <a:fld id="{0849E659-DC2D-467D-80C6-27792697C964}" type="datetimeFigureOut">
               <a:rPr lang="en-CA" smtClean="0"/>
-              <a:t>2021-06-23</a:t>
+              <a:t>2021-07-13</a:t>
             </a:fld>
             <a:endParaRPr lang="en-CA"/>
           </a:p>
@@ -1851,7 +1854,7 @@
           <a:p>
             <a:fld id="{0849E659-DC2D-467D-80C6-27792697C964}" type="datetimeFigureOut">
               <a:rPr lang="en-CA" smtClean="0"/>
-              <a:t>2021-06-23</a:t>
+              <a:t>2021-07-13</a:t>
             </a:fld>
             <a:endParaRPr lang="en-CA"/>
           </a:p>
@@ -1969,7 +1972,7 @@
           <a:p>
             <a:fld id="{0849E659-DC2D-467D-80C6-27792697C964}" type="datetimeFigureOut">
               <a:rPr lang="en-CA" smtClean="0"/>
-              <a:t>2021-06-23</a:t>
+              <a:t>2021-07-13</a:t>
             </a:fld>
             <a:endParaRPr lang="en-CA"/>
           </a:p>
@@ -2064,7 +2067,7 @@
           <a:p>
             <a:fld id="{0849E659-DC2D-467D-80C6-27792697C964}" type="datetimeFigureOut">
               <a:rPr lang="en-CA" smtClean="0"/>
-              <a:t>2021-06-23</a:t>
+              <a:t>2021-07-13</a:t>
             </a:fld>
             <a:endParaRPr lang="en-CA"/>
           </a:p>
@@ -2420,7 +2423,7 @@
           <a:p>
             <a:fld id="{0849E659-DC2D-467D-80C6-27792697C964}" type="datetimeFigureOut">
               <a:rPr lang="en-CA" smtClean="0"/>
-              <a:t>2021-06-23</a:t>
+              <a:t>2021-07-13</a:t>
             </a:fld>
             <a:endParaRPr lang="en-CA"/>
           </a:p>
@@ -2736,7 +2739,7 @@
           <a:p>
             <a:fld id="{0849E659-DC2D-467D-80C6-27792697C964}" type="datetimeFigureOut">
               <a:rPr lang="en-CA" smtClean="0"/>
-              <a:t>2021-06-23</a:t>
+              <a:t>2021-07-13</a:t>
             </a:fld>
             <a:endParaRPr lang="en-CA"/>
           </a:p>
@@ -2969,7 +2972,7 @@
           <a:p>
             <a:fld id="{0849E659-DC2D-467D-80C6-27792697C964}" type="datetimeFigureOut">
               <a:rPr lang="en-CA" smtClean="0"/>
-              <a:t>2021-06-23</a:t>
+              <a:t>2021-07-13</a:t>
             </a:fld>
             <a:endParaRPr lang="en-CA"/>
           </a:p>
@@ -3622,7 +3625,7 @@
         </p:nvSpPr>
         <p:spPr>
           <a:xfrm>
-            <a:off x="1286503" y="4064626"/>
+            <a:off x="1178290" y="3182690"/>
             <a:ext cx="9607159" cy="1476235"/>
           </a:xfrm>
         </p:spPr>
@@ -3639,29 +3642,41 @@
                   <a:srgbClr val="FFFFFF"/>
                 </a:solidFill>
               </a:rPr>
-              <a:t>Working title: Tidal current speed influences fish biodiversity in British Columbia’s shallow subtidal zone</a:t>
-            </a:r>
-          </a:p>
-          <a:p>
-            <a:pPr algn="ctr"/>
+              <a:t>Tentative </a:t>
+            </a:r>
             <a:r>
               <a:rPr lang="en-US" sz="2800" dirty="0" smtClean="0">
                 <a:solidFill>
                   <a:srgbClr val="FFFFFF"/>
                 </a:solidFill>
               </a:rPr>
-              <a:t>(I mean it does a bit? </a:t>
+              <a:t>title: </a:t>
             </a:r>
             <a:r>
               <a:rPr lang="en-US" sz="2800" dirty="0" smtClean="0">
                 <a:solidFill>
                   <a:srgbClr val="FFFFFF"/>
                 </a:solidFill>
-                <a:sym typeface="Wingdings" panose="05000000000000000000" pitchFamily="2" charset="2"/>
               </a:rPr>
-              <a:t> )</a:t>
-            </a:r>
-            <a:endParaRPr lang="en-CA" sz="2800" dirty="0">
+              <a:t>Depth is a primary driver of nearshore fish </a:t>
+            </a:r>
+            <a:r>
+              <a:rPr lang="en-US" sz="2800" dirty="0" smtClean="0">
+                <a:solidFill>
+                  <a:srgbClr val="FFFFFF"/>
+                </a:solidFill>
+              </a:rPr>
+              <a:t>biodiversity </a:t>
+            </a:r>
+            <a:r>
+              <a:rPr lang="en-US" sz="2800" dirty="0" smtClean="0">
+                <a:solidFill>
+                  <a:srgbClr val="FFFFFF"/>
+                </a:solidFill>
+              </a:rPr>
+              <a:t>in the Salish Sea</a:t>
+            </a:r>
+            <a:endParaRPr lang="en-US" sz="2800" dirty="0" smtClean="0">
               <a:solidFill>
                 <a:srgbClr val="FFFFFF"/>
               </a:solidFill>
@@ -3687,8 +3702,8 @@
         </p:nvSpPr>
         <p:spPr>
           <a:xfrm>
-            <a:off x="1286503" y="1285196"/>
-            <a:ext cx="9607160" cy="2779429"/>
+            <a:off x="1286503" y="1285197"/>
+            <a:ext cx="9607160" cy="1176650"/>
           </a:xfrm>
         </p:spPr>
         <p:txBody>
@@ -3699,16 +3714,8 @@
           <a:p>
             <a:pPr algn="ctr"/>
             <a:r>
-              <a:rPr lang="en-US" sz="8000" dirty="0" err="1"/>
-              <a:t>HiLo</a:t>
-            </a:r>
-            <a:r>
-              <a:rPr lang="en-US" sz="8000" dirty="0"/>
-              <a:t> </a:t>
-            </a:r>
-            <a:r>
               <a:rPr lang="en-US" sz="8000" dirty="0" smtClean="0"/>
-              <a:t>Project Analysis </a:t>
+              <a:t>Hi-Lo Analysis </a:t>
             </a:r>
             <a:r>
               <a:rPr lang="en-US" sz="8000" dirty="0"/>
@@ -3811,8 +3818,13 @@
             </a:r>
             <a:r>
               <a:rPr lang="en-US" dirty="0"/>
-              <a:t>how fish community composition varies with tidal current speed and depth</a:t>
-            </a:r>
+              <a:t>how fish community composition varies with </a:t>
+            </a:r>
+            <a:r>
+              <a:rPr lang="en-US" dirty="0" smtClean="0"/>
+              <a:t>depth</a:t>
+            </a:r>
+            <a:endParaRPr lang="en-US" dirty="0"/>
           </a:p>
           <a:p>
             <a:r>
@@ -3996,8 +4008,16 @@
               <a:t>Determine </a:t>
             </a:r>
             <a:r>
+              <a:rPr lang="en-US" dirty="0" smtClean="0"/>
+              <a:t>how depth influences </a:t>
+            </a:r>
+            <a:r>
               <a:rPr lang="en-US" dirty="0"/>
-              <a:t>if habitat variables influence life history traits such as fish size and if these patterns vary with </a:t>
+              <a:t>life history traits such as fish size and </a:t>
+            </a:r>
+            <a:r>
+              <a:rPr lang="en-US" dirty="0" smtClean="0"/>
+              <a:t>how this varies with </a:t>
             </a:r>
             <a:r>
               <a:rPr lang="en-US" dirty="0" smtClean="0"/>
@@ -4026,7 +4046,15 @@
             </a:pPr>
             <a:r>
               <a:rPr lang="en-US" dirty="0" smtClean="0"/>
-              <a:t>Mixed effects model with partial pooling by species (fitting species as a random effect with random slope and intercept) to determine overall effect of depth on fish size by comparing to a null model</a:t>
+              <a:t>Mixed effects model with </a:t>
+            </a:r>
+            <a:r>
+              <a:rPr lang="en-US" b="1" dirty="0" smtClean="0"/>
+              <a:t>partial pooling by species </a:t>
+            </a:r>
+            <a:r>
+              <a:rPr lang="en-US" dirty="0" smtClean="0"/>
+              <a:t>(fitting species as a random effect with random slope and intercept) to determine overall effect of depth on fish size by comparing to a null model</a:t>
             </a:r>
           </a:p>
           <a:p>
@@ -4056,6 +4084,221 @@
 </file>
 
 <file path=ppt/slides/slide13.xml><?xml version="1.0" encoding="utf-8"?>
+<p:sld xmlns:a="http://schemas.openxmlformats.org/drawingml/2006/main" xmlns:r="http://schemas.openxmlformats.org/officeDocument/2006/relationships" xmlns:p="http://schemas.openxmlformats.org/presentationml/2006/main">
+  <p:cSld>
+    <p:spTree>
+      <p:nvGrpSpPr>
+        <p:cNvPr id="1" name=""/>
+        <p:cNvGrpSpPr/>
+        <p:nvPr/>
+      </p:nvGrpSpPr>
+      <p:grpSpPr>
+        <a:xfrm>
+          <a:off x="0" y="0"/>
+          <a:ext cx="0" cy="0"/>
+          <a:chOff x="0" y="0"/>
+          <a:chExt cx="0" cy="0"/>
+        </a:xfrm>
+      </p:grpSpPr>
+      <p:pic>
+        <p:nvPicPr>
+          <p:cNvPr id="1026" name="Picture 2" descr="Trellis plot of reaction time by days of sleep deprivation."/>
+          <p:cNvPicPr>
+            <a:picLocks noChangeAspect="1" noChangeArrowheads="1"/>
+          </p:cNvPicPr>
+          <p:nvPr/>
+        </p:nvPicPr>
+        <p:blipFill>
+          <a:blip r:embed="rId2">
+            <a:extLst>
+              <a:ext uri="{28A0092B-C50C-407E-A947-70E740481C1C}">
+                <a14:useLocalDpi xmlns:a14="http://schemas.microsoft.com/office/drawing/2010/main" val="0"/>
+              </a:ext>
+            </a:extLst>
+          </a:blip>
+          <a:srcRect/>
+          <a:stretch>
+            <a:fillRect/>
+          </a:stretch>
+        </p:blipFill>
+        <p:spPr bwMode="auto">
+          <a:xfrm>
+            <a:off x="3080710" y="1022514"/>
+            <a:ext cx="5642112" cy="5077901"/>
+          </a:xfrm>
+          <a:prstGeom prst="rect">
+            <a:avLst/>
+          </a:prstGeom>
+          <a:noFill/>
+          <a:extLst>
+            <a:ext uri="{909E8E84-426E-40DD-AFC4-6F175D3DCCD1}">
+              <a14:hiddenFill xmlns:a14="http://schemas.microsoft.com/office/drawing/2010/main">
+                <a:solidFill>
+                  <a:srgbClr val="FFFFFF"/>
+                </a:solidFill>
+              </a14:hiddenFill>
+            </a:ext>
+          </a:extLst>
+        </p:spPr>
+      </p:pic>
+    </p:spTree>
+    <p:extLst>
+      <p:ext uri="{BB962C8B-B14F-4D97-AF65-F5344CB8AC3E}">
+        <p14:creationId xmlns:p14="http://schemas.microsoft.com/office/powerpoint/2010/main" val="2558932901"/>
+      </p:ext>
+    </p:extLst>
+  </p:cSld>
+  <p:clrMapOvr>
+    <a:masterClrMapping/>
+  </p:clrMapOvr>
+</p:sld>
+</file>
+
+<file path=ppt/slides/slide14.xml><?xml version="1.0" encoding="utf-8"?>
+<p:sld xmlns:a="http://schemas.openxmlformats.org/drawingml/2006/main" xmlns:r="http://schemas.openxmlformats.org/officeDocument/2006/relationships" xmlns:p="http://schemas.openxmlformats.org/presentationml/2006/main">
+  <p:cSld>
+    <p:spTree>
+      <p:nvGrpSpPr>
+        <p:cNvPr id="1" name=""/>
+        <p:cNvGrpSpPr/>
+        <p:nvPr/>
+      </p:nvGrpSpPr>
+      <p:grpSpPr>
+        <a:xfrm>
+          <a:off x="0" y="0"/>
+          <a:ext cx="0" cy="0"/>
+          <a:chOff x="0" y="0"/>
+          <a:chExt cx="0" cy="0"/>
+        </a:xfrm>
+      </p:grpSpPr>
+      <p:pic>
+        <p:nvPicPr>
+          <p:cNvPr id="2050" name="Picture 2" descr="Same trellis plot as above but with two regression lines per subplot to compare the two models."/>
+          <p:cNvPicPr>
+            <a:picLocks noGrp="1" noChangeAspect="1" noChangeArrowheads="1"/>
+          </p:cNvPicPr>
+          <p:nvPr>
+            <p:ph idx="1"/>
+          </p:nvPr>
+        </p:nvPicPr>
+        <p:blipFill>
+          <a:blip r:embed="rId2">
+            <a:extLst>
+              <a:ext uri="{28A0092B-C50C-407E-A947-70E740481C1C}">
+                <a14:useLocalDpi xmlns:a14="http://schemas.microsoft.com/office/drawing/2010/main" val="0"/>
+              </a:ext>
+            </a:extLst>
+          </a:blip>
+          <a:srcRect/>
+          <a:stretch>
+            <a:fillRect/>
+          </a:stretch>
+        </p:blipFill>
+        <p:spPr bwMode="auto">
+          <a:xfrm>
+            <a:off x="2966994" y="371809"/>
+            <a:ext cx="5744743" cy="5744743"/>
+          </a:xfrm>
+          <a:prstGeom prst="rect">
+            <a:avLst/>
+          </a:prstGeom>
+          <a:noFill/>
+          <a:extLst>
+            <a:ext uri="{909E8E84-426E-40DD-AFC4-6F175D3DCCD1}">
+              <a14:hiddenFill xmlns:a14="http://schemas.microsoft.com/office/drawing/2010/main">
+                <a:solidFill>
+                  <a:srgbClr val="FFFFFF"/>
+                </a:solidFill>
+              </a14:hiddenFill>
+            </a:ext>
+          </a:extLst>
+        </p:spPr>
+      </p:pic>
+    </p:spTree>
+    <p:extLst>
+      <p:ext uri="{BB962C8B-B14F-4D97-AF65-F5344CB8AC3E}">
+        <p14:creationId xmlns:p14="http://schemas.microsoft.com/office/powerpoint/2010/main" val="3144866484"/>
+      </p:ext>
+    </p:extLst>
+  </p:cSld>
+  <p:clrMapOvr>
+    <a:masterClrMapping/>
+  </p:clrMapOvr>
+</p:sld>
+</file>
+
+<file path=ppt/slides/slide15.xml><?xml version="1.0" encoding="utf-8"?>
+<p:sld xmlns:a="http://schemas.openxmlformats.org/drawingml/2006/main" xmlns:r="http://schemas.openxmlformats.org/officeDocument/2006/relationships" xmlns:p="http://schemas.openxmlformats.org/presentationml/2006/main">
+  <p:cSld>
+    <p:spTree>
+      <p:nvGrpSpPr>
+        <p:cNvPr id="1" name=""/>
+        <p:cNvGrpSpPr/>
+        <p:nvPr/>
+      </p:nvGrpSpPr>
+      <p:grpSpPr>
+        <a:xfrm>
+          <a:off x="0" y="0"/>
+          <a:ext cx="0" cy="0"/>
+          <a:chOff x="0" y="0"/>
+          <a:chExt cx="0" cy="0"/>
+        </a:xfrm>
+      </p:grpSpPr>
+      <p:pic>
+        <p:nvPicPr>
+          <p:cNvPr id="3074" name="Picture 2" descr="Update of previous plot with partially pooled regression lines added."/>
+          <p:cNvPicPr>
+            <a:picLocks noChangeAspect="1" noChangeArrowheads="1"/>
+          </p:cNvPicPr>
+          <p:nvPr/>
+        </p:nvPicPr>
+        <p:blipFill>
+          <a:blip r:embed="rId2">
+            <a:extLst>
+              <a:ext uri="{28A0092B-C50C-407E-A947-70E740481C1C}">
+                <a14:useLocalDpi xmlns:a14="http://schemas.microsoft.com/office/drawing/2010/main" val="0"/>
+              </a:ext>
+            </a:extLst>
+          </a:blip>
+          <a:srcRect/>
+          <a:stretch>
+            <a:fillRect/>
+          </a:stretch>
+        </p:blipFill>
+        <p:spPr bwMode="auto">
+          <a:xfrm>
+            <a:off x="3289446" y="551658"/>
+            <a:ext cx="5627307" cy="5627307"/>
+          </a:xfrm>
+          <a:prstGeom prst="rect">
+            <a:avLst/>
+          </a:prstGeom>
+          <a:noFill/>
+          <a:extLst>
+            <a:ext uri="{909E8E84-426E-40DD-AFC4-6F175D3DCCD1}">
+              <a14:hiddenFill xmlns:a14="http://schemas.microsoft.com/office/drawing/2010/main">
+                <a:solidFill>
+                  <a:srgbClr val="FFFFFF"/>
+                </a:solidFill>
+              </a14:hiddenFill>
+            </a:ext>
+          </a:extLst>
+        </p:spPr>
+      </p:pic>
+    </p:spTree>
+    <p:extLst>
+      <p:ext uri="{BB962C8B-B14F-4D97-AF65-F5344CB8AC3E}">
+        <p14:creationId xmlns:p14="http://schemas.microsoft.com/office/powerpoint/2010/main" val="3365128028"/>
+      </p:ext>
+    </p:extLst>
+  </p:cSld>
+  <p:clrMapOvr>
+    <a:masterClrMapping/>
+  </p:clrMapOvr>
+</p:sld>
+</file>
+
+<file path=ppt/slides/slide16.xml><?xml version="1.0" encoding="utf-8"?>
 <p:sld xmlns:a="http://schemas.openxmlformats.org/drawingml/2006/main" xmlns:r="http://schemas.openxmlformats.org/officeDocument/2006/relationships" xmlns:p="http://schemas.openxmlformats.org/presentationml/2006/main">
   <p:cSld>
     <p:spTree>
@@ -4452,7 +4695,89 @@
 </p:sld>
 </file>
 
-<file path=ppt/slides/slide14.xml><?xml version="1.0" encoding="utf-8"?>
+<file path=ppt/slides/slide17.xml><?xml version="1.0" encoding="utf-8"?>
+<p:sld xmlns:a="http://schemas.openxmlformats.org/drawingml/2006/main" xmlns:r="http://schemas.openxmlformats.org/officeDocument/2006/relationships" xmlns:p="http://schemas.openxmlformats.org/presentationml/2006/main">
+  <p:cSld>
+    <p:spTree>
+      <p:nvGrpSpPr>
+        <p:cNvPr id="1" name=""/>
+        <p:cNvGrpSpPr/>
+        <p:nvPr/>
+      </p:nvGrpSpPr>
+      <p:grpSpPr>
+        <a:xfrm>
+          <a:off x="0" y="0"/>
+          <a:ext cx="0" cy="0"/>
+          <a:chOff x="0" y="0"/>
+          <a:chExt cx="0" cy="0"/>
+        </a:xfrm>
+      </p:grpSpPr>
+      <p:sp>
+        <p:nvSpPr>
+          <p:cNvPr id="2" name="Title 1"/>
+          <p:cNvSpPr>
+            <a:spLocks noGrp="1"/>
+          </p:cNvSpPr>
+          <p:nvPr>
+            <p:ph type="title"/>
+          </p:nvPr>
+        </p:nvSpPr>
+        <p:spPr/>
+        <p:txBody>
+          <a:bodyPr/>
+          <a:lstStyle/>
+          <a:p>
+            <a:r>
+              <a:rPr lang="en-US" dirty="0" smtClean="0"/>
+              <a:t>New Current measures….</a:t>
+            </a:r>
+            <a:endParaRPr lang="en-US" dirty="0"/>
+          </a:p>
+        </p:txBody>
+      </p:sp>
+      <p:sp>
+        <p:nvSpPr>
+          <p:cNvPr id="3" name="Content Placeholder 2"/>
+          <p:cNvSpPr>
+            <a:spLocks noGrp="1"/>
+          </p:cNvSpPr>
+          <p:nvPr>
+            <p:ph idx="1"/>
+          </p:nvPr>
+        </p:nvSpPr>
+        <p:spPr/>
+        <p:txBody>
+          <a:bodyPr/>
+          <a:lstStyle/>
+          <a:p>
+            <a:r>
+              <a:rPr lang="en-US" dirty="0" smtClean="0"/>
+              <a:t>- how do we want to handle these?</a:t>
+            </a:r>
+          </a:p>
+          <a:p>
+            <a:r>
+              <a:rPr lang="en-US" dirty="0" smtClean="0"/>
+              <a:t>- our thought is to forge ahead as is and then include a comparison in the supplement</a:t>
+            </a:r>
+            <a:endParaRPr lang="en-US" dirty="0"/>
+          </a:p>
+        </p:txBody>
+      </p:sp>
+    </p:spTree>
+    <p:extLst>
+      <p:ext uri="{BB962C8B-B14F-4D97-AF65-F5344CB8AC3E}">
+        <p14:creationId xmlns:p14="http://schemas.microsoft.com/office/powerpoint/2010/main" val="1642813316"/>
+      </p:ext>
+    </p:extLst>
+  </p:cSld>
+  <p:clrMapOvr>
+    <a:masterClrMapping/>
+  </p:clrMapOvr>
+</p:sld>
+</file>
+
+<file path=ppt/slides/slide18.xml><?xml version="1.0" encoding="utf-8"?>
 <p:sld xmlns:a="http://schemas.openxmlformats.org/drawingml/2006/main" xmlns:r="http://schemas.openxmlformats.org/officeDocument/2006/relationships" xmlns:p="http://schemas.openxmlformats.org/presentationml/2006/main">
   <p:cSld>
     <p:spTree>
@@ -4672,7 +4997,7 @@
 </p:sld>
 </file>
 
-<file path=ppt/slides/slide15.xml><?xml version="1.0" encoding="utf-8"?>
+<file path=ppt/slides/slide19.xml><?xml version="1.0" encoding="utf-8"?>
 <p:sld xmlns:a="http://schemas.openxmlformats.org/drawingml/2006/main" xmlns:r="http://schemas.openxmlformats.org/officeDocument/2006/relationships" xmlns:p="http://schemas.openxmlformats.org/presentationml/2006/main">
   <p:cSld>
     <p:spTree>
@@ -4884,7 +5209,177 @@
 </p:sld>
 </file>
 
-<file path=ppt/slides/slide16.xml><?xml version="1.0" encoding="utf-8"?>
+<file path=ppt/slides/slide2.xml><?xml version="1.0" encoding="utf-8"?>
+<p:sld xmlns:a="http://schemas.openxmlformats.org/drawingml/2006/main" xmlns:r="http://schemas.openxmlformats.org/officeDocument/2006/relationships" xmlns:p="http://schemas.openxmlformats.org/presentationml/2006/main">
+  <p:cSld>
+    <p:spTree>
+      <p:nvGrpSpPr>
+        <p:cNvPr id="1" name=""/>
+        <p:cNvGrpSpPr/>
+        <p:nvPr/>
+      </p:nvGrpSpPr>
+      <p:grpSpPr>
+        <a:xfrm>
+          <a:off x="0" y="0"/>
+          <a:ext cx="0" cy="0"/>
+          <a:chOff x="0" y="0"/>
+          <a:chExt cx="0" cy="0"/>
+        </a:xfrm>
+      </p:grpSpPr>
+      <p:sp>
+        <p:nvSpPr>
+          <p:cNvPr id="2" name="Title 1"/>
+          <p:cNvSpPr>
+            <a:spLocks noGrp="1"/>
+          </p:cNvSpPr>
+          <p:nvPr>
+            <p:ph type="title"/>
+          </p:nvPr>
+        </p:nvSpPr>
+        <p:spPr/>
+        <p:txBody>
+          <a:bodyPr/>
+          <a:lstStyle/>
+          <a:p>
+            <a:r>
+              <a:rPr lang="en-US" dirty="0" smtClean="0"/>
+              <a:t>Research </a:t>
+            </a:r>
+            <a:r>
+              <a:rPr lang="en-US" dirty="0" smtClean="0"/>
+              <a:t>objectives</a:t>
+            </a:r>
+            <a:endParaRPr lang="en-US" dirty="0"/>
+          </a:p>
+        </p:txBody>
+      </p:sp>
+      <p:sp>
+        <p:nvSpPr>
+          <p:cNvPr id="3" name="Content Placeholder 2"/>
+          <p:cNvSpPr>
+            <a:spLocks noGrp="1"/>
+          </p:cNvSpPr>
+          <p:nvPr>
+            <p:ph idx="1"/>
+          </p:nvPr>
+        </p:nvSpPr>
+        <p:spPr>
+          <a:xfrm>
+            <a:off x="676656" y="2011680"/>
+            <a:ext cx="10753725" cy="3977911"/>
+          </a:xfrm>
+        </p:spPr>
+        <p:txBody>
+          <a:bodyPr>
+            <a:normAutofit lnSpcReduction="10000"/>
+          </a:bodyPr>
+          <a:lstStyle/>
+          <a:p>
+            <a:r>
+              <a:rPr lang="en-US" b="1" dirty="0" smtClean="0"/>
+              <a:t>Overall objective: Can abiotic variables be used as a proxy for identifying high biodiversity areas for conservation initiatives</a:t>
+            </a:r>
+            <a:r>
+              <a:rPr lang="en-US" b="1" dirty="0" smtClean="0"/>
+              <a:t> </a:t>
+            </a:r>
+          </a:p>
+          <a:p>
+            <a:endParaRPr lang="en-US" b="1" dirty="0" smtClean="0"/>
+          </a:p>
+          <a:p>
+            <a:r>
+              <a:rPr lang="en-US" dirty="0" smtClean="0"/>
+              <a:t>1. Determine </a:t>
+            </a:r>
+            <a:r>
+              <a:rPr lang="en-US" dirty="0" smtClean="0"/>
+              <a:t>how fish </a:t>
+            </a:r>
+            <a:r>
+              <a:rPr lang="en-US" dirty="0"/>
+              <a:t>species richness, abundance, and biomass </a:t>
+            </a:r>
+            <a:r>
+              <a:rPr lang="en-US" dirty="0" smtClean="0"/>
+              <a:t>varies with depth</a:t>
+            </a:r>
+            <a:r>
+              <a:rPr lang="en-US" dirty="0"/>
+              <a:t>, tidal current speed, habitat </a:t>
+            </a:r>
+            <a:r>
+              <a:rPr lang="en-US" dirty="0" smtClean="0"/>
+              <a:t>complexity (% rock as a proxy), </a:t>
+            </a:r>
+            <a:r>
+              <a:rPr lang="en-US" dirty="0"/>
+              <a:t>and </a:t>
+            </a:r>
+            <a:r>
+              <a:rPr lang="en-US" dirty="0" smtClean="0"/>
+              <a:t>slope</a:t>
+            </a:r>
+          </a:p>
+          <a:p>
+            <a:endParaRPr lang="en-US" dirty="0"/>
+          </a:p>
+          <a:p>
+            <a:r>
+              <a:rPr lang="en-US" dirty="0" smtClean="0"/>
+              <a:t>2. Examine how fish community </a:t>
+            </a:r>
+            <a:r>
+              <a:rPr lang="en-US" dirty="0"/>
+              <a:t>composition varies </a:t>
+            </a:r>
+            <a:r>
+              <a:rPr lang="en-US" dirty="0" smtClean="0"/>
+              <a:t>with these variables</a:t>
+            </a:r>
+            <a:endParaRPr lang="en-US" dirty="0" smtClean="0"/>
+          </a:p>
+          <a:p>
+            <a:pPr marL="0" indent="0">
+              <a:buNone/>
+            </a:pPr>
+            <a:endParaRPr lang="en-US" dirty="0"/>
+          </a:p>
+          <a:p>
+            <a:r>
+              <a:rPr lang="en-US" dirty="0" smtClean="0"/>
+              <a:t>3. Determine if </a:t>
+            </a:r>
+            <a:r>
+              <a:rPr lang="en-US" dirty="0" smtClean="0"/>
+              <a:t>abiotic variables </a:t>
+            </a:r>
+            <a:r>
+              <a:rPr lang="en-US" dirty="0" smtClean="0"/>
+              <a:t>influence </a:t>
+            </a:r>
+            <a:r>
+              <a:rPr lang="en-US" dirty="0" smtClean="0"/>
+              <a:t>life history traits such as fish size and if these patterns vary with species </a:t>
+            </a:r>
+            <a:endParaRPr lang="en-US" dirty="0"/>
+          </a:p>
+        </p:txBody>
+      </p:sp>
+    </p:spTree>
+    <p:extLst>
+      <p:ext uri="{BB962C8B-B14F-4D97-AF65-F5344CB8AC3E}">
+        <p14:creationId xmlns:p14="http://schemas.microsoft.com/office/powerpoint/2010/main" val="977616330"/>
+      </p:ext>
+    </p:extLst>
+  </p:cSld>
+  <p:clrMapOvr>
+    <a:masterClrMapping/>
+  </p:clrMapOvr>
+</p:sld>
+</file>
+
+<file path=ppt/slides/slide20.xml><?xml version="1.0" encoding="utf-8"?>
 <p:sld xmlns:a="http://schemas.openxmlformats.org/drawingml/2006/main" xmlns:r="http://schemas.openxmlformats.org/officeDocument/2006/relationships" xmlns:p="http://schemas.openxmlformats.org/presentationml/2006/main">
   <p:cSld>
     <p:spTree>
@@ -5096,7 +5591,7 @@
 </p:sld>
 </file>
 
-<file path=ppt/slides/slide17.xml><?xml version="1.0" encoding="utf-8"?>
+<file path=ppt/slides/slide21.xml><?xml version="1.0" encoding="utf-8"?>
 <p:sld xmlns:a="http://schemas.openxmlformats.org/drawingml/2006/main" xmlns:r="http://schemas.openxmlformats.org/officeDocument/2006/relationships" xmlns:p="http://schemas.openxmlformats.org/presentationml/2006/main">
   <p:cSld>
     <p:spTree>
@@ -5316,347 +5811,6 @@
 </p:sld>
 </file>
 
-<file path=ppt/slides/slide18.xml><?xml version="1.0" encoding="utf-8"?>
-<p:sld xmlns:a="http://schemas.openxmlformats.org/drawingml/2006/main" xmlns:r="http://schemas.openxmlformats.org/officeDocument/2006/relationships" xmlns:p="http://schemas.openxmlformats.org/presentationml/2006/main">
-  <p:cSld>
-    <p:spTree>
-      <p:nvGrpSpPr>
-        <p:cNvPr id="1" name=""/>
-        <p:cNvGrpSpPr/>
-        <p:nvPr/>
-      </p:nvGrpSpPr>
-      <p:grpSpPr>
-        <a:xfrm>
-          <a:off x="0" y="0"/>
-          <a:ext cx="0" cy="0"/>
-          <a:chOff x="0" y="0"/>
-          <a:chExt cx="0" cy="0"/>
-        </a:xfrm>
-      </p:grpSpPr>
-      <p:sp>
-        <p:nvSpPr>
-          <p:cNvPr id="2" name="Title 1">
-            <a:extLst>
-              <a:ext uri="{FF2B5EF4-FFF2-40B4-BE49-F238E27FC236}">
-                <a16:creationId xmlns:a16="http://schemas.microsoft.com/office/drawing/2014/main" id="{8F46C5A6-F59F-4456-9054-E9D9A97262FD}"/>
-              </a:ext>
-            </a:extLst>
-          </p:cNvPr>
-          <p:cNvSpPr>
-            <a:spLocks noGrp="1"/>
-          </p:cNvSpPr>
-          <p:nvPr>
-            <p:ph type="title"/>
-          </p:nvPr>
-        </p:nvSpPr>
-        <p:spPr/>
-        <p:txBody>
-          <a:bodyPr/>
-          <a:lstStyle/>
-          <a:p>
-            <a:r>
-              <a:rPr lang="en-US" dirty="0"/>
-              <a:t>Additional Figures</a:t>
-            </a:r>
-            <a:endParaRPr lang="en-CA" dirty="0"/>
-          </a:p>
-        </p:txBody>
-      </p:sp>
-      <p:sp>
-        <p:nvSpPr>
-          <p:cNvPr id="4" name="Content Placeholder 3">
-            <a:extLst>
-              <a:ext uri="{FF2B5EF4-FFF2-40B4-BE49-F238E27FC236}">
-                <a16:creationId xmlns:a16="http://schemas.microsoft.com/office/drawing/2014/main" id="{BAD94FB1-A473-437A-A5CB-9B76B9A29672}"/>
-              </a:ext>
-            </a:extLst>
-          </p:cNvPr>
-          <p:cNvSpPr>
-            <a:spLocks noGrp="1"/>
-          </p:cNvSpPr>
-          <p:nvPr>
-            <p:ph idx="1"/>
-          </p:nvPr>
-        </p:nvSpPr>
-        <p:spPr>
-          <a:xfrm>
-            <a:off x="821554" y="6017635"/>
-            <a:ext cx="10853691" cy="1500896"/>
-          </a:xfrm>
-        </p:spPr>
-        <p:txBody>
-          <a:bodyPr>
-            <a:normAutofit/>
-          </a:bodyPr>
-          <a:lstStyle/>
-          <a:p>
-            <a:pPr marL="0" indent="0">
-              <a:buNone/>
-            </a:pPr>
-            <a:r>
-              <a:rPr lang="en-US" sz="2400" dirty="0"/>
-              <a:t>Did we want to use this </a:t>
-            </a:r>
-            <a:r>
-              <a:rPr lang="en-US" sz="2400" dirty="0" err="1"/>
-              <a:t>PCA</a:t>
-            </a:r>
-            <a:r>
-              <a:rPr lang="en-US" sz="2400" dirty="0"/>
-              <a:t> plot at all? I think the model results explain these patterns more fully.</a:t>
-            </a:r>
-            <a:endParaRPr lang="en-CA" sz="2400" dirty="0"/>
-          </a:p>
-        </p:txBody>
-      </p:sp>
-      <p:sp>
-        <p:nvSpPr>
-          <p:cNvPr id="3" name="Rectangle 2">
-            <a:extLst>
-              <a:ext uri="{FF2B5EF4-FFF2-40B4-BE49-F238E27FC236}">
-                <a16:creationId xmlns:a16="http://schemas.microsoft.com/office/drawing/2014/main" id="{C8B9DCFD-E07E-418B-A31F-F9A1F1822DAC}"/>
-              </a:ext>
-            </a:extLst>
-          </p:cNvPr>
-          <p:cNvSpPr>
-            <a:spLocks noChangeArrowheads="1"/>
-          </p:cNvSpPr>
-          <p:nvPr/>
-        </p:nvSpPr>
-        <p:spPr bwMode="auto">
-          <a:xfrm>
-            <a:off x="152400" y="152400"/>
-            <a:ext cx="12192000" cy="457200"/>
-          </a:xfrm>
-          <a:prstGeom prst="rect">
-            <a:avLst/>
-          </a:prstGeom>
-          <a:noFill/>
-          <a:ln>
-            <a:noFill/>
-          </a:ln>
-          <a:effectLst/>
-          <a:extLst>
-            <a:ext uri="{909E8E84-426E-40DD-AFC4-6F175D3DCCD1}">
-              <a14:hiddenFill xmlns:a14="http://schemas.microsoft.com/office/drawing/2010/main">
-                <a:solidFill>
-                  <a:schemeClr val="accent1"/>
-                </a:solidFill>
-              </a14:hiddenFill>
-            </a:ext>
-            <a:ext uri="{91240B29-F687-4F45-9708-019B960494DF}">
-              <a14:hiddenLine xmlns:a14="http://schemas.microsoft.com/office/drawing/2010/main" w="9525">
-                <a:solidFill>
-                  <a:schemeClr val="tx1"/>
-                </a:solidFill>
-                <a:miter lim="800000"/>
-                <a:headEnd/>
-                <a:tailEnd/>
-              </a14:hiddenLine>
-            </a:ext>
-            <a:ext uri="{AF507438-7753-43E0-B8FC-AC1667EBCBE1}">
-              <a14:hiddenEffects xmlns:a14="http://schemas.microsoft.com/office/drawing/2010/main">
-                <a:effectLst>
-                  <a:outerShdw dist="35921" dir="2700000" algn="ctr" rotWithShape="0">
-                    <a:schemeClr val="bg2"/>
-                  </a:outerShdw>
-                </a:effectLst>
-              </a14:hiddenEffects>
-            </a:ext>
-          </a:extLst>
-        </p:spPr>
-        <p:txBody>
-          <a:bodyPr vert="horz" wrap="none" lIns="91440" tIns="45720" rIns="91440" bIns="45720" numCol="1" anchor="ctr" anchorCtr="0" compatLnSpc="1">
-            <a:prstTxWarp prst="textNoShape">
-              <a:avLst/>
-            </a:prstTxWarp>
-            <a:spAutoFit/>
-          </a:bodyPr>
-          <a:lstStyle/>
-          <a:p>
-            <a:endParaRPr lang="en-CA"/>
-          </a:p>
-        </p:txBody>
-      </p:sp>
-      <p:pic>
-        <p:nvPicPr>
-          <p:cNvPr id="1025" name="Picture 2">
-            <a:extLst>
-              <a:ext uri="{FF2B5EF4-FFF2-40B4-BE49-F238E27FC236}">
-                <a16:creationId xmlns:a16="http://schemas.microsoft.com/office/drawing/2014/main" id="{80CE411F-CC67-4AD9-B66A-0CD6D1BA3DA4}"/>
-              </a:ext>
-            </a:extLst>
-          </p:cNvPr>
-          <p:cNvPicPr>
-            <a:picLocks noChangeAspect="1" noChangeArrowheads="1"/>
-          </p:cNvPicPr>
-          <p:nvPr/>
-        </p:nvPicPr>
-        <p:blipFill>
-          <a:blip r:embed="rId2">
-            <a:extLst>
-              <a:ext uri="{28A0092B-C50C-407E-A947-70E740481C1C}">
-                <a14:useLocalDpi xmlns:a14="http://schemas.microsoft.com/office/drawing/2010/main" val="0"/>
-              </a:ext>
-            </a:extLst>
-          </a:blip>
-          <a:srcRect/>
-          <a:stretch/>
-        </p:blipFill>
-        <p:spPr bwMode="auto">
-          <a:xfrm>
-            <a:off x="2753360" y="1669956"/>
-            <a:ext cx="6580502" cy="4281568"/>
-          </a:xfrm>
-          <a:prstGeom prst="rect">
-            <a:avLst/>
-          </a:prstGeom>
-          <a:noFill/>
-          <a:extLst>
-            <a:ext uri="{909E8E84-426E-40DD-AFC4-6F175D3DCCD1}">
-              <a14:hiddenFill xmlns:a14="http://schemas.microsoft.com/office/drawing/2010/main">
-                <a:solidFill>
-                  <a:srgbClr val="FFFFFF"/>
-                </a:solidFill>
-              </a14:hiddenFill>
-            </a:ext>
-          </a:extLst>
-        </p:spPr>
-      </p:pic>
-    </p:spTree>
-    <p:extLst>
-      <p:ext uri="{BB962C8B-B14F-4D97-AF65-F5344CB8AC3E}">
-        <p14:creationId xmlns:p14="http://schemas.microsoft.com/office/powerpoint/2010/main" val="1947912876"/>
-      </p:ext>
-    </p:extLst>
-  </p:cSld>
-  <p:clrMapOvr>
-    <a:masterClrMapping/>
-  </p:clrMapOvr>
-</p:sld>
-</file>
-
-<file path=ppt/slides/slide2.xml><?xml version="1.0" encoding="utf-8"?>
-<p:sld xmlns:a="http://schemas.openxmlformats.org/drawingml/2006/main" xmlns:r="http://schemas.openxmlformats.org/officeDocument/2006/relationships" xmlns:p="http://schemas.openxmlformats.org/presentationml/2006/main">
-  <p:cSld>
-    <p:spTree>
-      <p:nvGrpSpPr>
-        <p:cNvPr id="1" name=""/>
-        <p:cNvGrpSpPr/>
-        <p:nvPr/>
-      </p:nvGrpSpPr>
-      <p:grpSpPr>
-        <a:xfrm>
-          <a:off x="0" y="0"/>
-          <a:ext cx="0" cy="0"/>
-          <a:chOff x="0" y="0"/>
-          <a:chExt cx="0" cy="0"/>
-        </a:xfrm>
-      </p:grpSpPr>
-      <p:sp>
-        <p:nvSpPr>
-          <p:cNvPr id="2" name="Title 1"/>
-          <p:cNvSpPr>
-            <a:spLocks noGrp="1"/>
-          </p:cNvSpPr>
-          <p:nvPr>
-            <p:ph type="title"/>
-          </p:nvPr>
-        </p:nvSpPr>
-        <p:spPr/>
-        <p:txBody>
-          <a:bodyPr/>
-          <a:lstStyle/>
-          <a:p>
-            <a:r>
-              <a:rPr lang="en-US" dirty="0" smtClean="0"/>
-              <a:t>Research objectives</a:t>
-            </a:r>
-            <a:endParaRPr lang="en-US" dirty="0"/>
-          </a:p>
-        </p:txBody>
-      </p:sp>
-      <p:sp>
-        <p:nvSpPr>
-          <p:cNvPr id="3" name="Content Placeholder 2"/>
-          <p:cNvSpPr>
-            <a:spLocks noGrp="1"/>
-          </p:cNvSpPr>
-          <p:nvPr>
-            <p:ph idx="1"/>
-          </p:nvPr>
-        </p:nvSpPr>
-        <p:spPr/>
-        <p:txBody>
-          <a:bodyPr/>
-          <a:lstStyle/>
-          <a:p>
-            <a:r>
-              <a:rPr lang="en-US" dirty="0" smtClean="0"/>
-              <a:t>1. Determine how fish </a:t>
-            </a:r>
-            <a:r>
-              <a:rPr lang="en-US" dirty="0"/>
-              <a:t>species richness, abundance, and biomass </a:t>
-            </a:r>
-            <a:r>
-              <a:rPr lang="en-US" dirty="0" smtClean="0"/>
-              <a:t>varies with depth</a:t>
-            </a:r>
-            <a:r>
-              <a:rPr lang="en-US" dirty="0"/>
-              <a:t>, tidal current speed, habitat complexity, and </a:t>
-            </a:r>
-            <a:r>
-              <a:rPr lang="en-US" dirty="0" smtClean="0"/>
-              <a:t>slope to assess using abiotic variables to predict fish biodiversity</a:t>
-            </a:r>
-          </a:p>
-          <a:p>
-            <a:endParaRPr lang="en-US" dirty="0"/>
-          </a:p>
-          <a:p>
-            <a:r>
-              <a:rPr lang="en-US" dirty="0" smtClean="0"/>
-              <a:t>2. Examine how fish community </a:t>
-            </a:r>
-            <a:r>
-              <a:rPr lang="en-US" dirty="0"/>
-              <a:t>composition varies with tidal current speed and </a:t>
-            </a:r>
-            <a:r>
-              <a:rPr lang="en-US" dirty="0" smtClean="0"/>
-              <a:t>depth</a:t>
-            </a:r>
-          </a:p>
-          <a:p>
-            <a:pPr marL="0" indent="0">
-              <a:buNone/>
-            </a:pPr>
-            <a:endParaRPr lang="en-US" dirty="0"/>
-          </a:p>
-          <a:p>
-            <a:r>
-              <a:rPr lang="en-US" dirty="0" smtClean="0"/>
-              <a:t>3. Determine if habitat variables influence life history traits such as fish size and if these patterns vary with species </a:t>
-            </a:r>
-            <a:endParaRPr lang="en-US" dirty="0"/>
-          </a:p>
-        </p:txBody>
-      </p:sp>
-    </p:spTree>
-    <p:extLst>
-      <p:ext uri="{BB962C8B-B14F-4D97-AF65-F5344CB8AC3E}">
-        <p14:creationId xmlns:p14="http://schemas.microsoft.com/office/powerpoint/2010/main" val="977616330"/>
-      </p:ext>
-    </p:extLst>
-  </p:cSld>
-  <p:clrMapOvr>
-    <a:masterClrMapping/>
-  </p:clrMapOvr>
-</p:sld>
-</file>
-
 <file path=ppt/slides/slide3.xml><?xml version="1.0" encoding="utf-8"?>
 <p:sld xmlns:a="http://schemas.openxmlformats.org/drawingml/2006/main" xmlns:r="http://schemas.openxmlformats.org/officeDocument/2006/relationships" xmlns:p="http://schemas.openxmlformats.org/presentationml/2006/main">
   <p:cSld>
@@ -5737,23 +5891,29 @@
               <a:t>how fish species </a:t>
             </a:r>
             <a:r>
-              <a:rPr lang="en-US" b="1" dirty="0"/>
-              <a:t>richness, abundance</a:t>
+              <a:rPr lang="en-US" b="1" dirty="0" smtClean="0"/>
+              <a:t>abundance</a:t>
             </a:r>
             <a:r>
               <a:rPr lang="en-US" dirty="0"/>
-              <a:t>, and </a:t>
-            </a:r>
-            <a:r>
-              <a:rPr lang="en-US" b="1" dirty="0"/>
-              <a:t>biomass</a:t>
+              <a:t>, </a:t>
+            </a:r>
+            <a:r>
+              <a:rPr lang="en-US" b="1" dirty="0" smtClean="0"/>
+              <a:t>biomass, and richness</a:t>
+            </a:r>
+            <a:r>
+              <a:rPr lang="en-US" dirty="0" smtClean="0"/>
+              <a:t> </a:t>
             </a:r>
             <a:r>
               <a:rPr lang="en-US" dirty="0"/>
-              <a:t> varies with depth, tidal current speed, habitat complexity, and slope to assess if abiotic variables can be used to predict fish </a:t>
-            </a:r>
-          </a:p>
-          <a:p>
+              <a:t>varies with depth, tidal current speed, habitat complexity, and </a:t>
+            </a:r>
+            <a:r>
+              <a:rPr lang="en-US" dirty="0" smtClean="0"/>
+              <a:t>slope</a:t>
+            </a:r>
             <a:endParaRPr lang="en-CA" dirty="0" smtClean="0"/>
           </a:p>
           <a:p>
@@ -5838,8 +5998,8 @@
         </p:nvSpPr>
         <p:spPr>
           <a:xfrm>
-            <a:off x="508000" y="2247037"/>
-            <a:ext cx="6096000" cy="2031325"/>
+            <a:off x="2536994" y="1971094"/>
+            <a:ext cx="6096000" cy="1477328"/>
           </a:xfrm>
           <a:prstGeom prst="rect">
             <a:avLst/>
@@ -5926,28 +6086,6 @@
             <a:endParaRPr lang="en-US" b="1" dirty="0"/>
           </a:p>
           <a:p>
-            <a:r>
-              <a:rPr lang="en-US" dirty="0"/>
-              <a:t>Lm12.ab.var -269.7  553.5   25.9     </a:t>
-            </a:r>
-            <a:r>
-              <a:rPr lang="en-US" dirty="0" smtClean="0"/>
-              <a:t>	3.0 	7  		0.1067</a:t>
-            </a:r>
-            <a:endParaRPr lang="en-US" dirty="0"/>
-          </a:p>
-          <a:p>
-            <a:r>
-              <a:rPr lang="en-US" dirty="0"/>
-              <a:t>Lm14.ab.var -272.7  559.4   22.9     </a:t>
-            </a:r>
-            <a:r>
-              <a:rPr lang="en-US" dirty="0" smtClean="0"/>
-              <a:t>	8.9 	7  		0.0056</a:t>
-            </a:r>
-            <a:endParaRPr lang="en-US" dirty="0"/>
-          </a:p>
-          <a:p>
             <a:endParaRPr lang="en-US" dirty="0"/>
           </a:p>
         </p:txBody>
@@ -5960,7 +6098,7 @@
         </p:nvSpPr>
         <p:spPr>
           <a:xfrm>
-            <a:off x="508000" y="4278362"/>
+            <a:off x="521853" y="3730487"/>
             <a:ext cx="10908146" cy="2308324"/>
           </a:xfrm>
           <a:prstGeom prst="rect">
@@ -6154,6 +6292,102 @@
               <a:rPr lang="en-US" dirty="0"/>
               <a:t>(form = ~fitted(.)),method = "ML")</a:t>
             </a:r>
+          </a:p>
+        </p:txBody>
+      </p:sp>
+      <p:sp>
+        <p:nvSpPr>
+          <p:cNvPr id="3" name="TextBox 2"/>
+          <p:cNvSpPr txBox="1"/>
+          <p:nvPr/>
+        </p:nvSpPr>
+        <p:spPr>
+          <a:xfrm>
+            <a:off x="521853" y="2228980"/>
+            <a:ext cx="3276424" cy="369332"/>
+          </a:xfrm>
+          <a:prstGeom prst="rect">
+            <a:avLst/>
+          </a:prstGeom>
+          <a:solidFill>
+            <a:schemeClr val="bg1"/>
+          </a:solidFill>
+        </p:spPr>
+        <p:txBody>
+          <a:bodyPr wrap="square" rtlCol="0">
+            <a:spAutoFit/>
+          </a:bodyPr>
+          <a:lstStyle/>
+          <a:p>
+            <a:r>
+              <a:rPr lang="en-US" b="1" dirty="0" smtClean="0"/>
+              <a:t>Depth + Current + % Rock</a:t>
+            </a:r>
+            <a:endParaRPr lang="en-US" b="1" dirty="0"/>
+          </a:p>
+        </p:txBody>
+      </p:sp>
+      <p:sp>
+        <p:nvSpPr>
+          <p:cNvPr id="7" name="TextBox 6"/>
+          <p:cNvSpPr txBox="1"/>
+          <p:nvPr/>
+        </p:nvSpPr>
+        <p:spPr>
+          <a:xfrm>
+            <a:off x="521853" y="2515535"/>
+            <a:ext cx="3135747" cy="369332"/>
+          </a:xfrm>
+          <a:prstGeom prst="rect">
+            <a:avLst/>
+          </a:prstGeom>
+          <a:solidFill>
+            <a:schemeClr val="bg1"/>
+          </a:solidFill>
+        </p:spPr>
+        <p:txBody>
+          <a:bodyPr wrap="square" rtlCol="0">
+            <a:spAutoFit/>
+          </a:bodyPr>
+          <a:lstStyle/>
+          <a:p>
+            <a:r>
+              <a:rPr lang="en-US" b="1" dirty="0" smtClean="0"/>
+              <a:t>Depth + % Rock</a:t>
+            </a:r>
+            <a:endParaRPr lang="en-US" b="1" dirty="0"/>
+          </a:p>
+        </p:txBody>
+      </p:sp>
+      <p:sp>
+        <p:nvSpPr>
+          <p:cNvPr id="8" name="TextBox 7"/>
+          <p:cNvSpPr txBox="1"/>
+          <p:nvPr/>
+        </p:nvSpPr>
+        <p:spPr>
+          <a:xfrm>
+            <a:off x="521853" y="2802090"/>
+            <a:ext cx="3237948" cy="369332"/>
+          </a:xfrm>
+          <a:prstGeom prst="rect">
+            <a:avLst/>
+          </a:prstGeom>
+          <a:solidFill>
+            <a:schemeClr val="bg1"/>
+          </a:solidFill>
+        </p:spPr>
+        <p:txBody>
+          <a:bodyPr wrap="square" rtlCol="0">
+            <a:spAutoFit/>
+          </a:bodyPr>
+          <a:lstStyle/>
+          <a:p>
+            <a:r>
+              <a:rPr lang="en-US" b="1" dirty="0" smtClean="0"/>
+              <a:t>Depth + Current + % Rock +slope</a:t>
+            </a:r>
+            <a:endParaRPr lang="en-US" b="1" dirty="0"/>
           </a:p>
         </p:txBody>
       </p:sp>
@@ -6278,8 +6512,8 @@
         </p:nvSpPr>
         <p:spPr>
           <a:xfrm>
-            <a:off x="657224" y="1868438"/>
-            <a:ext cx="6096000" cy="1754326"/>
+            <a:off x="3633082" y="1897213"/>
+            <a:ext cx="6096000" cy="1477328"/>
           </a:xfrm>
           <a:prstGeom prst="rect">
             <a:avLst/>
@@ -6385,20 +6619,13 @@
             </a:r>
             <a:r>
               <a:rPr lang="en-US" b="1" dirty="0" smtClean="0"/>
-              <a:t> 1.2    5   0.1469</a:t>
+              <a:t> 1.2    5   </a:t>
+            </a:r>
+            <a:r>
+              <a:rPr lang="en-US" b="1" dirty="0" smtClean="0"/>
+              <a:t>0.1469</a:t>
             </a:r>
             <a:endParaRPr lang="en-US" b="1" dirty="0"/>
-          </a:p>
-          <a:p>
-            <a:r>
-              <a:rPr lang="en-US" dirty="0"/>
-              <a:t>Lm12.bio  -95.1  202.3  575.4     </a:t>
-            </a:r>
-            <a:r>
-              <a:rPr lang="en-US" dirty="0" smtClean="0"/>
-              <a:t> 2.4    6    0.0828</a:t>
-            </a:r>
-            <a:endParaRPr lang="en-US" dirty="0"/>
           </a:p>
         </p:txBody>
       </p:sp>
@@ -6594,6 +6821,134 @@
               <a:rPr lang="en-US" dirty="0"/>
               <a:t>= ~ 1 | Site, data = data, method = "ML")</a:t>
             </a:r>
+          </a:p>
+        </p:txBody>
+      </p:sp>
+      <p:sp>
+        <p:nvSpPr>
+          <p:cNvPr id="5" name="TextBox 4"/>
+          <p:cNvSpPr txBox="1"/>
+          <p:nvPr/>
+        </p:nvSpPr>
+        <p:spPr>
+          <a:xfrm>
+            <a:off x="1214416" y="3024224"/>
+            <a:ext cx="3276424" cy="369332"/>
+          </a:xfrm>
+          <a:prstGeom prst="rect">
+            <a:avLst/>
+          </a:prstGeom>
+          <a:solidFill>
+            <a:schemeClr val="bg1"/>
+          </a:solidFill>
+        </p:spPr>
+        <p:txBody>
+          <a:bodyPr wrap="square" rtlCol="0">
+            <a:spAutoFit/>
+          </a:bodyPr>
+          <a:lstStyle/>
+          <a:p>
+            <a:r>
+              <a:rPr lang="en-US" b="1" dirty="0" smtClean="0"/>
+              <a:t>Depth + % rock</a:t>
+            </a:r>
+            <a:endParaRPr lang="en-US" b="1" dirty="0"/>
+          </a:p>
+        </p:txBody>
+      </p:sp>
+      <p:sp>
+        <p:nvSpPr>
+          <p:cNvPr id="8" name="TextBox 7"/>
+          <p:cNvSpPr txBox="1"/>
+          <p:nvPr/>
+        </p:nvSpPr>
+        <p:spPr>
+          <a:xfrm>
+            <a:off x="1252291" y="2440389"/>
+            <a:ext cx="3276424" cy="369332"/>
+          </a:xfrm>
+          <a:prstGeom prst="rect">
+            <a:avLst/>
+          </a:prstGeom>
+          <a:solidFill>
+            <a:schemeClr val="bg1"/>
+          </a:solidFill>
+        </p:spPr>
+        <p:txBody>
+          <a:bodyPr wrap="square" rtlCol="0">
+            <a:spAutoFit/>
+          </a:bodyPr>
+          <a:lstStyle/>
+          <a:p>
+            <a:r>
+              <a:rPr lang="en-US" b="1" dirty="0" smtClean="0"/>
+              <a:t>Depth + Current</a:t>
+            </a:r>
+            <a:endParaRPr lang="en-US" b="1" dirty="0"/>
+          </a:p>
+        </p:txBody>
+      </p:sp>
+      <p:sp>
+        <p:nvSpPr>
+          <p:cNvPr id="9" name="TextBox 8"/>
+          <p:cNvSpPr txBox="1"/>
+          <p:nvPr/>
+        </p:nvSpPr>
+        <p:spPr>
+          <a:xfrm>
+            <a:off x="1214416" y="2723958"/>
+            <a:ext cx="3276424" cy="369332"/>
+          </a:xfrm>
+          <a:prstGeom prst="rect">
+            <a:avLst/>
+          </a:prstGeom>
+          <a:solidFill>
+            <a:schemeClr val="bg1"/>
+          </a:solidFill>
+        </p:spPr>
+        <p:txBody>
+          <a:bodyPr wrap="square" rtlCol="0">
+            <a:spAutoFit/>
+          </a:bodyPr>
+          <a:lstStyle/>
+          <a:p>
+            <a:r>
+              <a:rPr lang="en-US" b="1" dirty="0" smtClean="0"/>
+              <a:t>Depth + Slope</a:t>
+            </a:r>
+            <a:endParaRPr lang="en-US" b="1" dirty="0"/>
+          </a:p>
+        </p:txBody>
+      </p:sp>
+      <p:sp>
+        <p:nvSpPr>
+          <p:cNvPr id="10" name="TextBox 9"/>
+          <p:cNvSpPr txBox="1"/>
+          <p:nvPr/>
+        </p:nvSpPr>
+        <p:spPr>
+          <a:xfrm>
+            <a:off x="1225800" y="2156588"/>
+            <a:ext cx="3276424" cy="369332"/>
+          </a:xfrm>
+          <a:prstGeom prst="rect">
+            <a:avLst/>
+          </a:prstGeom>
+          <a:solidFill>
+            <a:schemeClr val="bg1"/>
+          </a:solidFill>
+        </p:spPr>
+        <p:txBody>
+          <a:bodyPr wrap="square" rtlCol="0">
+            <a:spAutoFit/>
+          </a:bodyPr>
+          <a:lstStyle/>
+          <a:p>
+            <a:r>
+              <a:rPr lang="en-US" b="1" dirty="0" smtClean="0"/>
+              <a:t>Depth + Current + % Rock</a:t>
+            </a:r>
+            <a:endParaRPr lang="en-US" b="1" dirty="0"/>
           </a:p>
         </p:txBody>
       </p:sp>
@@ -6718,8 +7073,8 @@
         </p:nvSpPr>
         <p:spPr>
           <a:xfrm>
-            <a:off x="766619" y="2046894"/>
-            <a:ext cx="6096000" cy="1477328"/>
+            <a:off x="3239286" y="2019840"/>
+            <a:ext cx="6096000" cy="1200329"/>
           </a:xfrm>
           <a:prstGeom prst="rect">
             <a:avLst/>
@@ -6834,36 +7189,13 @@
             </a:r>
             <a:r>
               <a:rPr lang="pt-BR" b="1" dirty="0" smtClean="0"/>
-              <a:t>	1.7 	 6   0.1173</a:t>
+              <a:t>	1.7 	 6   </a:t>
+            </a:r>
+            <a:r>
+              <a:rPr lang="pt-BR" b="1" dirty="0" smtClean="0"/>
+              <a:t>0.1173</a:t>
             </a:r>
             <a:endParaRPr lang="pt-BR" b="1" dirty="0"/>
-          </a:p>
-          <a:p>
-            <a:r>
-              <a:rPr lang="pt-BR" dirty="0"/>
-              <a:t>Lm12.r </a:t>
-            </a:r>
-            <a:r>
-              <a:rPr lang="pt-BR" dirty="0" smtClean="0"/>
-              <a:t>	-</a:t>
-            </a:r>
-            <a:r>
-              <a:rPr lang="pt-BR" dirty="0"/>
-              <a:t>122.2  </a:t>
-            </a:r>
-            <a:r>
-              <a:rPr lang="pt-BR" dirty="0" smtClean="0"/>
-              <a:t>  256.5    </a:t>
-            </a:r>
-            <a:r>
-              <a:rPr lang="pt-BR" dirty="0"/>
-              <a:t>7.4     </a:t>
-            </a:r>
-            <a:r>
-              <a:rPr lang="pt-BR" dirty="0" smtClean="0"/>
-              <a:t>	2.0 	 6   0.1036</a:t>
-            </a:r>
-            <a:endParaRPr lang="pt-BR" dirty="0"/>
           </a:p>
         </p:txBody>
       </p:sp>
@@ -6875,7 +7207,7 @@
         </p:nvSpPr>
         <p:spPr>
           <a:xfrm>
-            <a:off x="249382" y="3890926"/>
+            <a:off x="657224" y="4001812"/>
             <a:ext cx="10649527" cy="1477328"/>
           </a:xfrm>
           <a:prstGeom prst="rect">
@@ -6889,8 +7221,12 @@
           <a:lstStyle/>
           <a:p>
             <a:r>
+              <a:rPr lang="en-US" dirty="0" smtClean="0"/>
+              <a:t>Lm7.r  </a:t>
+            </a:r>
+            <a:r>
               <a:rPr lang="en-US" dirty="0"/>
-              <a:t>Lm7.r  &lt;- </a:t>
+              <a:t>&lt;- </a:t>
             </a:r>
             <a:r>
               <a:rPr lang="en-US" dirty="0" smtClean="0"/>
@@ -7034,6 +7370,102 @@
               <a:rPr lang="en-US" dirty="0"/>
               <a:t>= ~ 1 | Site, data = data, method = "ML")</a:t>
             </a:r>
+          </a:p>
+        </p:txBody>
+      </p:sp>
+      <p:sp>
+        <p:nvSpPr>
+          <p:cNvPr id="5" name="TextBox 4"/>
+          <p:cNvSpPr txBox="1"/>
+          <p:nvPr/>
+        </p:nvSpPr>
+        <p:spPr>
+          <a:xfrm>
+            <a:off x="657224" y="2273451"/>
+            <a:ext cx="3276424" cy="369332"/>
+          </a:xfrm>
+          <a:prstGeom prst="rect">
+            <a:avLst/>
+          </a:prstGeom>
+          <a:solidFill>
+            <a:schemeClr val="bg1"/>
+          </a:solidFill>
+        </p:spPr>
+        <p:txBody>
+          <a:bodyPr wrap="square" rtlCol="0">
+            <a:spAutoFit/>
+          </a:bodyPr>
+          <a:lstStyle/>
+          <a:p>
+            <a:r>
+              <a:rPr lang="en-US" b="1" dirty="0" smtClean="0"/>
+              <a:t>Depth + % Rock</a:t>
+            </a:r>
+            <a:endParaRPr lang="en-US" b="1" dirty="0"/>
+          </a:p>
+        </p:txBody>
+      </p:sp>
+      <p:sp>
+        <p:nvSpPr>
+          <p:cNvPr id="6" name="TextBox 5"/>
+          <p:cNvSpPr txBox="1"/>
+          <p:nvPr/>
+        </p:nvSpPr>
+        <p:spPr>
+          <a:xfrm>
+            <a:off x="657224" y="2545169"/>
+            <a:ext cx="3276424" cy="369332"/>
+          </a:xfrm>
+          <a:prstGeom prst="rect">
+            <a:avLst/>
+          </a:prstGeom>
+          <a:solidFill>
+            <a:schemeClr val="bg1"/>
+          </a:solidFill>
+        </p:spPr>
+        <p:txBody>
+          <a:bodyPr wrap="square" rtlCol="0">
+            <a:spAutoFit/>
+          </a:bodyPr>
+          <a:lstStyle/>
+          <a:p>
+            <a:r>
+              <a:rPr lang="en-US" b="1" dirty="0" smtClean="0"/>
+              <a:t>Depth</a:t>
+            </a:r>
+            <a:endParaRPr lang="en-US" b="1" dirty="0"/>
+          </a:p>
+        </p:txBody>
+      </p:sp>
+      <p:sp>
+        <p:nvSpPr>
+          <p:cNvPr id="7" name="TextBox 6"/>
+          <p:cNvSpPr txBox="1"/>
+          <p:nvPr/>
+        </p:nvSpPr>
+        <p:spPr>
+          <a:xfrm>
+            <a:off x="657224" y="2862486"/>
+            <a:ext cx="3276424" cy="369332"/>
+          </a:xfrm>
+          <a:prstGeom prst="rect">
+            <a:avLst/>
+          </a:prstGeom>
+          <a:solidFill>
+            <a:schemeClr val="bg1"/>
+          </a:solidFill>
+        </p:spPr>
+        <p:txBody>
+          <a:bodyPr wrap="square" rtlCol="0">
+            <a:spAutoFit/>
+          </a:bodyPr>
+          <a:lstStyle/>
+          <a:p>
+            <a:r>
+              <a:rPr lang="en-US" b="1" dirty="0" smtClean="0"/>
+              <a:t>Depth + Current + % Rock</a:t>
+            </a:r>
+            <a:endParaRPr lang="en-US" b="1" dirty="0"/>
           </a:p>
         </p:txBody>
       </p:sp>
